--- a/slides/Week 3 - linear regression.pptx
+++ b/slides/Week 3 - linear regression.pptx
@@ -314,7 +314,7 @@
             <a:fld id="{373F1B60-BDF4-4D63-AD79-99D5A5B1DF99}" type="datetime1">
               <a:rPr lang="en-US"/>
               <a:pPr/>
-              <a:t>11/27/2019</a:t>
+              <a:t>11/28/2019</a:t>
             </a:fld>
             <a:endParaRPr lang="en-US"/>
           </a:p>
@@ -533,7 +533,7 @@
             <a:fld id="{4387A7AA-DFE9-4771-BEDE-3294FCEBFB02}" type="datetime1">
               <a:rPr lang="en-US"/>
               <a:pPr/>
-              <a:t>11/27/2019</a:t>
+              <a:t>11/28/2019</a:t>
             </a:fld>
             <a:endParaRPr lang="en-US"/>
           </a:p>
@@ -924,7 +924,7 @@
             <a:fld id="{8541E2CD-DBF4-40F9-B6F8-EEFD0DF8A138}" type="datetime1">
               <a:rPr lang="en-US"/>
               <a:pPr/>
-              <a:t>11/27/2019</a:t>
+              <a:t>11/28/2019</a:t>
             </a:fld>
             <a:endParaRPr lang="en-US"/>
           </a:p>
@@ -1139,7 +1139,7 @@
             <a:fld id="{93F21019-3A00-48AC-9663-40DF67A83229}" type="datetime1">
               <a:rPr lang="en-US"/>
               <a:pPr/>
-              <a:t>11/27/2019</a:t>
+              <a:t>11/28/2019</a:t>
             </a:fld>
             <a:endParaRPr lang="en-US">
               <a:solidFill>
@@ -1325,7 +1325,7 @@
             <a:fld id="{8B2EF9C8-0AC3-4A53-9A61-1834A571F420}" type="datetime1">
               <a:rPr lang="en-US"/>
               <a:pPr/>
-              <a:t>11/27/2019</a:t>
+              <a:t>11/28/2019</a:t>
             </a:fld>
             <a:endParaRPr lang="en-US" sz="1400">
               <a:solidFill>
@@ -1522,7 +1522,7 @@
             <a:fld id="{F02960F3-A385-4905-A491-FDC17E063DD1}" type="datetime1">
               <a:rPr lang="en-US"/>
               <a:pPr/>
-              <a:t>11/27/2019</a:t>
+              <a:t>11/28/2019</a:t>
             </a:fld>
             <a:endParaRPr lang="en-US" sz="1400">
               <a:solidFill>
@@ -1781,7 +1781,7 @@
             <a:fld id="{CD3AD70A-8E2A-47B5-AC18-ABBB5A8E737D}" type="datetime1">
               <a:rPr lang="en-US"/>
               <a:pPr/>
-              <a:t>11/27/2019</a:t>
+              <a:t>11/28/2019</a:t>
             </a:fld>
             <a:endParaRPr lang="en-US" sz="1400">
               <a:solidFill>
@@ -2017,7 +2017,7 @@
             <a:fld id="{07008C2E-9BD6-496B-BFC3-B4A975EBC85E}" type="datetime1">
               <a:rPr lang="en-US"/>
               <a:pPr/>
-              <a:t>11/27/2019</a:t>
+              <a:t>11/28/2019</a:t>
             </a:fld>
             <a:endParaRPr lang="en-US" sz="1400">
               <a:solidFill>
@@ -2196,7 +2196,7 @@
             <a:fld id="{1AA2C3CF-866C-4FDE-B76D-4E9536901630}" type="datetime1">
               <a:rPr lang="en-US"/>
               <a:pPr/>
-              <a:t>11/27/2019</a:t>
+              <a:t>11/28/2019</a:t>
             </a:fld>
             <a:endParaRPr lang="en-US" sz="1400">
               <a:solidFill>
@@ -2375,7 +2375,7 @@
             <a:fld id="{555EE259-FE08-4558-B721-B189FFE77284}" type="datetime1">
               <a:rPr lang="en-US"/>
               <a:pPr/>
-              <a:t>11/27/2019</a:t>
+              <a:t>11/28/2019</a:t>
             </a:fld>
             <a:endParaRPr lang="en-US" sz="1400">
               <a:solidFill>
@@ -2644,7 +2644,7 @@
             <a:fld id="{0AF4064E-5624-49AB-B7C6-E301A8F6B1FF}" type="datetime1">
               <a:rPr lang="en-US"/>
               <a:pPr/>
-              <a:t>11/27/2019</a:t>
+              <a:t>11/28/2019</a:t>
             </a:fld>
             <a:endParaRPr lang="en-US" sz="1400">
               <a:solidFill>
@@ -2841,7 +2841,7 @@
             <a:fld id="{CBC97FCD-6C54-4833-B032-BFBCDFA8379D}" type="datetime1">
               <a:rPr lang="en-US"/>
               <a:pPr/>
-              <a:t>11/27/2019</a:t>
+              <a:t>11/28/2019</a:t>
             </a:fld>
             <a:endParaRPr lang="en-US" sz="1400">
               <a:solidFill>
@@ -3050,7 +3050,7 @@
             <a:fld id="{F04AA577-515A-431F-98B6-3B03494ABB11}" type="datetime1">
               <a:rPr lang="en-US"/>
               <a:pPr/>
-              <a:t>11/27/2019</a:t>
+              <a:t>11/28/2019</a:t>
             </a:fld>
             <a:endParaRPr lang="en-US" sz="1400">
               <a:solidFill>
@@ -3355,7 +3355,7 @@
             <a:fld id="{6475F1A4-C474-4345-A800-2F40B0E4E70C}" type="datetime1">
               <a:rPr lang="en-US"/>
               <a:pPr/>
-              <a:t>11/27/2019</a:t>
+              <a:t>11/28/2019</a:t>
             </a:fld>
             <a:endParaRPr lang="en-US" sz="1400">
               <a:solidFill>
@@ -3799,7 +3799,7 @@
             <a:fld id="{7BA535AB-820E-4207-9DA8-5F37106C7AF4}" type="datetime1">
               <a:rPr lang="en-US"/>
               <a:pPr/>
-              <a:t>11/27/2019</a:t>
+              <a:t>11/28/2019</a:t>
             </a:fld>
             <a:endParaRPr lang="en-US" sz="1400">
               <a:solidFill>
@@ -3934,7 +3934,7 @@
             <a:fld id="{0A7E69FA-D7EE-42C0-9117-1971B541885F}" type="datetime1">
               <a:rPr lang="en-US"/>
               <a:pPr/>
-              <a:t>11/27/2019</a:t>
+              <a:t>11/28/2019</a:t>
             </a:fld>
             <a:endParaRPr lang="en-US" sz="1400">
               <a:solidFill>
@@ -4046,7 +4046,7 @@
             <a:fld id="{10D7644E-1B5D-4325-BA79-338DF2B89B56}" type="datetime1">
               <a:rPr lang="en-US"/>
               <a:pPr/>
-              <a:t>11/27/2019</a:t>
+              <a:t>11/28/2019</a:t>
             </a:fld>
             <a:endParaRPr lang="en-US" sz="1400">
               <a:solidFill>
@@ -4340,7 +4340,7 @@
             <a:fld id="{B790C882-0B74-4932-8998-E9ABB8AF1740}" type="datetime1">
               <a:rPr lang="en-US"/>
               <a:pPr/>
-              <a:t>11/27/2019</a:t>
+              <a:t>11/28/2019</a:t>
             </a:fld>
             <a:endParaRPr lang="en-US" sz="1400">
               <a:solidFill>
@@ -4610,7 +4610,7 @@
             <a:fld id="{9DC585DC-AE7D-44C1-90AB-C3A391DEA065}" type="datetime1">
               <a:rPr lang="en-US"/>
               <a:pPr/>
-              <a:t>11/27/2019</a:t>
+              <a:t>11/28/2019</a:t>
             </a:fld>
             <a:endParaRPr lang="en-US" sz="1400">
               <a:solidFill>
@@ -4874,7 +4874,7 @@
             <a:fld id="{256CE565-1940-4E5F-9190-C0815CEAAA9D}" type="datetime1">
               <a:rPr lang="en-US"/>
               <a:pPr/>
-              <a:t>11/27/2019</a:t>
+              <a:t>11/28/2019</a:t>
             </a:fld>
             <a:endParaRPr lang="en-US"/>
           </a:p>
@@ -6925,19 +6925,8 @@
                 <a:latin typeface="Courier New" panose="02070309020205020404" pitchFamily="49" charset="0"/>
                 <a:cs typeface="Courier New" panose="02070309020205020404" pitchFamily="49" charset="0"/>
               </a:rPr>
-              <a:t> </a:t>
-            </a:r>
-            <a:r>
-              <a:rPr lang="nl-NL" sz="1400" kern="0" dirty="0" smtClean="0">
-                <a:latin typeface="Courier New" panose="02070309020205020404" pitchFamily="49" charset="0"/>
-                <a:cs typeface="Courier New" panose="02070309020205020404" pitchFamily="49" charset="0"/>
-              </a:rPr>
-              <a:t>folder.</a:t>
-            </a:r>
-            <a:endParaRPr lang="nl-NL" sz="1400" kern="0" dirty="0" smtClean="0">
-              <a:latin typeface="Courier New" panose="02070309020205020404" pitchFamily="49" charset="0"/>
-              <a:cs typeface="Courier New" panose="02070309020205020404" pitchFamily="49" charset="0"/>
-            </a:endParaRPr>
+              <a:t> folder.</a:t>
+            </a:r>
           </a:p>
           <a:p>
             <a:pPr marL="0" indent="0">
@@ -7103,14 +7092,7 @@
                 <a:latin typeface="Courier New" panose="02070309020205020404" pitchFamily="49" charset="0"/>
                 <a:cs typeface="Courier New" panose="02070309020205020404" pitchFamily="49" charset="0"/>
               </a:rPr>
-              <a:t>. </a:t>
-            </a:r>
-            <a:r>
-              <a:rPr lang="nl-NL" sz="1400" kern="0" dirty="0" smtClean="0">
-                <a:latin typeface="Courier New" panose="02070309020205020404" pitchFamily="49" charset="0"/>
-                <a:cs typeface="Courier New" panose="02070309020205020404" pitchFamily="49" charset="0"/>
-              </a:rPr>
-              <a:t>Make a </a:t>
+              <a:t>. Make a </a:t>
             </a:r>
             <a:r>
               <a:rPr lang="nl-NL" sz="1400" kern="0" dirty="0" err="1" smtClean="0">
@@ -7646,10 +7628,6 @@
               </a:rPr>
               <a:t>.</a:t>
             </a:r>
-            <a:endParaRPr lang="nl-NL" sz="1400" kern="0" dirty="0" smtClean="0">
-              <a:latin typeface="Courier New" panose="02070309020205020404" pitchFamily="49" charset="0"/>
-              <a:cs typeface="Courier New" panose="02070309020205020404" pitchFamily="49" charset="0"/>
-            </a:endParaRPr>
           </a:p>
           <a:p>
             <a:pPr>
@@ -10792,35 +10770,21 @@
                 <a:latin typeface="Courier New" panose="02070309020205020404" pitchFamily="49" charset="0"/>
                 <a:cs typeface="Courier New" panose="02070309020205020404" pitchFamily="49" charset="0"/>
               </a:rPr>
-              <a:t>Continue </a:t>
+              <a:t>Continue in </a:t>
+            </a:r>
+            <a:r>
+              <a:rPr lang="nl-NL" sz="1400" kern="0" dirty="0" err="1" smtClean="0">
+                <a:latin typeface="Courier New" panose="02070309020205020404" pitchFamily="49" charset="0"/>
+                <a:cs typeface="Courier New" panose="02070309020205020404" pitchFamily="49" charset="0"/>
+              </a:rPr>
+              <a:t>your</a:t>
             </a:r>
             <a:r>
               <a:rPr lang="nl-NL" sz="1400" kern="0" dirty="0" smtClean="0">
                 <a:latin typeface="Courier New" panose="02070309020205020404" pitchFamily="49" charset="0"/>
                 <a:cs typeface="Courier New" panose="02070309020205020404" pitchFamily="49" charset="0"/>
               </a:rPr>
-              <a:t>in </a:t>
-            </a:r>
-            <a:r>
-              <a:rPr lang="nl-NL" sz="1400" kern="0" dirty="0" err="1" smtClean="0">
-                <a:latin typeface="Courier New" panose="02070309020205020404" pitchFamily="49" charset="0"/>
-                <a:cs typeface="Courier New" panose="02070309020205020404" pitchFamily="49" charset="0"/>
-              </a:rPr>
-              <a:t>your</a:t>
-            </a:r>
-            <a:r>
-              <a:rPr lang="nl-NL" sz="1400" kern="0" dirty="0" smtClean="0">
-                <a:latin typeface="Courier New" panose="02070309020205020404" pitchFamily="49" charset="0"/>
-                <a:cs typeface="Courier New" panose="02070309020205020404" pitchFamily="49" charset="0"/>
-              </a:rPr>
-              <a:t> Notebook. </a:t>
-            </a:r>
-            <a:r>
-              <a:rPr lang="nl-NL" sz="1400" kern="0" dirty="0" smtClean="0">
-                <a:latin typeface="Courier New" panose="02070309020205020404" pitchFamily="49" charset="0"/>
-                <a:cs typeface="Courier New" panose="02070309020205020404" pitchFamily="49" charset="0"/>
-              </a:rPr>
-              <a:t>We are </a:t>
+              <a:t> Notebook. We are </a:t>
             </a:r>
             <a:r>
               <a:rPr lang="nl-NL" sz="1400" kern="0" dirty="0" err="1" smtClean="0">
@@ -13794,8 +13758,8 @@
         </p:nvSpPr>
         <p:spPr bwMode="auto">
           <a:xfrm>
-            <a:off x="838200" y="1844824"/>
-            <a:ext cx="7881938" cy="5047536"/>
+            <a:off x="838200" y="1484784"/>
+            <a:ext cx="7881938" cy="5995487"/>
           </a:xfrm>
           <a:prstGeom prst="rect">
             <a:avLst/>
@@ -14030,14 +13994,7 @@
                 <a:latin typeface="Courier New" panose="02070309020205020404" pitchFamily="49" charset="0"/>
                 <a:cs typeface="Courier New" panose="02070309020205020404" pitchFamily="49" charset="0"/>
               </a:rPr>
-              <a:t>u</a:t>
-            </a:r>
-            <a:r>
-              <a:rPr lang="nl-NL" sz="1400" kern="0" dirty="0" err="1" smtClean="0">
-                <a:latin typeface="Courier New" panose="02070309020205020404" pitchFamily="49" charset="0"/>
-                <a:cs typeface="Courier New" panose="02070309020205020404" pitchFamily="49" charset="0"/>
-              </a:rPr>
-              <a:t>se</a:t>
+              <a:t>use</a:t>
             </a:r>
             <a:r>
               <a:rPr lang="nl-NL" sz="1400" kern="0" dirty="0" smtClean="0">
@@ -14088,24 +14045,324 @@
               <a:buAutoNum type="arabicPeriod"/>
             </a:pPr>
             <a:r>
+              <a:rPr lang="nl-NL" sz="1400" kern="0" dirty="0" smtClean="0">
+                <a:latin typeface="Courier New" panose="02070309020205020404" pitchFamily="49" charset="0"/>
+                <a:cs typeface="Courier New" panose="02070309020205020404" pitchFamily="49" charset="0"/>
+              </a:rPr>
+              <a:t>Make a </a:t>
+            </a:r>
+            <a:r>
               <a:rPr lang="nl-NL" sz="1400" kern="0" dirty="0" err="1" smtClean="0">
                 <a:latin typeface="Courier New" panose="02070309020205020404" pitchFamily="49" charset="0"/>
                 <a:cs typeface="Courier New" panose="02070309020205020404" pitchFamily="49" charset="0"/>
               </a:rPr>
-              <a:t>Create</a:t>
+              <a:t>scatterplot</a:t>
             </a:r>
             <a:r>
               <a:rPr lang="nl-NL" sz="1400" kern="0" dirty="0" smtClean="0">
                 <a:latin typeface="Courier New" panose="02070309020205020404" pitchFamily="49" charset="0"/>
                 <a:cs typeface="Courier New" panose="02070309020205020404" pitchFamily="49" charset="0"/>
               </a:rPr>
-              <a:t> a dataframe </a:t>
+              <a:t> matrix </a:t>
             </a:r>
             <a:r>
               <a:rPr lang="nl-NL" sz="1400" kern="0" dirty="0" err="1" smtClean="0">
                 <a:latin typeface="Courier New" panose="02070309020205020404" pitchFamily="49" charset="0"/>
                 <a:cs typeface="Courier New" panose="02070309020205020404" pitchFamily="49" charset="0"/>
               </a:rPr>
+              <a:t>and</a:t>
+            </a:r>
+            <a:r>
+              <a:rPr lang="nl-NL" sz="1400" kern="0" dirty="0" smtClean="0">
+                <a:latin typeface="Courier New" panose="02070309020205020404" pitchFamily="49" charset="0"/>
+                <a:cs typeface="Courier New" panose="02070309020205020404" pitchFamily="49" charset="0"/>
+              </a:rPr>
+              <a:t> a </a:t>
+            </a:r>
+            <a:r>
+              <a:rPr lang="nl-NL" sz="1400" kern="0" dirty="0" err="1" smtClean="0">
+                <a:latin typeface="Courier New" panose="02070309020205020404" pitchFamily="49" charset="0"/>
+                <a:cs typeface="Courier New" panose="02070309020205020404" pitchFamily="49" charset="0"/>
+              </a:rPr>
+              <a:t>correlation</a:t>
+            </a:r>
+            <a:r>
+              <a:rPr lang="nl-NL" sz="1400" kern="0" dirty="0" smtClean="0">
+                <a:latin typeface="Courier New" panose="02070309020205020404" pitchFamily="49" charset="0"/>
+                <a:cs typeface="Courier New" panose="02070309020205020404" pitchFamily="49" charset="0"/>
+              </a:rPr>
+              <a:t> matrix of the </a:t>
+            </a:r>
+            <a:r>
+              <a:rPr lang="nl-NL" sz="1400" i="1" kern="0" dirty="0" err="1" smtClean="0">
+                <a:latin typeface="Courier New" panose="02070309020205020404" pitchFamily="49" charset="0"/>
+                <a:cs typeface="Courier New" panose="02070309020205020404" pitchFamily="49" charset="0"/>
+              </a:rPr>
+              <a:t>Funda</a:t>
+            </a:r>
+            <a:r>
+              <a:rPr lang="nl-NL" sz="1400" i="1" kern="0" dirty="0" smtClean="0">
+                <a:latin typeface="Courier New" panose="02070309020205020404" pitchFamily="49" charset="0"/>
+                <a:cs typeface="Courier New" panose="02070309020205020404" pitchFamily="49" charset="0"/>
+              </a:rPr>
+              <a:t> </a:t>
+            </a:r>
+            <a:r>
+              <a:rPr lang="nl-NL" sz="1400" kern="0" dirty="0" smtClean="0">
+                <a:latin typeface="Courier New" panose="02070309020205020404" pitchFamily="49" charset="0"/>
+                <a:cs typeface="Courier New" panose="02070309020205020404" pitchFamily="49" charset="0"/>
+              </a:rPr>
+              <a:t>data set</a:t>
+            </a:r>
+            <a:endParaRPr lang="nl-NL" sz="1400" kern="0" dirty="0" smtClean="0">
+              <a:latin typeface="Courier New" panose="02070309020205020404" pitchFamily="49" charset="0"/>
+              <a:cs typeface="Courier New" panose="02070309020205020404" pitchFamily="49" charset="0"/>
+            </a:endParaRPr>
+          </a:p>
+          <a:p>
+            <a:pPr>
+              <a:buFont typeface="+mj-lt"/>
+              <a:buAutoNum type="arabicPeriod"/>
+            </a:pPr>
+            <a:endParaRPr lang="nl-NL" sz="1400" kern="0" dirty="0">
+              <a:latin typeface="Courier New" panose="02070309020205020404" pitchFamily="49" charset="0"/>
+              <a:cs typeface="Courier New" panose="02070309020205020404" pitchFamily="49" charset="0"/>
+            </a:endParaRPr>
+          </a:p>
+          <a:p>
+            <a:pPr>
+              <a:buFont typeface="+mj-lt"/>
+              <a:buAutoNum type="arabicPeriod"/>
+            </a:pPr>
+            <a:r>
+              <a:rPr lang="nl-NL" sz="1400" kern="0" dirty="0" err="1" smtClean="0">
+                <a:latin typeface="Courier New" panose="02070309020205020404" pitchFamily="49" charset="0"/>
+                <a:cs typeface="Courier New" panose="02070309020205020404" pitchFamily="49" charset="0"/>
+              </a:rPr>
+              <a:t>Based</a:t>
+            </a:r>
+            <a:r>
+              <a:rPr lang="nl-NL" sz="1400" kern="0" dirty="0" smtClean="0">
+                <a:latin typeface="Courier New" panose="02070309020205020404" pitchFamily="49" charset="0"/>
+                <a:cs typeface="Courier New" panose="02070309020205020404" pitchFamily="49" charset="0"/>
+              </a:rPr>
+              <a:t> on this, </a:t>
+            </a:r>
+            <a:r>
+              <a:rPr lang="nl-NL" sz="1400" kern="0" dirty="0" err="1" smtClean="0">
+                <a:latin typeface="Courier New" panose="02070309020205020404" pitchFamily="49" charset="0"/>
+                <a:cs typeface="Courier New" panose="02070309020205020404" pitchFamily="49" charset="0"/>
+              </a:rPr>
+              <a:t>choose</a:t>
+            </a:r>
+            <a:r>
+              <a:rPr lang="nl-NL" sz="1400" kern="0" dirty="0" smtClean="0">
+                <a:latin typeface="Courier New" panose="02070309020205020404" pitchFamily="49" charset="0"/>
+                <a:cs typeface="Courier New" panose="02070309020205020404" pitchFamily="49" charset="0"/>
+              </a:rPr>
+              <a:t> 3 </a:t>
+            </a:r>
+            <a:r>
+              <a:rPr lang="nl-NL" sz="1400" kern="0" dirty="0" smtClean="0">
+                <a:latin typeface="Courier New" panose="02070309020205020404" pitchFamily="49" charset="0"/>
+                <a:cs typeface="Courier New" panose="02070309020205020404" pitchFamily="49" charset="0"/>
+              </a:rPr>
+              <a:t>variables </a:t>
+            </a:r>
+            <a:r>
+              <a:rPr lang="nl-NL" sz="1400" kern="0" dirty="0" smtClean="0">
+                <a:latin typeface="Courier New" panose="02070309020205020404" pitchFamily="49" charset="0"/>
+                <a:cs typeface="Courier New" panose="02070309020205020404" pitchFamily="49" charset="0"/>
+              </a:rPr>
+              <a:t>from </a:t>
+            </a:r>
+            <a:r>
+              <a:rPr lang="nl-NL" sz="1400" kern="0" dirty="0" smtClean="0">
+                <a:latin typeface="Courier New" panose="02070309020205020404" pitchFamily="49" charset="0"/>
+                <a:cs typeface="Courier New" panose="02070309020205020404" pitchFamily="49" charset="0"/>
+              </a:rPr>
+              <a:t>the </a:t>
+            </a:r>
+            <a:r>
+              <a:rPr lang="nl-NL" sz="1400" kern="0" dirty="0" err="1" smtClean="0">
+                <a:latin typeface="Courier New" panose="02070309020205020404" pitchFamily="49" charset="0"/>
+                <a:cs typeface="Courier New" panose="02070309020205020404" pitchFamily="49" charset="0"/>
+              </a:rPr>
+              <a:t>Funda</a:t>
+            </a:r>
+            <a:r>
+              <a:rPr lang="nl-NL" sz="1400" kern="0" dirty="0" smtClean="0">
+                <a:latin typeface="Courier New" panose="02070309020205020404" pitchFamily="49" charset="0"/>
+                <a:cs typeface="Courier New" panose="02070309020205020404" pitchFamily="49" charset="0"/>
+              </a:rPr>
+              <a:t> data set as </a:t>
+            </a:r>
+            <a:r>
+              <a:rPr lang="nl-NL" sz="1400" kern="0" dirty="0" err="1" smtClean="0">
+                <a:latin typeface="Courier New" panose="02070309020205020404" pitchFamily="49" charset="0"/>
+                <a:cs typeface="Courier New" panose="02070309020205020404" pitchFamily="49" charset="0"/>
+              </a:rPr>
+              <a:t>your</a:t>
+            </a:r>
+            <a:r>
+              <a:rPr lang="nl-NL" sz="1400" kern="0" dirty="0" smtClean="0">
+                <a:latin typeface="Courier New" panose="02070309020205020404" pitchFamily="49" charset="0"/>
+                <a:cs typeface="Courier New" panose="02070309020205020404" pitchFamily="49" charset="0"/>
+              </a:rPr>
+              <a:t> independent variables (X</a:t>
+            </a:r>
+            <a:r>
+              <a:rPr lang="nl-NL" sz="1400" kern="0" dirty="0" smtClean="0">
+                <a:latin typeface="Courier New" panose="02070309020205020404" pitchFamily="49" charset="0"/>
+                <a:cs typeface="Courier New" panose="02070309020205020404" pitchFamily="49" charset="0"/>
+              </a:rPr>
+              <a:t>) for the </a:t>
+            </a:r>
+            <a:r>
+              <a:rPr lang="nl-NL" sz="1400" kern="0" dirty="0" err="1" smtClean="0">
+                <a:latin typeface="Courier New" panose="02070309020205020404" pitchFamily="49" charset="0"/>
+                <a:cs typeface="Courier New" panose="02070309020205020404" pitchFamily="49" charset="0"/>
+              </a:rPr>
+              <a:t>depende</a:t>
+            </a:r>
+            <a:r>
+              <a:rPr lang="nl-NL" sz="1400" kern="0" dirty="0" err="1" smtClean="0">
+                <a:latin typeface="Courier New" panose="02070309020205020404" pitchFamily="49" charset="0"/>
+                <a:cs typeface="Courier New" panose="02070309020205020404" pitchFamily="49" charset="0"/>
+              </a:rPr>
+              <a:t>nt</a:t>
+            </a:r>
+            <a:r>
+              <a:rPr lang="nl-NL" sz="1400" kern="0" dirty="0" smtClean="0">
+                <a:latin typeface="Courier New" panose="02070309020205020404" pitchFamily="49" charset="0"/>
+                <a:cs typeface="Courier New" panose="02070309020205020404" pitchFamily="49" charset="0"/>
+              </a:rPr>
+              <a:t> </a:t>
+            </a:r>
+            <a:r>
+              <a:rPr lang="nl-NL" sz="1400" kern="0" dirty="0" err="1" smtClean="0">
+                <a:latin typeface="Courier New" panose="02070309020205020404" pitchFamily="49" charset="0"/>
+                <a:cs typeface="Courier New" panose="02070309020205020404" pitchFamily="49" charset="0"/>
+              </a:rPr>
+              <a:t>variable</a:t>
+            </a:r>
+            <a:r>
+              <a:rPr lang="nl-NL" sz="1400" kern="0" dirty="0" smtClean="0">
+                <a:latin typeface="Courier New" panose="02070309020205020404" pitchFamily="49" charset="0"/>
+                <a:cs typeface="Courier New" panose="02070309020205020404" pitchFamily="49" charset="0"/>
+              </a:rPr>
+              <a:t> </a:t>
+            </a:r>
+            <a:r>
+              <a:rPr lang="nl-NL" sz="1400" kern="0" dirty="0" err="1" smtClean="0">
+                <a:latin typeface="Courier New" panose="02070309020205020404" pitchFamily="49" charset="0"/>
+                <a:cs typeface="Courier New" panose="02070309020205020404" pitchFamily="49" charset="0"/>
+              </a:rPr>
+              <a:t>price</a:t>
+            </a:r>
+            <a:r>
+              <a:rPr lang="nl-NL" sz="1400" kern="0" dirty="0" smtClean="0">
+                <a:latin typeface="Courier New" panose="02070309020205020404" pitchFamily="49" charset="0"/>
+                <a:cs typeface="Courier New" panose="02070309020205020404" pitchFamily="49" charset="0"/>
+              </a:rPr>
+              <a:t> (Y). </a:t>
+            </a:r>
+            <a:r>
+              <a:rPr lang="nl-NL" sz="1400" kern="0" dirty="0" err="1" smtClean="0">
+                <a:latin typeface="Courier New" panose="02070309020205020404" pitchFamily="49" charset="0"/>
+                <a:cs typeface="Courier New" panose="02070309020205020404" pitchFamily="49" charset="0"/>
+              </a:rPr>
+              <a:t>You</a:t>
+            </a:r>
+            <a:r>
+              <a:rPr lang="nl-NL" sz="1400" kern="0" dirty="0" smtClean="0">
+                <a:latin typeface="Courier New" panose="02070309020205020404" pitchFamily="49" charset="0"/>
+                <a:cs typeface="Courier New" panose="02070309020205020404" pitchFamily="49" charset="0"/>
+              </a:rPr>
+              <a:t> want </a:t>
+            </a:r>
+            <a:r>
+              <a:rPr lang="nl-NL" sz="1400" kern="0" dirty="0" smtClean="0">
+                <a:latin typeface="Courier New" panose="02070309020205020404" pitchFamily="49" charset="0"/>
+                <a:cs typeface="Courier New" panose="02070309020205020404" pitchFamily="49" charset="0"/>
+              </a:rPr>
+              <a:t>variables </a:t>
+            </a:r>
+            <a:r>
+              <a:rPr lang="nl-NL" sz="1400" kern="0" dirty="0" err="1" smtClean="0">
+                <a:latin typeface="Courier New" panose="02070309020205020404" pitchFamily="49" charset="0"/>
+                <a:cs typeface="Courier New" panose="02070309020205020404" pitchFamily="49" charset="0"/>
+              </a:rPr>
+              <a:t>that</a:t>
+            </a:r>
+            <a:r>
+              <a:rPr lang="nl-NL" sz="1400" kern="0" dirty="0" smtClean="0">
+                <a:latin typeface="Courier New" panose="02070309020205020404" pitchFamily="49" charset="0"/>
+                <a:cs typeface="Courier New" panose="02070309020205020404" pitchFamily="49" charset="0"/>
+              </a:rPr>
+              <a:t> have a </a:t>
+            </a:r>
+            <a:r>
+              <a:rPr lang="nl-NL" sz="1400" kern="0" dirty="0" err="1" smtClean="0">
+                <a:latin typeface="Courier New" panose="02070309020205020404" pitchFamily="49" charset="0"/>
+                <a:cs typeface="Courier New" panose="02070309020205020404" pitchFamily="49" charset="0"/>
+              </a:rPr>
+              <a:t>linear</a:t>
+            </a:r>
+            <a:r>
+              <a:rPr lang="nl-NL" sz="1400" kern="0" dirty="0" smtClean="0">
+                <a:latin typeface="Courier New" panose="02070309020205020404" pitchFamily="49" charset="0"/>
+                <a:cs typeface="Courier New" panose="02070309020205020404" pitchFamily="49" charset="0"/>
+              </a:rPr>
+              <a:t> </a:t>
+            </a:r>
+            <a:r>
+              <a:rPr lang="nl-NL" sz="1400" kern="0" dirty="0" err="1" smtClean="0">
+                <a:latin typeface="Courier New" panose="02070309020205020404" pitchFamily="49" charset="0"/>
+                <a:cs typeface="Courier New" panose="02070309020205020404" pitchFamily="49" charset="0"/>
+              </a:rPr>
+              <a:t>relation</a:t>
+            </a:r>
+            <a:r>
+              <a:rPr lang="nl-NL" sz="1400" kern="0" dirty="0" smtClean="0">
+                <a:latin typeface="Courier New" panose="02070309020205020404" pitchFamily="49" charset="0"/>
+                <a:cs typeface="Courier New" panose="02070309020205020404" pitchFamily="49" charset="0"/>
+              </a:rPr>
+              <a:t> </a:t>
+            </a:r>
+            <a:r>
+              <a:rPr lang="nl-NL" sz="1400" kern="0" dirty="0" err="1" smtClean="0">
+                <a:latin typeface="Courier New" panose="02070309020205020404" pitchFamily="49" charset="0"/>
+                <a:cs typeface="Courier New" panose="02070309020205020404" pitchFamily="49" charset="0"/>
+              </a:rPr>
+              <a:t>and</a:t>
+            </a:r>
+            <a:r>
+              <a:rPr lang="nl-NL" sz="1400" kern="0" dirty="0" smtClean="0">
+                <a:latin typeface="Courier New" panose="02070309020205020404" pitchFamily="49" charset="0"/>
+                <a:cs typeface="Courier New" panose="02070309020205020404" pitchFamily="49" charset="0"/>
+              </a:rPr>
+              <a:t> </a:t>
+            </a:r>
+            <a:r>
+              <a:rPr lang="nl-NL" sz="1400" kern="0" dirty="0" err="1" smtClean="0">
+                <a:latin typeface="Courier New" panose="02070309020205020404" pitchFamily="49" charset="0"/>
+                <a:cs typeface="Courier New" panose="02070309020205020404" pitchFamily="49" charset="0"/>
+              </a:rPr>
+              <a:t>correlate</a:t>
+            </a:r>
+            <a:r>
+              <a:rPr lang="nl-NL" sz="1400" kern="0" dirty="0" smtClean="0">
+                <a:latin typeface="Courier New" panose="02070309020205020404" pitchFamily="49" charset="0"/>
+                <a:cs typeface="Courier New" panose="02070309020205020404" pitchFamily="49" charset="0"/>
+              </a:rPr>
+              <a:t> well </a:t>
+            </a:r>
+            <a:r>
+              <a:rPr lang="nl-NL" sz="1400" kern="0" dirty="0" err="1" smtClean="0">
+                <a:latin typeface="Courier New" panose="02070309020205020404" pitchFamily="49" charset="0"/>
+                <a:cs typeface="Courier New" panose="02070309020205020404" pitchFamily="49" charset="0"/>
+              </a:rPr>
               <a:t>with</a:t>
             </a:r>
             <a:r>
@@ -14113,20 +14370,62 @@
                 <a:latin typeface="Courier New" panose="02070309020205020404" pitchFamily="49" charset="0"/>
                 <a:cs typeface="Courier New" panose="02070309020205020404" pitchFamily="49" charset="0"/>
               </a:rPr>
-              <a:t> 3 variables of </a:t>
+              <a:t> </a:t>
+            </a:r>
+            <a:r>
+              <a:rPr lang="nl-NL" sz="1400" i="1" kern="0" dirty="0" err="1" smtClean="0">
+                <a:latin typeface="Courier New" panose="02070309020205020404" pitchFamily="49" charset="0"/>
+                <a:cs typeface="Courier New" panose="02070309020205020404" pitchFamily="49" charset="0"/>
+              </a:rPr>
+              <a:t>price</a:t>
+            </a:r>
+            <a:r>
+              <a:rPr lang="nl-NL" sz="1400" i="1" kern="0" dirty="0" smtClean="0">
+                <a:latin typeface="Courier New" panose="02070309020205020404" pitchFamily="49" charset="0"/>
+                <a:cs typeface="Courier New" panose="02070309020205020404" pitchFamily="49" charset="0"/>
+              </a:rPr>
+              <a:t>. </a:t>
             </a:r>
             <a:r>
               <a:rPr lang="nl-NL" sz="1400" kern="0" dirty="0" err="1" smtClean="0">
                 <a:latin typeface="Courier New" panose="02070309020205020404" pitchFamily="49" charset="0"/>
                 <a:cs typeface="Courier New" panose="02070309020205020404" pitchFamily="49" charset="0"/>
               </a:rPr>
-              <a:t>your</a:t>
+              <a:t>Note</a:t>
             </a:r>
             <a:r>
               <a:rPr lang="nl-NL" sz="1400" kern="0" dirty="0" smtClean="0">
                 <a:latin typeface="Courier New" panose="02070309020205020404" pitchFamily="49" charset="0"/>
                 <a:cs typeface="Courier New" panose="02070309020205020404" pitchFamily="49" charset="0"/>
               </a:rPr>
+              <a:t>: </a:t>
+            </a:r>
+            <a:r>
+              <a:rPr lang="nl-NL" sz="1400" kern="0" dirty="0" err="1" smtClean="0">
+                <a:latin typeface="Courier New" panose="02070309020205020404" pitchFamily="49" charset="0"/>
+                <a:cs typeface="Courier New" panose="02070309020205020404" pitchFamily="49" charset="0"/>
+              </a:rPr>
+              <a:t>it</a:t>
+            </a:r>
+            <a:r>
+              <a:rPr lang="nl-NL" sz="1400" kern="0" dirty="0" smtClean="0">
+                <a:latin typeface="Courier New" panose="02070309020205020404" pitchFamily="49" charset="0"/>
+                <a:cs typeface="Courier New" panose="02070309020205020404" pitchFamily="49" charset="0"/>
+              </a:rPr>
+              <a:t> does </a:t>
+            </a:r>
+            <a:r>
+              <a:rPr lang="nl-NL" sz="1400" kern="0" dirty="0" err="1" smtClean="0">
+                <a:latin typeface="Courier New" panose="02070309020205020404" pitchFamily="49" charset="0"/>
+                <a:cs typeface="Courier New" panose="02070309020205020404" pitchFamily="49" charset="0"/>
+              </a:rPr>
+              <a:t>not</a:t>
+            </a:r>
+            <a:r>
+              <a:rPr lang="nl-NL" sz="1400" kern="0" dirty="0" smtClean="0">
+                <a:latin typeface="Courier New" panose="02070309020205020404" pitchFamily="49" charset="0"/>
+                <a:cs typeface="Courier New" panose="02070309020205020404" pitchFamily="49" charset="0"/>
+              </a:rPr>
               <a:t> </a:t>
             </a:r>
             <a:r>
@@ -14134,77 +14433,91 @@
                 <a:latin typeface="Courier New" panose="02070309020205020404" pitchFamily="49" charset="0"/>
                 <a:cs typeface="Courier New" panose="02070309020205020404" pitchFamily="49" charset="0"/>
               </a:rPr>
-              <a:t>choice</a:t>
+              <a:t>work</a:t>
             </a:r>
             <a:r>
               <a:rPr lang="nl-NL" sz="1400" kern="0" dirty="0" smtClean="0">
                 <a:latin typeface="Courier New" panose="02070309020205020404" pitchFamily="49" charset="0"/>
                 <a:cs typeface="Courier New" panose="02070309020205020404" pitchFamily="49" charset="0"/>
               </a:rPr>
-              <a:t> from the </a:t>
+              <a:t> </a:t>
             </a:r>
             <a:r>
               <a:rPr lang="nl-NL" sz="1400" kern="0" dirty="0" err="1" smtClean="0">
                 <a:latin typeface="Courier New" panose="02070309020205020404" pitchFamily="49" charset="0"/>
                 <a:cs typeface="Courier New" panose="02070309020205020404" pitchFamily="49" charset="0"/>
               </a:rPr>
-              <a:t>Funda</a:t>
+              <a:t>very</a:t>
             </a:r>
             <a:r>
               <a:rPr lang="nl-NL" sz="1400" kern="0" dirty="0" smtClean="0">
                 <a:latin typeface="Courier New" panose="02070309020205020404" pitchFamily="49" charset="0"/>
                 <a:cs typeface="Courier New" panose="02070309020205020404" pitchFamily="49" charset="0"/>
               </a:rPr>
-              <a:t> data set as </a:t>
+              <a:t> well </a:t>
             </a:r>
             <a:r>
               <a:rPr lang="nl-NL" sz="1400" kern="0" dirty="0" err="1" smtClean="0">
                 <a:latin typeface="Courier New" panose="02070309020205020404" pitchFamily="49" charset="0"/>
                 <a:cs typeface="Courier New" panose="02070309020205020404" pitchFamily="49" charset="0"/>
               </a:rPr>
-              <a:t>your</a:t>
+              <a:t>to</a:t>
             </a:r>
             <a:r>
               <a:rPr lang="nl-NL" sz="1400" kern="0" dirty="0" smtClean="0">
                 <a:latin typeface="Courier New" panose="02070309020205020404" pitchFamily="49" charset="0"/>
                 <a:cs typeface="Courier New" panose="02070309020205020404" pitchFamily="49" charset="0"/>
               </a:rPr>
-              <a:t> independent variables (X). </a:t>
+              <a:t> </a:t>
+            </a:r>
+            <a:r>
+              <a:rPr lang="nl-NL" sz="1400" kern="0" dirty="0" smtClean="0">
+                <a:latin typeface="Courier New" panose="02070309020205020404" pitchFamily="49" charset="0"/>
+                <a:cs typeface="Courier New" panose="02070309020205020404" pitchFamily="49" charset="0"/>
+              </a:rPr>
+              <a:t>select variables </a:t>
             </a:r>
             <a:r>
               <a:rPr lang="nl-NL" sz="1400" kern="0" dirty="0" err="1" smtClean="0">
                 <a:latin typeface="Courier New" panose="02070309020205020404" pitchFamily="49" charset="0"/>
                 <a:cs typeface="Courier New" panose="02070309020205020404" pitchFamily="49" charset="0"/>
               </a:rPr>
-              <a:t>Note</a:t>
+              <a:t>that</a:t>
             </a:r>
             <a:r>
               <a:rPr lang="nl-NL" sz="1400" kern="0" dirty="0" smtClean="0">
                 <a:latin typeface="Courier New" panose="02070309020205020404" pitchFamily="49" charset="0"/>
                 <a:cs typeface="Courier New" panose="02070309020205020404" pitchFamily="49" charset="0"/>
               </a:rPr>
-              <a:t>: </a:t>
+              <a:t> </a:t>
+            </a:r>
+            <a:r>
+              <a:rPr lang="nl-NL" sz="1400" kern="0" dirty="0" smtClean="0">
+                <a:latin typeface="Courier New" panose="02070309020205020404" pitchFamily="49" charset="0"/>
+                <a:cs typeface="Courier New" panose="02070309020205020404" pitchFamily="49" charset="0"/>
+              </a:rPr>
+              <a:t>are </a:t>
             </a:r>
             <a:r>
               <a:rPr lang="nl-NL" sz="1400" kern="0" dirty="0" err="1" smtClean="0">
                 <a:latin typeface="Courier New" panose="02070309020205020404" pitchFamily="49" charset="0"/>
                 <a:cs typeface="Courier New" panose="02070309020205020404" pitchFamily="49" charset="0"/>
               </a:rPr>
-              <a:t>it</a:t>
+              <a:t>highly</a:t>
             </a:r>
             <a:r>
               <a:rPr lang="nl-NL" sz="1400" kern="0" dirty="0" smtClean="0">
                 <a:latin typeface="Courier New" panose="02070309020205020404" pitchFamily="49" charset="0"/>
                 <a:cs typeface="Courier New" panose="02070309020205020404" pitchFamily="49" charset="0"/>
               </a:rPr>
-              <a:t> does </a:t>
+              <a:t> </a:t>
             </a:r>
             <a:r>
               <a:rPr lang="nl-NL" sz="1400" kern="0" dirty="0" err="1" smtClean="0">
                 <a:latin typeface="Courier New" panose="02070309020205020404" pitchFamily="49" charset="0"/>
                 <a:cs typeface="Courier New" panose="02070309020205020404" pitchFamily="49" charset="0"/>
               </a:rPr>
-              <a:t>not</a:t>
+              <a:t>correlated</a:t>
             </a:r>
             <a:r>
               <a:rPr lang="nl-NL" sz="1400" kern="0" dirty="0" smtClean="0">
@@ -14214,95 +14527,39 @@
               <a:t> </a:t>
             </a:r>
             <a:r>
-              <a:rPr lang="nl-NL" sz="1400" kern="0" dirty="0" err="1" smtClean="0">
-                <a:latin typeface="Courier New" panose="02070309020205020404" pitchFamily="49" charset="0"/>
-                <a:cs typeface="Courier New" panose="02070309020205020404" pitchFamily="49" charset="0"/>
-              </a:rPr>
-              <a:t>work</a:t>
-            </a:r>
-            <a:r>
-              <a:rPr lang="nl-NL" sz="1400" kern="0" dirty="0" smtClean="0">
+              <a:rPr lang="nl-NL" sz="1400" b="1" i="1" kern="0" dirty="0" err="1" smtClean="0">
+                <a:latin typeface="Courier New" panose="02070309020205020404" pitchFamily="49" charset="0"/>
+                <a:cs typeface="Courier New" panose="02070309020205020404" pitchFamily="49" charset="0"/>
+              </a:rPr>
+              <a:t>with</a:t>
+            </a:r>
+            <a:r>
+              <a:rPr lang="nl-NL" sz="1400" b="1" i="1" kern="0" dirty="0" smtClean="0">
                 <a:latin typeface="Courier New" panose="02070309020205020404" pitchFamily="49" charset="0"/>
                 <a:cs typeface="Courier New" panose="02070309020205020404" pitchFamily="49" charset="0"/>
               </a:rPr>
               <a:t> </a:t>
             </a:r>
             <a:r>
-              <a:rPr lang="nl-NL" sz="1400" kern="0" dirty="0" err="1" smtClean="0">
-                <a:latin typeface="Courier New" panose="02070309020205020404" pitchFamily="49" charset="0"/>
-                <a:cs typeface="Courier New" panose="02070309020205020404" pitchFamily="49" charset="0"/>
-              </a:rPr>
-              <a:t>very</a:t>
-            </a:r>
-            <a:r>
-              <a:rPr lang="nl-NL" sz="1400" kern="0" dirty="0" smtClean="0">
-                <a:latin typeface="Courier New" panose="02070309020205020404" pitchFamily="49" charset="0"/>
-                <a:cs typeface="Courier New" panose="02070309020205020404" pitchFamily="49" charset="0"/>
-              </a:rPr>
-              <a:t> well </a:t>
-            </a:r>
-            <a:r>
-              <a:rPr lang="nl-NL" sz="1400" kern="0" dirty="0" err="1" smtClean="0">
-                <a:latin typeface="Courier New" panose="02070309020205020404" pitchFamily="49" charset="0"/>
-                <a:cs typeface="Courier New" panose="02070309020205020404" pitchFamily="49" charset="0"/>
-              </a:rPr>
-              <a:t>to</a:t>
-            </a:r>
-            <a:r>
-              <a:rPr lang="nl-NL" sz="1400" kern="0" dirty="0" smtClean="0">
+              <a:rPr lang="nl-NL" sz="1400" b="1" i="1" kern="0" dirty="0" err="1" smtClean="0">
+                <a:latin typeface="Courier New" panose="02070309020205020404" pitchFamily="49" charset="0"/>
+                <a:cs typeface="Courier New" panose="02070309020205020404" pitchFamily="49" charset="0"/>
+              </a:rPr>
+              <a:t>each</a:t>
+            </a:r>
+            <a:r>
+              <a:rPr lang="nl-NL" sz="1400" b="1" i="1" kern="0" dirty="0" smtClean="0">
                 <a:latin typeface="Courier New" panose="02070309020205020404" pitchFamily="49" charset="0"/>
                 <a:cs typeface="Courier New" panose="02070309020205020404" pitchFamily="49" charset="0"/>
               </a:rPr>
               <a:t> </a:t>
             </a:r>
             <a:r>
-              <a:rPr lang="nl-NL" sz="1400" kern="0" dirty="0" err="1" smtClean="0">
-                <a:latin typeface="Courier New" panose="02070309020205020404" pitchFamily="49" charset="0"/>
-                <a:cs typeface="Courier New" panose="02070309020205020404" pitchFamily="49" charset="0"/>
-              </a:rPr>
-              <a:t>choose</a:t>
-            </a:r>
-            <a:r>
-              <a:rPr lang="nl-NL" sz="1400" kern="0" dirty="0" smtClean="0">
-                <a:latin typeface="Courier New" panose="02070309020205020404" pitchFamily="49" charset="0"/>
-                <a:cs typeface="Courier New" panose="02070309020205020404" pitchFamily="49" charset="0"/>
-              </a:rPr>
-              <a:t> columns </a:t>
-            </a:r>
-            <a:r>
-              <a:rPr lang="nl-NL" sz="1400" kern="0" dirty="0" err="1" smtClean="0">
-                <a:latin typeface="Courier New" panose="02070309020205020404" pitchFamily="49" charset="0"/>
-                <a:cs typeface="Courier New" panose="02070309020205020404" pitchFamily="49" charset="0"/>
-              </a:rPr>
-              <a:t>that</a:t>
-            </a:r>
-            <a:r>
-              <a:rPr lang="nl-NL" sz="1400" kern="0" dirty="0" smtClean="0">
-                <a:latin typeface="Courier New" panose="02070309020205020404" pitchFamily="49" charset="0"/>
-                <a:cs typeface="Courier New" panose="02070309020205020404" pitchFamily="49" charset="0"/>
-              </a:rPr>
-              <a:t> are </a:t>
-            </a:r>
-            <a:r>
-              <a:rPr lang="nl-NL" sz="1400" kern="0" dirty="0" err="1" smtClean="0">
-                <a:latin typeface="Courier New" panose="02070309020205020404" pitchFamily="49" charset="0"/>
-                <a:cs typeface="Courier New" panose="02070309020205020404" pitchFamily="49" charset="0"/>
-              </a:rPr>
-              <a:t>highly</a:t>
-            </a:r>
-            <a:r>
-              <a:rPr lang="nl-NL" sz="1400" kern="0" dirty="0" smtClean="0">
-                <a:latin typeface="Courier New" panose="02070309020205020404" pitchFamily="49" charset="0"/>
-                <a:cs typeface="Courier New" panose="02070309020205020404" pitchFamily="49" charset="0"/>
-              </a:rPr>
-              <a:t> </a:t>
-            </a:r>
-            <a:r>
-              <a:rPr lang="nl-NL" sz="1400" kern="0" dirty="0" err="1" smtClean="0">
-                <a:latin typeface="Courier New" panose="02070309020205020404" pitchFamily="49" charset="0"/>
-                <a:cs typeface="Courier New" panose="02070309020205020404" pitchFamily="49" charset="0"/>
-              </a:rPr>
-              <a:t>correlated</a:t>
+              <a:rPr lang="nl-NL" sz="1400" b="1" i="1" kern="0" dirty="0" err="1" smtClean="0">
+                <a:latin typeface="Courier New" panose="02070309020205020404" pitchFamily="49" charset="0"/>
+                <a:cs typeface="Courier New" panose="02070309020205020404" pitchFamily="49" charset="0"/>
+              </a:rPr>
+              <a:t>other</a:t>
             </a:r>
             <a:r>
               <a:rPr lang="nl-NL" sz="1400" kern="0" dirty="0" smtClean="0">
@@ -14634,14 +14891,7 @@
                 <a:latin typeface="Courier New" panose="02070309020205020404" pitchFamily="49" charset="0"/>
                 <a:cs typeface="Courier New" panose="02070309020205020404" pitchFamily="49" charset="0"/>
               </a:rPr>
-              <a:t> well</a:t>
-            </a:r>
-            <a:r>
-              <a:rPr lang="nl-NL" sz="1400" kern="0" dirty="0" smtClean="0">
-                <a:latin typeface="Courier New" panose="02070309020205020404" pitchFamily="49" charset="0"/>
-                <a:cs typeface="Courier New" panose="02070309020205020404" pitchFamily="49" charset="0"/>
-              </a:rPr>
-              <a:t>?</a:t>
+              <a:t> well?</a:t>
             </a:r>
           </a:p>
           <a:p>
@@ -14671,89 +14921,78 @@
                 <a:latin typeface="Courier New" panose="02070309020205020404" pitchFamily="49" charset="0"/>
                 <a:cs typeface="Courier New" panose="02070309020205020404" pitchFamily="49" charset="0"/>
               </a:rPr>
-              <a:t>coefficient</a:t>
+              <a:t>coefficients</a:t>
+            </a:r>
+            <a:r>
+              <a:rPr lang="nl-NL" sz="1400" kern="0" dirty="0" smtClean="0">
+                <a:latin typeface="Courier New" panose="02070309020205020404" pitchFamily="49" charset="0"/>
+                <a:cs typeface="Courier New" panose="02070309020205020404" pitchFamily="49" charset="0"/>
+              </a:rPr>
+              <a:t> </a:t>
             </a:r>
             <a:r>
               <a:rPr lang="nl-NL" sz="1400" kern="0" dirty="0" err="1" smtClean="0">
                 <a:latin typeface="Courier New" panose="02070309020205020404" pitchFamily="49" charset="0"/>
                 <a:cs typeface="Courier New" panose="02070309020205020404" pitchFamily="49" charset="0"/>
               </a:rPr>
-              <a:t>s</a:t>
+              <a:t>and</a:t>
+            </a:r>
+            <a:r>
+              <a:rPr lang="nl-NL" sz="1400" kern="0" dirty="0">
+                <a:latin typeface="Courier New" panose="02070309020205020404" pitchFamily="49" charset="0"/>
+                <a:cs typeface="Courier New" panose="02070309020205020404" pitchFamily="49" charset="0"/>
+              </a:rPr>
+              <a:t> </a:t>
+            </a:r>
+            <a:r>
+              <a:rPr lang="nl-NL" sz="1400" kern="0" dirty="0" err="1" smtClean="0">
+                <a:latin typeface="Courier New" panose="02070309020205020404" pitchFamily="49" charset="0"/>
+                <a:cs typeface="Courier New" panose="02070309020205020404" pitchFamily="49" charset="0"/>
+              </a:rPr>
+              <a:t>write</a:t>
+            </a:r>
+            <a:r>
+              <a:rPr lang="nl-NL" sz="1400" kern="0" dirty="0">
+                <a:latin typeface="Courier New" panose="02070309020205020404" pitchFamily="49" charset="0"/>
+                <a:cs typeface="Courier New" panose="02070309020205020404" pitchFamily="49" charset="0"/>
+              </a:rPr>
+              <a:t> </a:t>
             </a:r>
             <a:r>
               <a:rPr lang="nl-NL" sz="1400" kern="0" dirty="0" smtClean="0">
                 <a:latin typeface="Courier New" panose="02070309020205020404" pitchFamily="49" charset="0"/>
                 <a:cs typeface="Courier New" panose="02070309020205020404" pitchFamily="49" charset="0"/>
               </a:rPr>
-              <a:t> </a:t>
+              <a:t>the </a:t>
             </a:r>
             <a:r>
               <a:rPr lang="nl-NL" sz="1400" kern="0" dirty="0" err="1" smtClean="0">
                 <a:latin typeface="Courier New" panose="02070309020205020404" pitchFamily="49" charset="0"/>
                 <a:cs typeface="Courier New" panose="02070309020205020404" pitchFamily="49" charset="0"/>
               </a:rPr>
-              <a:t>and</a:t>
-            </a:r>
-            <a:r>
-              <a:rPr lang="nl-NL" sz="1400" kern="0" dirty="0">
-                <a:latin typeface="Courier New" panose="02070309020205020404" pitchFamily="49" charset="0"/>
-                <a:cs typeface="Courier New" panose="02070309020205020404" pitchFamily="49" charset="0"/>
-              </a:rPr>
-              <a:t> </a:t>
+              <a:t>result</a:t>
+            </a:r>
+            <a:r>
+              <a:rPr lang="nl-NL" sz="1400" kern="0" dirty="0" smtClean="0">
+                <a:latin typeface="Courier New" panose="02070309020205020404" pitchFamily="49" charset="0"/>
+                <a:cs typeface="Courier New" panose="02070309020205020404" pitchFamily="49" charset="0"/>
+              </a:rPr>
+              <a:t> in </a:t>
             </a:r>
             <a:r>
               <a:rPr lang="nl-NL" sz="1400" kern="0" dirty="0" err="1" smtClean="0">
                 <a:latin typeface="Courier New" panose="02070309020205020404" pitchFamily="49" charset="0"/>
                 <a:cs typeface="Courier New" panose="02070309020205020404" pitchFamily="49" charset="0"/>
               </a:rPr>
-              <a:t>write</a:t>
-            </a:r>
-            <a:r>
-              <a:rPr lang="nl-NL" sz="1400" kern="0" dirty="0">
-                <a:latin typeface="Courier New" panose="02070309020205020404" pitchFamily="49" charset="0"/>
-                <a:cs typeface="Courier New" panose="02070309020205020404" pitchFamily="49" charset="0"/>
-              </a:rPr>
-              <a:t> </a:t>
+              <a:t>plain</a:t>
             </a:r>
             <a:r>
               <a:rPr lang="nl-NL" sz="1400" kern="0" dirty="0" smtClean="0">
                 <a:latin typeface="Courier New" panose="02070309020205020404" pitchFamily="49" charset="0"/>
                 <a:cs typeface="Courier New" panose="02070309020205020404" pitchFamily="49" charset="0"/>
               </a:rPr>
-              <a:t>the </a:t>
-            </a:r>
-            <a:r>
-              <a:rPr lang="nl-NL" sz="1400" kern="0" dirty="0" err="1" smtClean="0">
-                <a:latin typeface="Courier New" panose="02070309020205020404" pitchFamily="49" charset="0"/>
-                <a:cs typeface="Courier New" panose="02070309020205020404" pitchFamily="49" charset="0"/>
-              </a:rPr>
-              <a:t>result</a:t>
-            </a:r>
-            <a:r>
-              <a:rPr lang="nl-NL" sz="1400" kern="0" dirty="0" smtClean="0">
-                <a:latin typeface="Courier New" panose="02070309020205020404" pitchFamily="49" charset="0"/>
-                <a:cs typeface="Courier New" panose="02070309020205020404" pitchFamily="49" charset="0"/>
-              </a:rPr>
-              <a:t> in </a:t>
-            </a:r>
-            <a:r>
-              <a:rPr lang="nl-NL" sz="1400" kern="0" dirty="0" err="1" smtClean="0">
-                <a:latin typeface="Courier New" panose="02070309020205020404" pitchFamily="49" charset="0"/>
-                <a:cs typeface="Courier New" panose="02070309020205020404" pitchFamily="49" charset="0"/>
-              </a:rPr>
-              <a:t>plain</a:t>
-            </a:r>
-            <a:r>
-              <a:rPr lang="nl-NL" sz="1400" kern="0" dirty="0" smtClean="0">
-                <a:latin typeface="Courier New" panose="02070309020205020404" pitchFamily="49" charset="0"/>
-                <a:cs typeface="Courier New" panose="02070309020205020404" pitchFamily="49" charset="0"/>
-              </a:rPr>
               <a:t> English.</a:t>
             </a:r>
-            <a:endParaRPr lang="nl-NL" sz="1400" kern="0" dirty="0" smtClean="0">
-              <a:latin typeface="Courier New" panose="02070309020205020404" pitchFamily="49" charset="0"/>
-              <a:cs typeface="Courier New" panose="02070309020205020404" pitchFamily="49" charset="0"/>
-            </a:endParaRPr>
           </a:p>
           <a:p>
             <a:pPr marL="0" indent="0">
@@ -15097,6 +15336,13 @@
   <p:clrMapOvr>
     <a:masterClrMapping/>
   </p:clrMapOvr>
+  <p:timing>
+    <p:tnLst>
+      <p:par>
+        <p:cTn id="1" dur="indefinite" restart="never" nodeType="tmRoot"/>
+      </p:par>
+    </p:tnLst>
+  </p:timing>
 </p:sld>
 </file>
 
@@ -16236,6 +16482,40 @@
         <p:spPr>
           <a:xfrm>
             <a:off x="7705167" y="3384867"/>
+            <a:ext cx="1236236" cy="307777"/>
+          </a:xfrm>
+          <a:prstGeom prst="rect">
+            <a:avLst/>
+          </a:prstGeom>
+          <a:noFill/>
+        </p:spPr>
+        <p:txBody>
+          <a:bodyPr wrap="none" rtlCol="0">
+            <a:spAutoFit/>
+          </a:bodyPr>
+          <a:lstStyle/>
+          <a:p>
+            <a:r>
+              <a:rPr lang="nl-NL" dirty="0" smtClean="0"/>
+              <a:t>e </a:t>
+            </a:r>
+            <a:r>
+              <a:rPr lang="nl-NL" smtClean="0"/>
+              <a:t>≈ -10,000M</a:t>
+            </a:r>
+            <a:endParaRPr lang="nl-NL" dirty="0"/>
+          </a:p>
+        </p:txBody>
+      </p:sp>
+      <p:sp>
+        <p:nvSpPr>
+          <p:cNvPr id="11" name="Tekstvak 10"/>
+          <p:cNvSpPr txBox="1"/>
+          <p:nvPr/>
+        </p:nvSpPr>
+        <p:spPr>
+          <a:xfrm>
+            <a:off x="7054255" y="2049800"/>
             <a:ext cx="1176925" cy="307777"/>
           </a:xfrm>
           <a:prstGeom prst="rect">
@@ -16251,37 +16531,7 @@
           <a:p>
             <a:r>
               <a:rPr lang="nl-NL" dirty="0" smtClean="0"/>
-              <a:t>e ≈ 10,000M</a:t>
-            </a:r>
-            <a:endParaRPr lang="nl-NL" dirty="0"/>
-          </a:p>
-        </p:txBody>
-      </p:sp>
-      <p:sp>
-        <p:nvSpPr>
-          <p:cNvPr id="11" name="Tekstvak 10"/>
-          <p:cNvSpPr txBox="1"/>
-          <p:nvPr/>
-        </p:nvSpPr>
-        <p:spPr>
-          <a:xfrm>
-            <a:off x="7054255" y="2049800"/>
-            <a:ext cx="1236236" cy="307777"/>
-          </a:xfrm>
-          <a:prstGeom prst="rect">
-            <a:avLst/>
-          </a:prstGeom>
-          <a:noFill/>
-        </p:spPr>
-        <p:txBody>
-          <a:bodyPr wrap="none" rtlCol="0">
-            <a:spAutoFit/>
-          </a:bodyPr>
-          <a:lstStyle/>
-          <a:p>
-            <a:r>
-              <a:rPr lang="nl-NL" dirty="0" smtClean="0"/>
-              <a:t>e ≈ -27,000M</a:t>
+              <a:t>e ≈ 27,000M</a:t>
             </a:r>
             <a:endParaRPr lang="nl-NL" dirty="0"/>
           </a:p>

--- a/slides/Week 3 - linear regression.pptx
+++ b/slides/Week 3 - linear regression.pptx
@@ -5,10 +5,10 @@
     <p:sldMasterId id="2147483649" r:id="rId1"/>
   </p:sldMasterIdLst>
   <p:notesMasterIdLst>
-    <p:notesMasterId r:id="rId27"/>
+    <p:notesMasterId r:id="rId26"/>
   </p:notesMasterIdLst>
   <p:handoutMasterIdLst>
-    <p:handoutMasterId r:id="rId28"/>
+    <p:handoutMasterId r:id="rId27"/>
   </p:handoutMasterIdLst>
   <p:sldIdLst>
     <p:sldId id="256" r:id="rId2"/>
@@ -20,22 +20,21 @@
     <p:sldId id="275" r:id="rId8"/>
     <p:sldId id="279" r:id="rId9"/>
     <p:sldId id="285" r:id="rId10"/>
-    <p:sldId id="284" r:id="rId11"/>
-    <p:sldId id="281" r:id="rId12"/>
-    <p:sldId id="310" r:id="rId13"/>
-    <p:sldId id="297" r:id="rId14"/>
-    <p:sldId id="298" r:id="rId15"/>
-    <p:sldId id="299" r:id="rId16"/>
-    <p:sldId id="300" r:id="rId17"/>
-    <p:sldId id="301" r:id="rId18"/>
-    <p:sldId id="311" r:id="rId19"/>
-    <p:sldId id="303" r:id="rId20"/>
-    <p:sldId id="304" r:id="rId21"/>
-    <p:sldId id="305" r:id="rId22"/>
-    <p:sldId id="312" r:id="rId23"/>
-    <p:sldId id="307" r:id="rId24"/>
-    <p:sldId id="308" r:id="rId25"/>
-    <p:sldId id="309" r:id="rId26"/>
+    <p:sldId id="281" r:id="rId11"/>
+    <p:sldId id="310" r:id="rId12"/>
+    <p:sldId id="297" r:id="rId13"/>
+    <p:sldId id="298" r:id="rId14"/>
+    <p:sldId id="299" r:id="rId15"/>
+    <p:sldId id="300" r:id="rId16"/>
+    <p:sldId id="301" r:id="rId17"/>
+    <p:sldId id="311" r:id="rId18"/>
+    <p:sldId id="303" r:id="rId19"/>
+    <p:sldId id="304" r:id="rId20"/>
+    <p:sldId id="305" r:id="rId21"/>
+    <p:sldId id="312" r:id="rId22"/>
+    <p:sldId id="307" r:id="rId23"/>
+    <p:sldId id="308" r:id="rId24"/>
+    <p:sldId id="309" r:id="rId25"/>
   </p:sldIdLst>
   <p:sldSz cx="9144000" cy="6858000" type="screen4x3"/>
   <p:notesSz cx="6858000" cy="9144000"/>
@@ -314,7 +313,7 @@
             <a:fld id="{373F1B60-BDF4-4D63-AD79-99D5A5B1DF99}" type="datetime1">
               <a:rPr lang="en-US"/>
               <a:pPr/>
-              <a:t>11/28/2019</a:t>
+              <a:t>11/24/2020</a:t>
             </a:fld>
             <a:endParaRPr lang="en-US"/>
           </a:p>
@@ -533,7 +532,7 @@
             <a:fld id="{4387A7AA-DFE9-4771-BEDE-3294FCEBFB02}" type="datetime1">
               <a:rPr lang="en-US"/>
               <a:pPr/>
-              <a:t>11/28/2019</a:t>
+              <a:t>11/24/2020</a:t>
             </a:fld>
             <a:endParaRPr lang="en-US"/>
           </a:p>
@@ -924,7 +923,7 @@
             <a:fld id="{8541E2CD-DBF4-40F9-B6F8-EEFD0DF8A138}" type="datetime1">
               <a:rPr lang="en-US"/>
               <a:pPr/>
-              <a:t>11/28/2019</a:t>
+              <a:t>11/24/2020</a:t>
             </a:fld>
             <a:endParaRPr lang="en-US"/>
           </a:p>
@@ -1139,7 +1138,7 @@
             <a:fld id="{93F21019-3A00-48AC-9663-40DF67A83229}" type="datetime1">
               <a:rPr lang="en-US"/>
               <a:pPr/>
-              <a:t>11/28/2019</a:t>
+              <a:t>11/24/2020</a:t>
             </a:fld>
             <a:endParaRPr lang="en-US">
               <a:solidFill>
@@ -1325,7 +1324,7 @@
             <a:fld id="{8B2EF9C8-0AC3-4A53-9A61-1834A571F420}" type="datetime1">
               <a:rPr lang="en-US"/>
               <a:pPr/>
-              <a:t>11/28/2019</a:t>
+              <a:t>11/24/2020</a:t>
             </a:fld>
             <a:endParaRPr lang="en-US" sz="1400">
               <a:solidFill>
@@ -1522,7 +1521,7 @@
             <a:fld id="{F02960F3-A385-4905-A491-FDC17E063DD1}" type="datetime1">
               <a:rPr lang="en-US"/>
               <a:pPr/>
-              <a:t>11/28/2019</a:t>
+              <a:t>11/24/2020</a:t>
             </a:fld>
             <a:endParaRPr lang="en-US" sz="1400">
               <a:solidFill>
@@ -1781,7 +1780,7 @@
             <a:fld id="{CD3AD70A-8E2A-47B5-AC18-ABBB5A8E737D}" type="datetime1">
               <a:rPr lang="en-US"/>
               <a:pPr/>
-              <a:t>11/28/2019</a:t>
+              <a:t>11/24/2020</a:t>
             </a:fld>
             <a:endParaRPr lang="en-US" sz="1400">
               <a:solidFill>
@@ -2017,7 +2016,7 @@
             <a:fld id="{07008C2E-9BD6-496B-BFC3-B4A975EBC85E}" type="datetime1">
               <a:rPr lang="en-US"/>
               <a:pPr/>
-              <a:t>11/28/2019</a:t>
+              <a:t>11/24/2020</a:t>
             </a:fld>
             <a:endParaRPr lang="en-US" sz="1400">
               <a:solidFill>
@@ -2196,7 +2195,7 @@
             <a:fld id="{1AA2C3CF-866C-4FDE-B76D-4E9536901630}" type="datetime1">
               <a:rPr lang="en-US"/>
               <a:pPr/>
-              <a:t>11/28/2019</a:t>
+              <a:t>11/24/2020</a:t>
             </a:fld>
             <a:endParaRPr lang="en-US" sz="1400">
               <a:solidFill>
@@ -2375,7 +2374,7 @@
             <a:fld id="{555EE259-FE08-4558-B721-B189FFE77284}" type="datetime1">
               <a:rPr lang="en-US"/>
               <a:pPr/>
-              <a:t>11/28/2019</a:t>
+              <a:t>11/24/2020</a:t>
             </a:fld>
             <a:endParaRPr lang="en-US" sz="1400">
               <a:solidFill>
@@ -2644,7 +2643,7 @@
             <a:fld id="{0AF4064E-5624-49AB-B7C6-E301A8F6B1FF}" type="datetime1">
               <a:rPr lang="en-US"/>
               <a:pPr/>
-              <a:t>11/28/2019</a:t>
+              <a:t>11/24/2020</a:t>
             </a:fld>
             <a:endParaRPr lang="en-US" sz="1400">
               <a:solidFill>
@@ -2841,7 +2840,7 @@
             <a:fld id="{CBC97FCD-6C54-4833-B032-BFBCDFA8379D}" type="datetime1">
               <a:rPr lang="en-US"/>
               <a:pPr/>
-              <a:t>11/28/2019</a:t>
+              <a:t>11/24/2020</a:t>
             </a:fld>
             <a:endParaRPr lang="en-US" sz="1400">
               <a:solidFill>
@@ -3050,7 +3049,7 @@
             <a:fld id="{F04AA577-515A-431F-98B6-3B03494ABB11}" type="datetime1">
               <a:rPr lang="en-US"/>
               <a:pPr/>
-              <a:t>11/28/2019</a:t>
+              <a:t>11/24/2020</a:t>
             </a:fld>
             <a:endParaRPr lang="en-US" sz="1400">
               <a:solidFill>
@@ -3355,7 +3354,7 @@
             <a:fld id="{6475F1A4-C474-4345-A800-2F40B0E4E70C}" type="datetime1">
               <a:rPr lang="en-US"/>
               <a:pPr/>
-              <a:t>11/28/2019</a:t>
+              <a:t>11/24/2020</a:t>
             </a:fld>
             <a:endParaRPr lang="en-US" sz="1400">
               <a:solidFill>
@@ -3799,7 +3798,7 @@
             <a:fld id="{7BA535AB-820E-4207-9DA8-5F37106C7AF4}" type="datetime1">
               <a:rPr lang="en-US"/>
               <a:pPr/>
-              <a:t>11/28/2019</a:t>
+              <a:t>11/24/2020</a:t>
             </a:fld>
             <a:endParaRPr lang="en-US" sz="1400">
               <a:solidFill>
@@ -3934,7 +3933,7 @@
             <a:fld id="{0A7E69FA-D7EE-42C0-9117-1971B541885F}" type="datetime1">
               <a:rPr lang="en-US"/>
               <a:pPr/>
-              <a:t>11/28/2019</a:t>
+              <a:t>11/24/2020</a:t>
             </a:fld>
             <a:endParaRPr lang="en-US" sz="1400">
               <a:solidFill>
@@ -4046,7 +4045,7 @@
             <a:fld id="{10D7644E-1B5D-4325-BA79-338DF2B89B56}" type="datetime1">
               <a:rPr lang="en-US"/>
               <a:pPr/>
-              <a:t>11/28/2019</a:t>
+              <a:t>11/24/2020</a:t>
             </a:fld>
             <a:endParaRPr lang="en-US" sz="1400">
               <a:solidFill>
@@ -4340,7 +4339,7 @@
             <a:fld id="{B790C882-0B74-4932-8998-E9ABB8AF1740}" type="datetime1">
               <a:rPr lang="en-US"/>
               <a:pPr/>
-              <a:t>11/28/2019</a:t>
+              <a:t>11/24/2020</a:t>
             </a:fld>
             <a:endParaRPr lang="en-US" sz="1400">
               <a:solidFill>
@@ -4610,7 +4609,7 @@
             <a:fld id="{9DC585DC-AE7D-44C1-90AB-C3A391DEA065}" type="datetime1">
               <a:rPr lang="en-US"/>
               <a:pPr/>
-              <a:t>11/28/2019</a:t>
+              <a:t>11/24/2020</a:t>
             </a:fld>
             <a:endParaRPr lang="en-US" sz="1400">
               <a:solidFill>
@@ -4874,7 +4873,7 @@
             <a:fld id="{256CE565-1940-4E5F-9190-C0815CEAAA9D}" type="datetime1">
               <a:rPr lang="en-US"/>
               <a:pPr/>
-              <a:t>11/28/2019</a:t>
+              <a:t>11/24/2020</a:t>
             </a:fld>
             <a:endParaRPr lang="en-US"/>
           </a:p>
@@ -5627,917 +5626,6 @@
             <p:ph type="title"/>
           </p:nvPr>
         </p:nvSpPr>
-        <p:spPr/>
-        <p:txBody>
-          <a:bodyPr/>
-          <a:lstStyle/>
-          <a:p>
-            <a:r>
-              <a:rPr lang="nl-NL" dirty="0" err="1" smtClean="0"/>
-              <a:t>Example</a:t>
-            </a:r>
-            <a:r>
-              <a:rPr lang="nl-NL" dirty="0" smtClean="0"/>
-              <a:t> data points</a:t>
-            </a:r>
-            <a:endParaRPr lang="nl-NL" dirty="0"/>
-          </a:p>
-        </p:txBody>
-      </p:sp>
-      <p:graphicFrame>
-        <p:nvGraphicFramePr>
-          <p:cNvPr id="4" name="Tijdelijke aanduiding voor inhoud 3"/>
-          <p:cNvGraphicFramePr>
-            <a:graphicFrameLocks noGrp="1"/>
-          </p:cNvGraphicFramePr>
-          <p:nvPr>
-            <p:ph idx="1"/>
-            <p:extLst>
-              <p:ext uri="{D42A27DB-BD31-4B8C-83A1-F6EECF244321}">
-                <p14:modId xmlns:p14="http://schemas.microsoft.com/office/powerpoint/2010/main" val="394185925"/>
-              </p:ext>
-            </p:extLst>
-          </p:nvPr>
-        </p:nvGraphicFramePr>
-        <p:xfrm>
-          <a:off x="376067" y="2492895"/>
-          <a:ext cx="8496941" cy="3168352"/>
-        </p:xfrm>
-        <a:graphic>
-          <a:graphicData uri="http://schemas.openxmlformats.org/drawingml/2006/table">
-            <a:tbl>
-              <a:tblPr firstRow="1" bandRow="1">
-                <a:tableStyleId>{5C22544A-7EE6-4342-B048-85BDC9FD1C3A}</a:tableStyleId>
-              </a:tblPr>
-              <a:tblGrid>
-                <a:gridCol w="1251073">
-                  <a:extLst>
-                    <a:ext uri="{9D8B030D-6E8A-4147-A177-3AD203B41FA5}">
-                      <a16:colId xmlns:a16="http://schemas.microsoft.com/office/drawing/2014/main" val="80011760"/>
-                    </a:ext>
-                  </a:extLst>
-                </a:gridCol>
-                <a:gridCol w="1360684">
-                  <a:extLst>
-                    <a:ext uri="{9D8B030D-6E8A-4147-A177-3AD203B41FA5}">
-                      <a16:colId xmlns:a16="http://schemas.microsoft.com/office/drawing/2014/main" val="3392550499"/>
-                    </a:ext>
-                  </a:extLst>
-                </a:gridCol>
-                <a:gridCol w="1141462">
-                  <a:extLst>
-                    <a:ext uri="{9D8B030D-6E8A-4147-A177-3AD203B41FA5}">
-                      <a16:colId xmlns:a16="http://schemas.microsoft.com/office/drawing/2014/main" val="1700361680"/>
-                    </a:ext>
-                  </a:extLst>
-                </a:gridCol>
-                <a:gridCol w="1291415">
-                  <a:extLst>
-                    <a:ext uri="{9D8B030D-6E8A-4147-A177-3AD203B41FA5}">
-                      <a16:colId xmlns:a16="http://schemas.microsoft.com/office/drawing/2014/main" val="3393350584"/>
-                    </a:ext>
-                  </a:extLst>
-                </a:gridCol>
-                <a:gridCol w="1150769">
-                  <a:extLst>
-                    <a:ext uri="{9D8B030D-6E8A-4147-A177-3AD203B41FA5}">
-                      <a16:colId xmlns:a16="http://schemas.microsoft.com/office/drawing/2014/main" val="1354678222"/>
-                    </a:ext>
-                  </a:extLst>
-                </a:gridCol>
-                <a:gridCol w="1150769">
-                  <a:extLst>
-                    <a:ext uri="{9D8B030D-6E8A-4147-A177-3AD203B41FA5}">
-                      <a16:colId xmlns:a16="http://schemas.microsoft.com/office/drawing/2014/main" val="2513514013"/>
-                    </a:ext>
-                  </a:extLst>
-                </a:gridCol>
-                <a:gridCol w="1150769">
-                  <a:extLst>
-                    <a:ext uri="{9D8B030D-6E8A-4147-A177-3AD203B41FA5}">
-                      <a16:colId xmlns:a16="http://schemas.microsoft.com/office/drawing/2014/main" val="1573029162"/>
-                    </a:ext>
-                  </a:extLst>
-                </a:gridCol>
-              </a:tblGrid>
-              <a:tr h="807619">
-                <a:tc>
-                  <a:txBody>
-                    <a:bodyPr/>
-                    <a:lstStyle/>
-                    <a:p>
-                      <a:r>
-                        <a:rPr lang="nl-NL" sz="1400" dirty="0" smtClean="0"/>
-                        <a:t>Channel</a:t>
-                      </a:r>
-                      <a:endParaRPr lang="nl-NL" sz="1400" dirty="0"/>
-                    </a:p>
-                  </a:txBody>
-                  <a:tcPr/>
-                </a:tc>
-                <a:tc>
-                  <a:txBody>
-                    <a:bodyPr/>
-                    <a:lstStyle/>
-                    <a:p>
-                      <a:r>
-                        <a:rPr lang="nl-NL" sz="1400" dirty="0" smtClean="0"/>
-                        <a:t>X (</a:t>
-                      </a:r>
-                      <a:r>
-                        <a:rPr lang="nl-NL" sz="1400" dirty="0" err="1" smtClean="0"/>
-                        <a:t>subscribers</a:t>
-                      </a:r>
-                      <a:r>
-                        <a:rPr lang="nl-NL" sz="1400" dirty="0" smtClean="0"/>
-                        <a:t>)</a:t>
-                      </a:r>
-                      <a:endParaRPr lang="nl-NL" sz="1400" dirty="0"/>
-                    </a:p>
-                  </a:txBody>
-                  <a:tcPr/>
-                </a:tc>
-                <a:tc>
-                  <a:txBody>
-                    <a:bodyPr/>
-                    <a:lstStyle/>
-                    <a:p>
-                      <a:r>
-                        <a:rPr lang="nl-NL" sz="1400" dirty="0" smtClean="0"/>
-                        <a:t>Y (views)</a:t>
-                      </a:r>
-                      <a:endParaRPr lang="nl-NL" sz="1400" dirty="0"/>
-                    </a:p>
-                  </a:txBody>
-                  <a:tcPr/>
-                </a:tc>
-                <a:tc>
-                  <a:txBody>
-                    <a:bodyPr/>
-                    <a:lstStyle/>
-                    <a:p>
-                      <a:r>
-                        <a:rPr lang="nl-NL" sz="1400" dirty="0" smtClean="0"/>
-                        <a:t>b</a:t>
-                      </a:r>
-                      <a:r>
-                        <a:rPr lang="nl-NL" sz="1400" baseline="-25000" dirty="0" smtClean="0"/>
-                        <a:t>0</a:t>
-                      </a:r>
-                      <a:endParaRPr lang="nl-NL" sz="1400" dirty="0"/>
-                    </a:p>
-                  </a:txBody>
-                  <a:tcPr/>
-                </a:tc>
-                <a:tc>
-                  <a:txBody>
-                    <a:bodyPr/>
-                    <a:lstStyle/>
-                    <a:p>
-                      <a:r>
-                        <a:rPr lang="nl-NL" sz="1400" dirty="0" smtClean="0"/>
-                        <a:t>b</a:t>
-                      </a:r>
-                      <a:r>
-                        <a:rPr lang="nl-NL" sz="1400" baseline="-25000" dirty="0" smtClean="0"/>
-                        <a:t>1</a:t>
-                      </a:r>
-                      <a:endParaRPr lang="nl-NL" sz="1400" dirty="0"/>
-                    </a:p>
-                  </a:txBody>
-                  <a:tcPr/>
-                </a:tc>
-                <a:tc>
-                  <a:txBody>
-                    <a:bodyPr/>
-                    <a:lstStyle/>
-                    <a:p>
-                      <a:r>
-                        <a:rPr lang="nl-NL" sz="1400" dirty="0" smtClean="0"/>
-                        <a:t>Y’ </a:t>
-                      </a:r>
-                    </a:p>
-                    <a:p>
-                      <a:r>
-                        <a:rPr lang="nl-NL" sz="1400" dirty="0" smtClean="0"/>
-                        <a:t>(</a:t>
-                      </a:r>
-                      <a:r>
-                        <a:rPr lang="nl-NL" sz="1400" dirty="0" err="1" smtClean="0"/>
-                        <a:t>predicted</a:t>
-                      </a:r>
-                      <a:r>
-                        <a:rPr lang="nl-NL" sz="1400" dirty="0" smtClean="0"/>
-                        <a:t> views)</a:t>
-                      </a:r>
-                      <a:endParaRPr lang="nl-NL" sz="1400" dirty="0"/>
-                    </a:p>
-                  </a:txBody>
-                  <a:tcPr/>
-                </a:tc>
-                <a:tc>
-                  <a:txBody>
-                    <a:bodyPr/>
-                    <a:lstStyle/>
-                    <a:p>
-                      <a:r>
-                        <a:rPr lang="nl-NL" sz="1400" dirty="0" smtClean="0"/>
-                        <a:t>e</a:t>
-                      </a:r>
-                    </a:p>
-                    <a:p>
-                      <a:r>
-                        <a:rPr lang="nl-NL" sz="1400" dirty="0" smtClean="0"/>
-                        <a:t>(</a:t>
-                      </a:r>
-                      <a:r>
-                        <a:rPr lang="nl-NL" sz="1400" dirty="0" err="1" smtClean="0"/>
-                        <a:t>residual</a:t>
-                      </a:r>
-                      <a:r>
-                        <a:rPr lang="nl-NL" sz="1400" dirty="0" smtClean="0"/>
-                        <a:t>)</a:t>
-                      </a:r>
-                      <a:endParaRPr lang="nl-NL" sz="1400" dirty="0"/>
-                    </a:p>
-                  </a:txBody>
-                  <a:tcPr/>
-                </a:tc>
-                <a:extLst>
-                  <a:ext uri="{0D108BD9-81ED-4DB2-BD59-A6C34878D82A}">
-                    <a16:rowId xmlns:a16="http://schemas.microsoft.com/office/drawing/2014/main" val="4141948506"/>
-                  </a:ext>
-                </a:extLst>
-              </a:tr>
-              <a:tr h="786911">
-                <a:tc>
-                  <a:txBody>
-                    <a:bodyPr/>
-                    <a:lstStyle/>
-                    <a:p>
-                      <a:pPr algn="l"/>
-                      <a:r>
-                        <a:rPr lang="nl-NL" sz="1600" dirty="0" err="1" smtClean="0"/>
-                        <a:t>PewDiePie</a:t>
-                      </a:r>
-                      <a:endParaRPr lang="nl-NL" sz="1600" dirty="0"/>
-                    </a:p>
-                  </a:txBody>
-                  <a:tcPr/>
-                </a:tc>
-                <a:tc>
-                  <a:txBody>
-                    <a:bodyPr/>
-                    <a:lstStyle/>
-                    <a:p>
-                      <a:pPr algn="r"/>
-                      <a:r>
-                        <a:rPr lang="nl-NL" sz="1600" dirty="0" smtClean="0"/>
-                        <a:t>66M</a:t>
-                      </a:r>
-                      <a:endParaRPr lang="nl-NL" sz="1600" dirty="0"/>
-                    </a:p>
-                  </a:txBody>
-                  <a:tcPr/>
-                </a:tc>
-                <a:tc>
-                  <a:txBody>
-                    <a:bodyPr/>
-                    <a:lstStyle/>
-                    <a:p>
-                      <a:pPr algn="r"/>
-                      <a:r>
-                        <a:rPr lang="nl-NL" sz="1600" dirty="0" smtClean="0"/>
-                        <a:t>19000M</a:t>
-                      </a:r>
-                      <a:endParaRPr lang="nl-NL" sz="1600" dirty="0"/>
-                    </a:p>
-                  </a:txBody>
-                  <a:tcPr/>
-                </a:tc>
-                <a:tc>
-                  <a:txBody>
-                    <a:bodyPr/>
-                    <a:lstStyle/>
-                    <a:p>
-                      <a:pPr algn="r"/>
-                      <a:r>
-                        <a:rPr lang="nl-NL" sz="1600" dirty="0" smtClean="0"/>
-                        <a:t>46</a:t>
-                      </a:r>
-                      <a:endParaRPr lang="nl-NL" sz="1600" dirty="0"/>
-                    </a:p>
-                  </a:txBody>
-                  <a:tcPr/>
-                </a:tc>
-                <a:tc>
-                  <a:txBody>
-                    <a:bodyPr/>
-                    <a:lstStyle/>
-                    <a:p>
-                      <a:pPr algn="r"/>
-                      <a:r>
-                        <a:rPr lang="nl-NL" sz="1600" dirty="0" smtClean="0"/>
-                        <a:t>416.7</a:t>
-                      </a:r>
-                      <a:endParaRPr lang="nl-NL" sz="1600" dirty="0"/>
-                    </a:p>
-                  </a:txBody>
-                  <a:tcPr/>
-                </a:tc>
-                <a:tc>
-                  <a:txBody>
-                    <a:bodyPr/>
-                    <a:lstStyle/>
-                    <a:p>
-                      <a:pPr algn="r"/>
-                      <a:r>
-                        <a:rPr lang="nl-NL" sz="1600" dirty="0" smtClean="0"/>
-                        <a:t>28000M</a:t>
-                      </a:r>
-                      <a:endParaRPr lang="nl-NL" sz="1600" dirty="0"/>
-                    </a:p>
-                  </a:txBody>
-                  <a:tcPr/>
-                </a:tc>
-                <a:tc>
-                  <a:txBody>
-                    <a:bodyPr/>
-                    <a:lstStyle/>
-                    <a:p>
-                      <a:pPr algn="r"/>
-                      <a:r>
-                        <a:rPr lang="nl-NL" sz="1600" dirty="0" smtClean="0"/>
-                        <a:t>-9000M</a:t>
-                      </a:r>
-                      <a:endParaRPr lang="nl-NL" sz="1600" dirty="0"/>
-                    </a:p>
-                  </a:txBody>
-                  <a:tcPr/>
-                </a:tc>
-                <a:extLst>
-                  <a:ext uri="{0D108BD9-81ED-4DB2-BD59-A6C34878D82A}">
-                    <a16:rowId xmlns:a16="http://schemas.microsoft.com/office/drawing/2014/main" val="918235883"/>
-                  </a:ext>
-                </a:extLst>
-              </a:tr>
-              <a:tr h="786911">
-                <a:tc>
-                  <a:txBody>
-                    <a:bodyPr/>
-                    <a:lstStyle/>
-                    <a:p>
-                      <a:pPr algn="l"/>
-                      <a:r>
-                        <a:rPr lang="nl-NL" sz="1600" dirty="0" smtClean="0"/>
-                        <a:t>Taylor Swift</a:t>
-                      </a:r>
-                      <a:endParaRPr lang="nl-NL" sz="1600" dirty="0"/>
-                    </a:p>
-                  </a:txBody>
-                  <a:tcPr/>
-                </a:tc>
-                <a:tc>
-                  <a:txBody>
-                    <a:bodyPr/>
-                    <a:lstStyle/>
-                    <a:p>
-                      <a:pPr algn="r"/>
-                      <a:r>
-                        <a:rPr lang="nl-NL" sz="1600" dirty="0" smtClean="0"/>
-                        <a:t>28M</a:t>
-                      </a:r>
-                      <a:endParaRPr lang="nl-NL" sz="1600" dirty="0"/>
-                    </a:p>
-                  </a:txBody>
-                  <a:tcPr/>
-                </a:tc>
-                <a:tc>
-                  <a:txBody>
-                    <a:bodyPr/>
-                    <a:lstStyle/>
-                    <a:p>
-                      <a:pPr marL="0" marR="0" lvl="0" indent="0" algn="r" defTabSz="914400" rtl="0" eaLnBrk="1" fontAlgn="auto" latinLnBrk="0" hangingPunct="1">
-                        <a:lnSpc>
-                          <a:spcPct val="100000"/>
-                        </a:lnSpc>
-                        <a:spcBef>
-                          <a:spcPts val="0"/>
-                        </a:spcBef>
-                        <a:spcAft>
-                          <a:spcPts val="0"/>
-                        </a:spcAft>
-                        <a:buClrTx/>
-                        <a:buSzTx/>
-                        <a:buFontTx/>
-                        <a:buNone/>
-                        <a:tabLst/>
-                        <a:defRPr/>
-                      </a:pPr>
-                      <a:r>
-                        <a:rPr lang="nl-NL" sz="1600" dirty="0" smtClean="0"/>
-                        <a:t>16000M</a:t>
-                      </a:r>
-                    </a:p>
-                    <a:p>
-                      <a:pPr algn="r"/>
-                      <a:endParaRPr lang="nl-NL" sz="1600" dirty="0"/>
-                    </a:p>
-                  </a:txBody>
-                  <a:tcPr/>
-                </a:tc>
-                <a:tc>
-                  <a:txBody>
-                    <a:bodyPr/>
-                    <a:lstStyle/>
-                    <a:p>
-                      <a:pPr algn="r"/>
-                      <a:r>
-                        <a:rPr lang="nl-NL" sz="1600" dirty="0" smtClean="0"/>
-                        <a:t>46</a:t>
-                      </a:r>
-                      <a:endParaRPr lang="nl-NL" sz="1600" dirty="0"/>
-                    </a:p>
-                  </a:txBody>
-                  <a:tcPr/>
-                </a:tc>
-                <a:tc>
-                  <a:txBody>
-                    <a:bodyPr/>
-                    <a:lstStyle/>
-                    <a:p>
-                      <a:pPr algn="r"/>
-                      <a:r>
-                        <a:rPr lang="nl-NL" sz="1600" dirty="0" smtClean="0"/>
-                        <a:t>416.7</a:t>
-                      </a:r>
-                      <a:endParaRPr lang="nl-NL" sz="1600" dirty="0"/>
-                    </a:p>
-                  </a:txBody>
-                  <a:tcPr/>
-                </a:tc>
-                <a:tc>
-                  <a:txBody>
-                    <a:bodyPr/>
-                    <a:lstStyle/>
-                    <a:p>
-                      <a:pPr algn="r"/>
-                      <a:r>
-                        <a:rPr lang="nl-NL" sz="1600" dirty="0" smtClean="0"/>
-                        <a:t>12000M</a:t>
-                      </a:r>
-                      <a:endParaRPr lang="nl-NL" sz="1600" dirty="0"/>
-                    </a:p>
-                  </a:txBody>
-                  <a:tcPr/>
-                </a:tc>
-                <a:tc>
-                  <a:txBody>
-                    <a:bodyPr/>
-                    <a:lstStyle/>
-                    <a:p>
-                      <a:pPr algn="r"/>
-                      <a:r>
-                        <a:rPr lang="nl-NL" sz="1600" dirty="0" smtClean="0"/>
-                        <a:t>4000M</a:t>
-                      </a:r>
-                      <a:endParaRPr lang="nl-NL" sz="1600" dirty="0"/>
-                    </a:p>
-                  </a:txBody>
-                  <a:tcPr/>
-                </a:tc>
-                <a:extLst>
-                  <a:ext uri="{0D108BD9-81ED-4DB2-BD59-A6C34878D82A}">
-                    <a16:rowId xmlns:a16="http://schemas.microsoft.com/office/drawing/2014/main" val="1881267638"/>
-                  </a:ext>
-                </a:extLst>
-              </a:tr>
-              <a:tr h="786911">
-                <a:tc>
-                  <a:txBody>
-                    <a:bodyPr/>
-                    <a:lstStyle/>
-                    <a:p>
-                      <a:pPr algn="l"/>
-                      <a:r>
-                        <a:rPr lang="nl-NL" sz="1600" dirty="0" smtClean="0"/>
-                        <a:t>Eminem</a:t>
-                      </a:r>
-                      <a:endParaRPr lang="nl-NL" sz="1600" dirty="0"/>
-                    </a:p>
-                  </a:txBody>
-                  <a:tcPr/>
-                </a:tc>
-                <a:tc>
-                  <a:txBody>
-                    <a:bodyPr/>
-                    <a:lstStyle/>
-                    <a:p>
-                      <a:pPr algn="r"/>
-                      <a:r>
-                        <a:rPr lang="nl-NL" sz="1600" dirty="0" smtClean="0"/>
-                        <a:t>30M</a:t>
-                      </a:r>
-                      <a:endParaRPr lang="nl-NL" sz="1600" dirty="0"/>
-                    </a:p>
-                  </a:txBody>
-                  <a:tcPr/>
-                </a:tc>
-                <a:tc>
-                  <a:txBody>
-                    <a:bodyPr/>
-                    <a:lstStyle/>
-                    <a:p>
-                      <a:pPr algn="r"/>
-                      <a:r>
-                        <a:rPr lang="nl-NL" sz="1600" dirty="0" smtClean="0"/>
-                        <a:t>300M</a:t>
-                      </a:r>
-                      <a:endParaRPr lang="nl-NL" sz="1600" dirty="0"/>
-                    </a:p>
-                  </a:txBody>
-                  <a:tcPr/>
-                </a:tc>
-                <a:tc>
-                  <a:txBody>
-                    <a:bodyPr/>
-                    <a:lstStyle/>
-                    <a:p>
-                      <a:pPr algn="r"/>
-                      <a:r>
-                        <a:rPr lang="nl-NL" sz="1600" dirty="0" smtClean="0"/>
-                        <a:t>46</a:t>
-                      </a:r>
-                      <a:endParaRPr lang="nl-NL" sz="1600" dirty="0"/>
-                    </a:p>
-                  </a:txBody>
-                  <a:tcPr/>
-                </a:tc>
-                <a:tc>
-                  <a:txBody>
-                    <a:bodyPr/>
-                    <a:lstStyle/>
-                    <a:p>
-                      <a:pPr algn="r"/>
-                      <a:r>
-                        <a:rPr lang="nl-NL" sz="1600" dirty="0" smtClean="0"/>
-                        <a:t>416.7</a:t>
-                      </a:r>
-                      <a:endParaRPr lang="nl-NL" sz="1600" dirty="0"/>
-                    </a:p>
-                  </a:txBody>
-                  <a:tcPr/>
-                </a:tc>
-                <a:tc>
-                  <a:txBody>
-                    <a:bodyPr/>
-                    <a:lstStyle/>
-                    <a:p>
-                      <a:pPr algn="r"/>
-                      <a:r>
-                        <a:rPr lang="nl-NL" sz="1600" dirty="0" smtClean="0"/>
-                        <a:t>13000M</a:t>
-                      </a:r>
-                      <a:endParaRPr lang="nl-NL" sz="1600" dirty="0"/>
-                    </a:p>
-                  </a:txBody>
-                  <a:tcPr/>
-                </a:tc>
-                <a:tc>
-                  <a:txBody>
-                    <a:bodyPr/>
-                    <a:lstStyle/>
-                    <a:p>
-                      <a:pPr algn="r"/>
-                      <a:r>
-                        <a:rPr lang="nl-NL" sz="1600" dirty="0" smtClean="0"/>
-                        <a:t>12700M</a:t>
-                      </a:r>
-                      <a:endParaRPr lang="nl-NL" sz="1600" dirty="0"/>
-                    </a:p>
-                  </a:txBody>
-                  <a:tcPr/>
-                </a:tc>
-                <a:extLst>
-                  <a:ext uri="{0D108BD9-81ED-4DB2-BD59-A6C34878D82A}">
-                    <a16:rowId xmlns:a16="http://schemas.microsoft.com/office/drawing/2014/main" val="2287050710"/>
-                  </a:ext>
-                </a:extLst>
-              </a:tr>
-            </a:tbl>
-          </a:graphicData>
-        </a:graphic>
-      </p:graphicFrame>
-      <mc:AlternateContent xmlns:mc="http://schemas.openxmlformats.org/markup-compatibility/2006" xmlns:a14="http://schemas.microsoft.com/office/drawing/2010/main">
-        <mc:Choice Requires="a14">
-          <p:sp>
-            <p:nvSpPr>
-              <p:cNvPr id="5" name="Tekstvak 4"/>
-              <p:cNvSpPr txBox="1"/>
-              <p:nvPr/>
-            </p:nvSpPr>
-            <p:spPr>
-              <a:xfrm>
-                <a:off x="2428294" y="1548579"/>
-                <a:ext cx="4392488" cy="584775"/>
-              </a:xfrm>
-              <a:prstGeom prst="rect">
-                <a:avLst/>
-              </a:prstGeom>
-              <a:noFill/>
-            </p:spPr>
-            <p:txBody>
-              <a:bodyPr wrap="square" rtlCol="0">
-                <a:spAutoFit/>
-              </a:bodyPr>
-              <a:lstStyle/>
-              <a:p>
-                <a:pPr/>
-                <a14:m>
-                  <m:oMathPara xmlns:m="http://schemas.openxmlformats.org/officeDocument/2006/math">
-                    <m:oMathParaPr>
-                      <m:jc m:val="centerGroup"/>
-                    </m:oMathParaPr>
-                    <m:oMath xmlns:m="http://schemas.openxmlformats.org/officeDocument/2006/math">
-                      <m:r>
-                        <a:rPr lang="nl-NL" sz="3200" b="0" i="1" smtClean="0">
-                          <a:latin typeface="Cambria Math" panose="02040503050406030204" pitchFamily="18" charset="0"/>
-                        </a:rPr>
-                        <m:t>𝑌</m:t>
-                      </m:r>
-                      <m:r>
-                        <a:rPr lang="nl-NL" sz="3200" b="0" i="1" smtClean="0">
-                          <a:latin typeface="Cambria Math" panose="02040503050406030204" pitchFamily="18" charset="0"/>
-                        </a:rPr>
-                        <m:t>=</m:t>
-                      </m:r>
-                      <m:sSub>
-                        <m:sSubPr>
-                          <m:ctrlPr>
-                            <a:rPr lang="nl-NL" sz="3200" b="0" i="1" smtClean="0">
-                              <a:latin typeface="Cambria Math" panose="02040503050406030204" pitchFamily="18" charset="0"/>
-                            </a:rPr>
-                          </m:ctrlPr>
-                        </m:sSubPr>
-                        <m:e>
-                          <m:r>
-                            <m:rPr>
-                              <m:sty m:val="p"/>
-                            </m:rPr>
-                            <a:rPr lang="nl-NL" sz="3200" b="0" i="0" smtClean="0">
-                              <a:latin typeface="Cambria Math" panose="02040503050406030204" pitchFamily="18" charset="0"/>
-                            </a:rPr>
-                            <m:t>b</m:t>
-                          </m:r>
-                        </m:e>
-                        <m:sub>
-                          <m:r>
-                            <a:rPr lang="nl-NL" sz="3200" b="0" i="0" smtClean="0">
-                              <a:latin typeface="Cambria Math" panose="02040503050406030204" pitchFamily="18" charset="0"/>
-                            </a:rPr>
-                            <m:t>0</m:t>
-                          </m:r>
-                        </m:sub>
-                      </m:sSub>
-                      <m:sSub>
-                        <m:sSubPr>
-                          <m:ctrlPr>
-                            <a:rPr lang="nl-NL" sz="3200" i="1">
-                              <a:latin typeface="Cambria Math" panose="02040503050406030204" pitchFamily="18" charset="0"/>
-                              <a:ea typeface="Cambria Math" panose="02040503050406030204" pitchFamily="18" charset="0"/>
-                            </a:rPr>
-                          </m:ctrlPr>
-                        </m:sSubPr>
-                        <m:e>
-                          <m:r>
-                            <a:rPr lang="nl-NL" sz="3200" b="0" i="0" smtClean="0">
-                              <a:latin typeface="Cambria Math" panose="02040503050406030204" pitchFamily="18" charset="0"/>
-                              <a:ea typeface="Cambria Math" panose="02040503050406030204" pitchFamily="18" charset="0"/>
-                            </a:rPr>
-                            <m:t>+ </m:t>
-                          </m:r>
-                          <m:r>
-                            <m:rPr>
-                              <m:sty m:val="p"/>
-                            </m:rPr>
-                            <a:rPr lang="nl-NL" sz="3200" b="0" i="0" smtClean="0">
-                              <a:latin typeface="Cambria Math" panose="02040503050406030204" pitchFamily="18" charset="0"/>
-                              <a:ea typeface="Cambria Math" panose="02040503050406030204" pitchFamily="18" charset="0"/>
-                            </a:rPr>
-                            <m:t>b</m:t>
-                          </m:r>
-                        </m:e>
-                        <m:sub>
-                          <m:r>
-                            <a:rPr lang="nl-NL" sz="3200" b="0" i="0" smtClean="0">
-                              <a:latin typeface="Cambria Math" panose="02040503050406030204" pitchFamily="18" charset="0"/>
-                              <a:ea typeface="Cambria Math" panose="02040503050406030204" pitchFamily="18" charset="0"/>
-                            </a:rPr>
-                            <m:t>1</m:t>
-                          </m:r>
-                        </m:sub>
-                      </m:sSub>
-                      <m:r>
-                        <a:rPr lang="nl-NL" sz="3200" b="0" i="1" smtClean="0">
-                          <a:latin typeface="Cambria Math" panose="02040503050406030204" pitchFamily="18" charset="0"/>
-                          <a:ea typeface="Cambria Math" panose="02040503050406030204" pitchFamily="18" charset="0"/>
-                        </a:rPr>
-                        <m:t>𝑋</m:t>
-                      </m:r>
-                      <m:r>
-                        <a:rPr lang="nl-NL" sz="3200" b="0" i="0" smtClean="0">
-                          <a:latin typeface="Cambria Math" panose="02040503050406030204" pitchFamily="18" charset="0"/>
-                          <a:ea typeface="Cambria Math" panose="02040503050406030204" pitchFamily="18" charset="0"/>
-                        </a:rPr>
-                        <m:t>+</m:t>
-                      </m:r>
-                      <m:r>
-                        <a:rPr lang="nl-NL" sz="3200" b="0" i="1" smtClean="0">
-                          <a:latin typeface="Cambria Math" panose="02040503050406030204" pitchFamily="18" charset="0"/>
-                          <a:ea typeface="Cambria Math" panose="02040503050406030204" pitchFamily="18" charset="0"/>
-                        </a:rPr>
-                        <m:t>𝑒</m:t>
-                      </m:r>
-                    </m:oMath>
-                  </m:oMathPara>
-                </a14:m>
-                <a:endParaRPr lang="nl-NL" sz="3200" dirty="0"/>
-              </a:p>
-            </p:txBody>
-          </p:sp>
-        </mc:Choice>
-        <mc:Fallback xmlns="">
-          <p:sp>
-            <p:nvSpPr>
-              <p:cNvPr id="5" name="Tekstvak 4"/>
-              <p:cNvSpPr txBox="1">
-                <a:spLocks noRot="1" noChangeAspect="1" noMove="1" noResize="1" noEditPoints="1" noAdjustHandles="1" noChangeArrowheads="1" noChangeShapeType="1" noTextEdit="1"/>
-              </p:cNvSpPr>
-              <p:nvPr/>
-            </p:nvSpPr>
-            <p:spPr>
-              <a:xfrm>
-                <a:off x="2428294" y="1548579"/>
-                <a:ext cx="4392488" cy="584775"/>
-              </a:xfrm>
-              <a:prstGeom prst="rect">
-                <a:avLst/>
-              </a:prstGeom>
-              <a:blipFill>
-                <a:blip r:embed="rId2"/>
-                <a:stretch>
-                  <a:fillRect/>
-                </a:stretch>
-              </a:blipFill>
-            </p:spPr>
-            <p:txBody>
-              <a:bodyPr/>
-              <a:lstStyle/>
-              <a:p>
-                <a:r>
-                  <a:rPr lang="nl-NL">
-                    <a:noFill/>
-                  </a:rPr>
-                  <a:t> </a:t>
-                </a:r>
-              </a:p>
-            </p:txBody>
-          </p:sp>
-        </mc:Fallback>
-      </mc:AlternateContent>
-      <p:sp>
-        <p:nvSpPr>
-          <p:cNvPr id="6" name="Tekstvak 5"/>
-          <p:cNvSpPr txBox="1"/>
-          <p:nvPr/>
-        </p:nvSpPr>
-        <p:spPr>
-          <a:xfrm>
-            <a:off x="2267744" y="6020788"/>
-            <a:ext cx="5153975" cy="307777"/>
-          </a:xfrm>
-          <a:prstGeom prst="rect">
-            <a:avLst/>
-          </a:prstGeom>
-          <a:noFill/>
-        </p:spPr>
-        <p:txBody>
-          <a:bodyPr wrap="none" rtlCol="0">
-            <a:spAutoFit/>
-          </a:bodyPr>
-          <a:lstStyle/>
-          <a:p>
-            <a:r>
-              <a:rPr lang="nl-NL" dirty="0" smtClean="0"/>
-              <a:t>(</a:t>
-            </a:r>
-            <a:r>
-              <a:rPr lang="nl-NL" dirty="0" err="1" smtClean="0"/>
-              <a:t>Numbers</a:t>
-            </a:r>
-            <a:r>
-              <a:rPr lang="nl-NL" dirty="0" smtClean="0"/>
-              <a:t> are </a:t>
-            </a:r>
-            <a:r>
-              <a:rPr lang="nl-NL" dirty="0" err="1" smtClean="0"/>
-              <a:t>rounded</a:t>
-            </a:r>
-            <a:r>
-              <a:rPr lang="nl-NL" dirty="0" smtClean="0"/>
-              <a:t> down here </a:t>
-            </a:r>
-            <a:r>
-              <a:rPr lang="nl-NL" dirty="0" err="1" smtClean="0"/>
-              <a:t>and</a:t>
-            </a:r>
-            <a:r>
-              <a:rPr lang="nl-NL" dirty="0" smtClean="0"/>
-              <a:t> </a:t>
-            </a:r>
-            <a:r>
-              <a:rPr lang="nl-NL" dirty="0" err="1" smtClean="0"/>
-              <a:t>there</a:t>
-            </a:r>
-            <a:r>
-              <a:rPr lang="nl-NL" dirty="0" smtClean="0"/>
-              <a:t> </a:t>
-            </a:r>
-            <a:r>
-              <a:rPr lang="nl-NL" dirty="0" err="1" smtClean="0"/>
-              <a:t>to</a:t>
-            </a:r>
-            <a:r>
-              <a:rPr lang="nl-NL" dirty="0" smtClean="0"/>
-              <a:t> make </a:t>
-            </a:r>
-            <a:r>
-              <a:rPr lang="nl-NL" dirty="0" err="1" smtClean="0"/>
-              <a:t>it</a:t>
-            </a:r>
-            <a:r>
-              <a:rPr lang="nl-NL" dirty="0" smtClean="0"/>
-              <a:t> </a:t>
-            </a:r>
-            <a:r>
-              <a:rPr lang="nl-NL" dirty="0" err="1" smtClean="0"/>
-              <a:t>clearer</a:t>
-            </a:r>
-            <a:r>
-              <a:rPr lang="nl-NL" dirty="0" smtClean="0"/>
-              <a:t>)</a:t>
-            </a:r>
-            <a:endParaRPr lang="nl-NL" dirty="0"/>
-          </a:p>
-        </p:txBody>
-      </p:sp>
-    </p:spTree>
-    <p:extLst>
-      <p:ext uri="{BB962C8B-B14F-4D97-AF65-F5344CB8AC3E}">
-        <p14:creationId xmlns:p14="http://schemas.microsoft.com/office/powerpoint/2010/main" val="1898676828"/>
-      </p:ext>
-    </p:extLst>
-  </p:cSld>
-  <p:clrMapOvr>
-    <a:masterClrMapping/>
-  </p:clrMapOvr>
-  <p:timing>
-    <p:tnLst>
-      <p:par>
-        <p:cTn id="1" dur="indefinite" restart="never" nodeType="tmRoot"/>
-      </p:par>
-    </p:tnLst>
-  </p:timing>
-</p:sld>
-</file>
-
-<file path=ppt/slides/slide11.xml><?xml version="1.0" encoding="utf-8"?>
-<p:sld xmlns:a="http://schemas.openxmlformats.org/drawingml/2006/main" xmlns:r="http://schemas.openxmlformats.org/officeDocument/2006/relationships" xmlns:p="http://schemas.openxmlformats.org/presentationml/2006/main">
-  <p:cSld>
-    <p:spTree>
-      <p:nvGrpSpPr>
-        <p:cNvPr id="1" name=""/>
-        <p:cNvGrpSpPr/>
-        <p:nvPr/>
-      </p:nvGrpSpPr>
-      <p:grpSpPr>
-        <a:xfrm>
-          <a:off x="0" y="0"/>
-          <a:ext cx="0" cy="0"/>
-          <a:chOff x="0" y="0"/>
-          <a:chExt cx="0" cy="0"/>
-        </a:xfrm>
-      </p:grpSpPr>
-      <p:sp>
-        <p:nvSpPr>
-          <p:cNvPr id="2" name="Titel 1"/>
-          <p:cNvSpPr>
-            <a:spLocks noGrp="1"/>
-          </p:cNvSpPr>
-          <p:nvPr>
-            <p:ph type="title"/>
-          </p:nvPr>
-        </p:nvSpPr>
         <p:spPr>
           <a:xfrm>
             <a:off x="827584" y="615351"/>
@@ -8184,7 +7272,7 @@
 </p:sld>
 </file>
 
-<file path=ppt/slides/slide12.xml><?xml version="1.0" encoding="utf-8"?>
+<file path=ppt/slides/slide11.xml><?xml version="1.0" encoding="utf-8"?>
 <p:sld xmlns:a="http://schemas.openxmlformats.org/drawingml/2006/main" xmlns:r="http://schemas.openxmlformats.org/officeDocument/2006/relationships" xmlns:p="http://schemas.openxmlformats.org/presentationml/2006/main">
   <p:cSld>
     <p:spTree>
@@ -8359,7 +7447,7 @@
 </p:sld>
 </file>
 
-<file path=ppt/slides/slide13.xml><?xml version="1.0" encoding="utf-8"?>
+<file path=ppt/slides/slide12.xml><?xml version="1.0" encoding="utf-8"?>
 <p:sld xmlns:a="http://schemas.openxmlformats.org/drawingml/2006/main" xmlns:r="http://schemas.openxmlformats.org/officeDocument/2006/relationships" xmlns:p="http://schemas.openxmlformats.org/presentationml/2006/main">
   <p:cSld>
     <p:spTree>
@@ -8765,7 +7853,7 @@
       </p:pic>
       <p:pic>
         <p:nvPicPr>
-          <p:cNvPr id="9" name="Afbeelding 8"/>
+          <p:cNvPr id="4" name="Afbeelding 3"/>
           <p:cNvPicPr>
             <a:picLocks noChangeAspect="1"/>
           </p:cNvPicPr>
@@ -8779,8 +7867,8 @@
         </p:blipFill>
         <p:spPr>
           <a:xfrm>
-            <a:off x="434285" y="2060848"/>
-            <a:ext cx="2841571" cy="2880320"/>
+            <a:off x="281895" y="2132856"/>
+            <a:ext cx="3281993" cy="3240360"/>
           </a:xfrm>
           <a:prstGeom prst="rect">
             <a:avLst/>
@@ -8920,7 +8008,7 @@
 </p:sld>
 </file>
 
-<file path=ppt/slides/slide14.xml><?xml version="1.0" encoding="utf-8"?>
+<file path=ppt/slides/slide13.xml><?xml version="1.0" encoding="utf-8"?>
 <p:sld xmlns:a="http://schemas.openxmlformats.org/drawingml/2006/main" xmlns:r="http://schemas.openxmlformats.org/officeDocument/2006/relationships" xmlns:p="http://schemas.openxmlformats.org/presentationml/2006/main">
   <p:cSld>
     <p:spTree>
@@ -8981,54 +8069,6 @@
           </a:p>
         </p:txBody>
       </p:sp>
-      <p:pic>
-        <p:nvPicPr>
-          <p:cNvPr id="5" name="Afbeelding 4"/>
-          <p:cNvPicPr>
-            <a:picLocks noChangeAspect="1"/>
-          </p:cNvPicPr>
-          <p:nvPr/>
-        </p:nvPicPr>
-        <p:blipFill>
-          <a:blip r:embed="rId2"/>
-          <a:stretch>
-            <a:fillRect/>
-          </a:stretch>
-        </p:blipFill>
-        <p:spPr>
-          <a:xfrm>
-            <a:off x="2843808" y="1153483"/>
-            <a:ext cx="2710432" cy="2747392"/>
-          </a:xfrm>
-          <a:prstGeom prst="rect">
-            <a:avLst/>
-          </a:prstGeom>
-        </p:spPr>
-      </p:pic>
-      <p:pic>
-        <p:nvPicPr>
-          <p:cNvPr id="6" name="Afbeelding 5"/>
-          <p:cNvPicPr>
-            <a:picLocks noChangeAspect="1"/>
-          </p:cNvPicPr>
-          <p:nvPr/>
-        </p:nvPicPr>
-        <p:blipFill>
-          <a:blip r:embed="rId3"/>
-          <a:stretch>
-            <a:fillRect/>
-          </a:stretch>
-        </p:blipFill>
-        <p:spPr>
-          <a:xfrm>
-            <a:off x="2699792" y="3900875"/>
-            <a:ext cx="3078286" cy="2722560"/>
-          </a:xfrm>
-          <a:prstGeom prst="rect">
-            <a:avLst/>
-          </a:prstGeom>
-        </p:spPr>
-      </p:pic>
       <p:sp>
         <p:nvSpPr>
           <p:cNvPr id="7" name="Tekstvak 6"/>
@@ -9183,6 +8223,54 @@
           </a:p>
         </p:txBody>
       </p:sp>
+      <p:pic>
+        <p:nvPicPr>
+          <p:cNvPr id="10" name="Afbeelding 9"/>
+          <p:cNvPicPr>
+            <a:picLocks noChangeAspect="1"/>
+          </p:cNvPicPr>
+          <p:nvPr/>
+        </p:nvPicPr>
+        <p:blipFill>
+          <a:blip r:embed="rId2"/>
+          <a:stretch>
+            <a:fillRect/>
+          </a:stretch>
+        </p:blipFill>
+        <p:spPr>
+          <a:xfrm>
+            <a:off x="2815391" y="1089904"/>
+            <a:ext cx="2847087" cy="2810971"/>
+          </a:xfrm>
+          <a:prstGeom prst="rect">
+            <a:avLst/>
+          </a:prstGeom>
+        </p:spPr>
+      </p:pic>
+      <p:pic>
+        <p:nvPicPr>
+          <p:cNvPr id="3" name="Afbeelding 2"/>
+          <p:cNvPicPr>
+            <a:picLocks noChangeAspect="1"/>
+          </p:cNvPicPr>
+          <p:nvPr/>
+        </p:nvPicPr>
+        <p:blipFill>
+          <a:blip r:embed="rId3"/>
+          <a:stretch>
+            <a:fillRect/>
+          </a:stretch>
+        </p:blipFill>
+        <p:spPr>
+          <a:xfrm>
+            <a:off x="2460897" y="4078741"/>
+            <a:ext cx="3756983" cy="2366828"/>
+          </a:xfrm>
+          <a:prstGeom prst="rect">
+            <a:avLst/>
+          </a:prstGeom>
+        </p:spPr>
+      </p:pic>
     </p:spTree>
     <p:extLst>
       <p:ext uri="{BB962C8B-B14F-4D97-AF65-F5344CB8AC3E}">
@@ -9203,7 +8291,7 @@
 </p:sld>
 </file>
 
-<file path=ppt/slides/slide15.xml><?xml version="1.0" encoding="utf-8"?>
+<file path=ppt/slides/slide14.xml><?xml version="1.0" encoding="utf-8"?>
 <p:sld xmlns:a="http://schemas.openxmlformats.org/drawingml/2006/main" xmlns:r="http://schemas.openxmlformats.org/officeDocument/2006/relationships" xmlns:p="http://schemas.openxmlformats.org/presentationml/2006/main">
   <p:cSld>
     <p:spTree>
@@ -9914,7 +9002,7 @@
 </p:sld>
 </file>
 
-<file path=ppt/slides/slide16.xml><?xml version="1.0" encoding="utf-8"?>
+<file path=ppt/slides/slide15.xml><?xml version="1.0" encoding="utf-8"?>
 <p:sld xmlns:a="http://schemas.openxmlformats.org/drawingml/2006/main" xmlns:r="http://schemas.openxmlformats.org/officeDocument/2006/relationships" xmlns:p="http://schemas.openxmlformats.org/presentationml/2006/main">
   <p:cSld>
     <p:spTree>
@@ -10124,7 +9212,7 @@
       </p:sp>
       <p:pic>
         <p:nvPicPr>
-          <p:cNvPr id="4" name="Afbeelding 3"/>
+          <p:cNvPr id="8" name="Afbeelding 7"/>
           <p:cNvPicPr>
             <a:picLocks noChangeAspect="1"/>
           </p:cNvPicPr>
@@ -10138,112 +9226,14 @@
         </p:blipFill>
         <p:spPr>
           <a:xfrm>
-            <a:off x="5355277" y="1330287"/>
-            <a:ext cx="3350209" cy="3464421"/>
+            <a:off x="5364088" y="1628800"/>
+            <a:ext cx="3453904" cy="3246254"/>
           </a:xfrm>
           <a:prstGeom prst="rect">
             <a:avLst/>
           </a:prstGeom>
         </p:spPr>
       </p:pic>
-      <p:cxnSp>
-        <p:nvCxnSpPr>
-          <p:cNvPr id="5" name="Rechte verbindingslijn 4"/>
-          <p:cNvCxnSpPr/>
-          <p:nvPr/>
-        </p:nvCxnSpPr>
-        <p:spPr bwMode="auto">
-          <a:xfrm>
-            <a:off x="8460432" y="2708920"/>
-            <a:ext cx="0" cy="537550"/>
-          </a:xfrm>
-          <a:prstGeom prst="line">
-            <a:avLst/>
-          </a:prstGeom>
-          <a:ln>
-            <a:headEnd type="none" w="med" len="med"/>
-            <a:tailEnd type="none" w="med" len="med"/>
-          </a:ln>
-        </p:spPr>
-        <p:style>
-          <a:lnRef idx="1">
-            <a:schemeClr val="accent6"/>
-          </a:lnRef>
-          <a:fillRef idx="0">
-            <a:schemeClr val="accent6"/>
-          </a:fillRef>
-          <a:effectRef idx="0">
-            <a:schemeClr val="accent6"/>
-          </a:effectRef>
-          <a:fontRef idx="minor">
-            <a:schemeClr val="tx1"/>
-          </a:fontRef>
-        </p:style>
-      </p:cxnSp>
-      <p:sp>
-        <p:nvSpPr>
-          <p:cNvPr id="6" name="Tekstvak 5"/>
-          <p:cNvSpPr txBox="1"/>
-          <p:nvPr/>
-        </p:nvSpPr>
-        <p:spPr>
-          <a:xfrm>
-            <a:off x="7705167" y="3384867"/>
-            <a:ext cx="1176925" cy="307777"/>
-          </a:xfrm>
-          <a:prstGeom prst="rect">
-            <a:avLst/>
-          </a:prstGeom>
-          <a:noFill/>
-        </p:spPr>
-        <p:txBody>
-          <a:bodyPr wrap="none" rtlCol="0">
-            <a:spAutoFit/>
-          </a:bodyPr>
-          <a:lstStyle/>
-          <a:p>
-            <a:r>
-              <a:rPr lang="nl-NL" dirty="0" smtClean="0"/>
-              <a:t>e ≈ 10,000M</a:t>
-            </a:r>
-            <a:endParaRPr lang="nl-NL" dirty="0"/>
-          </a:p>
-        </p:txBody>
-      </p:sp>
-      <p:cxnSp>
-        <p:nvCxnSpPr>
-          <p:cNvPr id="7" name="Rechte verbindingslijn 6"/>
-          <p:cNvCxnSpPr/>
-          <p:nvPr/>
-        </p:nvCxnSpPr>
-        <p:spPr bwMode="auto">
-          <a:xfrm>
-            <a:off x="8299240" y="1736812"/>
-            <a:ext cx="0" cy="1080120"/>
-          </a:xfrm>
-          <a:prstGeom prst="line">
-            <a:avLst/>
-          </a:prstGeom>
-          <a:ln>
-            <a:headEnd type="none" w="med" len="med"/>
-            <a:tailEnd type="none" w="med" len="med"/>
-          </a:ln>
-        </p:spPr>
-        <p:style>
-          <a:lnRef idx="1">
-            <a:schemeClr val="accent6"/>
-          </a:lnRef>
-          <a:fillRef idx="0">
-            <a:schemeClr val="accent6"/>
-          </a:fillRef>
-          <a:effectRef idx="0">
-            <a:schemeClr val="accent6"/>
-          </a:effectRef>
-          <a:fontRef idx="minor">
-            <a:schemeClr val="tx1"/>
-          </a:fontRef>
-        </p:style>
-      </p:cxnSp>
     </p:spTree>
     <p:extLst>
       <p:ext uri="{BB962C8B-B14F-4D97-AF65-F5344CB8AC3E}">
@@ -10257,157 +9247,14 @@
   <p:timing>
     <p:tnLst>
       <p:par>
-        <p:cTn id="1" dur="indefinite" restart="never" nodeType="tmRoot">
-          <p:childTnLst>
-            <p:seq concurrent="1" nextAc="seek">
-              <p:cTn id="2" dur="indefinite" nodeType="mainSeq">
-                <p:childTnLst>
-                  <p:par>
-                    <p:cTn id="3" fill="hold">
-                      <p:stCondLst>
-                        <p:cond delay="indefinite"/>
-                      </p:stCondLst>
-                      <p:childTnLst>
-                        <p:par>
-                          <p:cTn id="4" fill="hold">
-                            <p:stCondLst>
-                              <p:cond delay="0"/>
-                            </p:stCondLst>
-                            <p:childTnLst>
-                              <p:par>
-                                <p:cTn id="5" presetID="1" presetClass="entr" presetSubtype="0" fill="hold" grpId="0" nodeType="clickEffect">
-                                  <p:stCondLst>
-                                    <p:cond delay="0"/>
-                                  </p:stCondLst>
-                                  <p:childTnLst>
-                                    <p:set>
-                                      <p:cBhvr>
-                                        <p:cTn id="6" dur="1" fill="hold">
-                                          <p:stCondLst>
-                                            <p:cond delay="0"/>
-                                          </p:stCondLst>
-                                        </p:cTn>
-                                        <p:tgtEl>
-                                          <p:spTgt spid="6"/>
-                                        </p:tgtEl>
-                                        <p:attrNameLst>
-                                          <p:attrName>style.visibility</p:attrName>
-                                        </p:attrNameLst>
-                                      </p:cBhvr>
-                                      <p:to>
-                                        <p:strVal val="visible"/>
-                                      </p:to>
-                                    </p:set>
-                                  </p:childTnLst>
-                                </p:cTn>
-                              </p:par>
-                              <p:par>
-                                <p:cTn id="7" presetID="1" presetClass="entr" presetSubtype="0" fill="hold" nodeType="withEffect">
-                                  <p:stCondLst>
-                                    <p:cond delay="0"/>
-                                  </p:stCondLst>
-                                  <p:childTnLst>
-                                    <p:set>
-                                      <p:cBhvr>
-                                        <p:cTn id="8" dur="1" fill="hold">
-                                          <p:stCondLst>
-                                            <p:cond delay="0"/>
-                                          </p:stCondLst>
-                                        </p:cTn>
-                                        <p:tgtEl>
-                                          <p:spTgt spid="5"/>
-                                        </p:tgtEl>
-                                        <p:attrNameLst>
-                                          <p:attrName>style.visibility</p:attrName>
-                                        </p:attrNameLst>
-                                      </p:cBhvr>
-                                      <p:to>
-                                        <p:strVal val="visible"/>
-                                      </p:to>
-                                    </p:set>
-                                  </p:childTnLst>
-                                </p:cTn>
-                              </p:par>
-                            </p:childTnLst>
-                          </p:cTn>
-                        </p:par>
-                      </p:childTnLst>
-                    </p:cTn>
-                  </p:par>
-                  <p:par>
-                    <p:cTn id="9" fill="hold">
-                      <p:stCondLst>
-                        <p:cond delay="indefinite"/>
-                      </p:stCondLst>
-                      <p:childTnLst>
-                        <p:par>
-                          <p:cTn id="10" fill="hold">
-                            <p:stCondLst>
-                              <p:cond delay="0"/>
-                            </p:stCondLst>
-                            <p:childTnLst>
-                              <p:par>
-                                <p:cTn id="11" presetID="1" presetClass="entr" presetSubtype="0" fill="hold" nodeType="clickEffect">
-                                  <p:stCondLst>
-                                    <p:cond delay="0"/>
-                                  </p:stCondLst>
-                                  <p:childTnLst>
-                                    <p:set>
-                                      <p:cBhvr>
-                                        <p:cTn id="12" dur="1" fill="hold">
-                                          <p:stCondLst>
-                                            <p:cond delay="0"/>
-                                          </p:stCondLst>
-                                        </p:cTn>
-                                        <p:tgtEl>
-                                          <p:spTgt spid="7"/>
-                                        </p:tgtEl>
-                                        <p:attrNameLst>
-                                          <p:attrName>style.visibility</p:attrName>
-                                        </p:attrNameLst>
-                                      </p:cBhvr>
-                                      <p:to>
-                                        <p:strVal val="visible"/>
-                                      </p:to>
-                                    </p:set>
-                                  </p:childTnLst>
-                                </p:cTn>
-                              </p:par>
-                            </p:childTnLst>
-                          </p:cTn>
-                        </p:par>
-                      </p:childTnLst>
-                    </p:cTn>
-                  </p:par>
-                </p:childTnLst>
-              </p:cTn>
-              <p:prevCondLst>
-                <p:cond evt="onPrev" delay="0">
-                  <p:tgtEl>
-                    <p:sldTgt/>
-                  </p:tgtEl>
-                </p:cond>
-              </p:prevCondLst>
-              <p:nextCondLst>
-                <p:cond evt="onNext" delay="0">
-                  <p:tgtEl>
-                    <p:sldTgt/>
-                  </p:tgtEl>
-                </p:cond>
-              </p:nextCondLst>
-            </p:seq>
-          </p:childTnLst>
-        </p:cTn>
+        <p:cTn id="1" dur="indefinite" restart="never" nodeType="tmRoot"/>
       </p:par>
     </p:tnLst>
-    <p:bldLst>
-      <p:bldP spid="6" grpId="0"/>
-    </p:bldLst>
   </p:timing>
 </p:sld>
 </file>
 
-<file path=ppt/slides/slide17.xml><?xml version="1.0" encoding="utf-8"?>
+<file path=ppt/slides/slide16.xml><?xml version="1.0" encoding="utf-8"?>
 <p:sld xmlns:a="http://schemas.openxmlformats.org/drawingml/2006/main" xmlns:r="http://schemas.openxmlformats.org/officeDocument/2006/relationships" xmlns:p="http://schemas.openxmlformats.org/presentationml/2006/main">
   <p:cSld>
     <p:spTree>
@@ -11485,7 +10332,7 @@
 </p:sld>
 </file>
 
-<file path=ppt/slides/slide18.xml><?xml version="1.0" encoding="utf-8"?>
+<file path=ppt/slides/slide17.xml><?xml version="1.0" encoding="utf-8"?>
 <p:sld xmlns:a="http://schemas.openxmlformats.org/drawingml/2006/main" xmlns:r="http://schemas.openxmlformats.org/officeDocument/2006/relationships" xmlns:p="http://schemas.openxmlformats.org/presentationml/2006/main">
   <p:cSld>
     <p:spTree>
@@ -11660,7 +10507,7 @@
 </p:sld>
 </file>
 
-<file path=ppt/slides/slide19.xml><?xml version="1.0" encoding="utf-8"?>
+<file path=ppt/slides/slide18.xml><?xml version="1.0" encoding="utf-8"?>
 <p:sld xmlns:a="http://schemas.openxmlformats.org/drawingml/2006/main" xmlns:r="http://schemas.openxmlformats.org/officeDocument/2006/relationships" xmlns:p="http://schemas.openxmlformats.org/presentationml/2006/main">
   <p:cSld>
     <p:spTree>
@@ -12055,6 +10902,285 @@
 </p:sld>
 </file>
 
+<file path=ppt/slides/slide19.xml><?xml version="1.0" encoding="utf-8"?>
+<p:sld xmlns:a="http://schemas.openxmlformats.org/drawingml/2006/main" xmlns:r="http://schemas.openxmlformats.org/officeDocument/2006/relationships" xmlns:p="http://schemas.openxmlformats.org/presentationml/2006/main">
+  <p:cSld>
+    <p:spTree>
+      <p:nvGrpSpPr>
+        <p:cNvPr id="1" name=""/>
+        <p:cNvGrpSpPr/>
+        <p:nvPr/>
+      </p:nvGrpSpPr>
+      <p:grpSpPr>
+        <a:xfrm>
+          <a:off x="0" y="0"/>
+          <a:ext cx="0" cy="0"/>
+          <a:chOff x="0" y="0"/>
+          <a:chExt cx="0" cy="0"/>
+        </a:xfrm>
+      </p:grpSpPr>
+      <p:sp>
+        <p:nvSpPr>
+          <p:cNvPr id="2" name="Titel 1"/>
+          <p:cNvSpPr>
+            <a:spLocks noGrp="1"/>
+          </p:cNvSpPr>
+          <p:nvPr>
+            <p:ph type="title"/>
+          </p:nvPr>
+        </p:nvSpPr>
+        <p:spPr/>
+        <p:txBody>
+          <a:bodyPr/>
+          <a:lstStyle/>
+          <a:p>
+            <a:r>
+              <a:rPr lang="nl-NL" dirty="0" smtClean="0"/>
+              <a:t>Training </a:t>
+            </a:r>
+            <a:r>
+              <a:rPr lang="nl-NL" dirty="0" err="1" smtClean="0"/>
+              <a:t>and</a:t>
+            </a:r>
+            <a:r>
+              <a:rPr lang="nl-NL" dirty="0" smtClean="0"/>
+              <a:t> test set</a:t>
+            </a:r>
+            <a:endParaRPr lang="nl-NL" dirty="0"/>
+          </a:p>
+        </p:txBody>
+      </p:sp>
+      <p:sp>
+        <p:nvSpPr>
+          <p:cNvPr id="11" name="Tijdelijke aanduiding voor inhoud 2"/>
+          <p:cNvSpPr>
+            <a:spLocks noGrp="1"/>
+          </p:cNvSpPr>
+          <p:nvPr>
+            <p:ph idx="1"/>
+          </p:nvPr>
+        </p:nvSpPr>
+        <p:spPr>
+          <a:xfrm>
+            <a:off x="1187624" y="4509120"/>
+            <a:ext cx="7303304" cy="3564053"/>
+          </a:xfrm>
+        </p:spPr>
+        <p:txBody>
+          <a:bodyPr/>
+          <a:lstStyle/>
+          <a:p>
+            <a:r>
+              <a:rPr lang="nl-NL" sz="1800" dirty="0" err="1" smtClean="0"/>
+              <a:t>Two</a:t>
+            </a:r>
+            <a:r>
+              <a:rPr lang="nl-NL" sz="1800" dirty="0" smtClean="0"/>
+              <a:t> </a:t>
+            </a:r>
+            <a:r>
+              <a:rPr lang="nl-NL" sz="1800" dirty="0" err="1" smtClean="0"/>
+              <a:t>models</a:t>
+            </a:r>
+            <a:r>
+              <a:rPr lang="nl-NL" sz="1800" dirty="0" smtClean="0"/>
+              <a:t> </a:t>
+            </a:r>
+            <a:r>
+              <a:rPr lang="nl-NL" sz="1800" dirty="0" err="1" smtClean="0"/>
+              <a:t>trained</a:t>
+            </a:r>
+            <a:r>
+              <a:rPr lang="nl-NL" sz="1800" dirty="0" smtClean="0"/>
+              <a:t> on the training data set</a:t>
+            </a:r>
+          </a:p>
+          <a:p>
+            <a:pPr lvl="1"/>
+            <a:r>
+              <a:rPr lang="nl-NL" sz="1600" dirty="0" smtClean="0"/>
+              <a:t>Simple model in green</a:t>
+            </a:r>
+          </a:p>
+          <a:p>
+            <a:pPr lvl="1"/>
+            <a:r>
+              <a:rPr lang="nl-NL" sz="1600" dirty="0" smtClean="0"/>
+              <a:t>Complex model in </a:t>
+            </a:r>
+            <a:r>
+              <a:rPr lang="nl-NL" sz="1600" dirty="0" err="1" smtClean="0"/>
+              <a:t>orange</a:t>
+            </a:r>
+            <a:endParaRPr lang="nl-NL" sz="1600" dirty="0" smtClean="0"/>
+          </a:p>
+          <a:p>
+            <a:pPr lvl="1"/>
+            <a:endParaRPr lang="nl-NL" sz="1600" dirty="0"/>
+          </a:p>
+          <a:p>
+            <a:r>
+              <a:rPr lang="nl-NL" sz="1800" dirty="0" smtClean="0"/>
+              <a:t>The test set is </a:t>
+            </a:r>
+            <a:r>
+              <a:rPr lang="nl-NL" sz="1800" dirty="0" err="1" smtClean="0"/>
+              <a:t>used</a:t>
+            </a:r>
+            <a:r>
+              <a:rPr lang="nl-NL" sz="1800" dirty="0" smtClean="0"/>
+              <a:t> </a:t>
+            </a:r>
+            <a:r>
+              <a:rPr lang="nl-NL" sz="1800" dirty="0" err="1" smtClean="0"/>
+              <a:t>only</a:t>
+            </a:r>
+            <a:r>
+              <a:rPr lang="nl-NL" sz="1800" dirty="0" smtClean="0"/>
+              <a:t> </a:t>
+            </a:r>
+            <a:r>
+              <a:rPr lang="nl-NL" sz="1800" dirty="0" err="1" smtClean="0"/>
+              <a:t>to</a:t>
+            </a:r>
+            <a:r>
+              <a:rPr lang="nl-NL" sz="1800" dirty="0" smtClean="0"/>
+              <a:t> </a:t>
+            </a:r>
+            <a:r>
+              <a:rPr lang="nl-NL" sz="1800" i="1" dirty="0" smtClean="0"/>
+              <a:t>test</a:t>
+            </a:r>
+            <a:r>
+              <a:rPr lang="nl-NL" sz="1800" dirty="0" smtClean="0"/>
+              <a:t> the data (</a:t>
+            </a:r>
+            <a:r>
+              <a:rPr lang="nl-NL" sz="1800" dirty="0" err="1" smtClean="0"/>
+              <a:t>not</a:t>
+            </a:r>
+            <a:r>
+              <a:rPr lang="nl-NL" sz="1800" dirty="0" smtClean="0"/>
+              <a:t> </a:t>
+            </a:r>
+            <a:r>
+              <a:rPr lang="nl-NL" sz="1800" dirty="0" err="1" smtClean="0"/>
+              <a:t>to</a:t>
+            </a:r>
+            <a:r>
+              <a:rPr lang="nl-NL" sz="1800" dirty="0" smtClean="0"/>
+              <a:t> </a:t>
+            </a:r>
+            <a:r>
+              <a:rPr lang="nl-NL" sz="1800" dirty="0" err="1" smtClean="0"/>
+              <a:t>calculate</a:t>
+            </a:r>
+            <a:r>
+              <a:rPr lang="nl-NL" sz="1800" dirty="0" smtClean="0"/>
+              <a:t> the </a:t>
+            </a:r>
+            <a:r>
+              <a:rPr lang="nl-NL" sz="1800" dirty="0" err="1" smtClean="0"/>
+              <a:t>coefficients</a:t>
+            </a:r>
+            <a:r>
+              <a:rPr lang="nl-NL" sz="1800" dirty="0" smtClean="0"/>
+              <a:t> / train the model).</a:t>
+            </a:r>
+          </a:p>
+          <a:p>
+            <a:pPr lvl="1"/>
+            <a:r>
+              <a:rPr lang="nl-NL" sz="1600" dirty="0" smtClean="0"/>
+              <a:t>The </a:t>
+            </a:r>
+            <a:r>
+              <a:rPr lang="nl-NL" sz="1600" dirty="0" err="1" smtClean="0"/>
+              <a:t>orange</a:t>
+            </a:r>
+            <a:r>
+              <a:rPr lang="nl-NL" sz="1600" dirty="0" smtClean="0"/>
+              <a:t> model </a:t>
+            </a:r>
+            <a:r>
+              <a:rPr lang="nl-NL" sz="1600" dirty="0" err="1" smtClean="0"/>
+              <a:t>overfits</a:t>
+            </a:r>
+            <a:r>
+              <a:rPr lang="nl-NL" sz="1600" dirty="0" smtClean="0"/>
+              <a:t>: </a:t>
+            </a:r>
+            <a:r>
+              <a:rPr lang="nl-NL" sz="1600" dirty="0" err="1" smtClean="0"/>
+              <a:t>it</a:t>
+            </a:r>
+            <a:r>
+              <a:rPr lang="nl-NL" sz="1600" dirty="0" smtClean="0"/>
+              <a:t> fits the training set ‘</a:t>
+            </a:r>
+            <a:r>
+              <a:rPr lang="nl-NL" sz="1600" dirty="0" err="1" smtClean="0"/>
+              <a:t>too</a:t>
+            </a:r>
+            <a:r>
+              <a:rPr lang="nl-NL" sz="1600" dirty="0" smtClean="0"/>
+              <a:t> well’ </a:t>
+            </a:r>
+          </a:p>
+          <a:p>
+            <a:endParaRPr lang="nl-NL" sz="1800" dirty="0"/>
+          </a:p>
+          <a:p>
+            <a:endParaRPr lang="nl-NL" dirty="0"/>
+          </a:p>
+          <a:p>
+            <a:endParaRPr lang="nl-NL" dirty="0"/>
+          </a:p>
+        </p:txBody>
+      </p:sp>
+      <p:pic>
+        <p:nvPicPr>
+          <p:cNvPr id="13" name="Afbeelding 12"/>
+          <p:cNvPicPr>
+            <a:picLocks noChangeAspect="1"/>
+          </p:cNvPicPr>
+          <p:nvPr/>
+        </p:nvPicPr>
+        <p:blipFill>
+          <a:blip r:embed="rId2">
+            <a:extLst>
+              <a:ext uri="{28A0092B-C50C-407E-A947-70E740481C1C}">
+                <a14:useLocalDpi xmlns:a14="http://schemas.microsoft.com/office/drawing/2010/main" val="0"/>
+              </a:ext>
+            </a:extLst>
+          </a:blip>
+          <a:stretch>
+            <a:fillRect/>
+          </a:stretch>
+        </p:blipFill>
+        <p:spPr>
+          <a:xfrm>
+            <a:off x="838200" y="1556792"/>
+            <a:ext cx="7448072" cy="2793027"/>
+          </a:xfrm>
+          <a:prstGeom prst="rect">
+            <a:avLst/>
+          </a:prstGeom>
+        </p:spPr>
+      </p:pic>
+    </p:spTree>
+    <p:extLst>
+      <p:ext uri="{BB962C8B-B14F-4D97-AF65-F5344CB8AC3E}">
+        <p14:creationId xmlns:p14="http://schemas.microsoft.com/office/powerpoint/2010/main" val="1258337205"/>
+      </p:ext>
+    </p:extLst>
+  </p:cSld>
+  <p:clrMapOvr>
+    <a:masterClrMapping/>
+  </p:clrMapOvr>
+</p:sld>
+</file>
+
 <file path=ppt/slides/slide2.xml><?xml version="1.0" encoding="utf-8"?>
 <p:sld xmlns:a="http://schemas.openxmlformats.org/drawingml/2006/main" xmlns:r="http://schemas.openxmlformats.org/officeDocument/2006/relationships" xmlns:p="http://schemas.openxmlformats.org/presentationml/2006/main">
   <p:cSld>
@@ -12116,74 +11242,125 @@
       </p:sp>
       <p:pic>
         <p:nvPicPr>
-          <p:cNvPr id="12" name="Afbeelding 11"/>
+          <p:cNvPr id="1026" name="Picture 2" descr="Grinning Face on WhatsApp 2.20.198.15"/>
           <p:cNvPicPr>
-            <a:picLocks noChangeAspect="1"/>
+            <a:picLocks noChangeAspect="1" noChangeArrowheads="1"/>
           </p:cNvPicPr>
           <p:nvPr/>
         </p:nvPicPr>
         <p:blipFill>
-          <a:blip r:embed="rId2"/>
+          <a:blip r:embed="rId2">
+            <a:extLst>
+              <a:ext uri="{28A0092B-C50C-407E-A947-70E740481C1C}">
+                <a14:useLocalDpi xmlns:a14="http://schemas.microsoft.com/office/drawing/2010/main" val="0"/>
+              </a:ext>
+            </a:extLst>
+          </a:blip>
+          <a:srcRect/>
           <a:stretch>
             <a:fillRect/>
           </a:stretch>
         </p:blipFill>
-        <p:spPr>
+        <p:spPr bwMode="auto">
           <a:xfrm>
-            <a:off x="6156176" y="2492896"/>
-            <a:ext cx="2253070" cy="2016224"/>
+            <a:off x="1331640" y="2929507"/>
+            <a:ext cx="1143000" cy="1143001"/>
           </a:xfrm>
           <a:prstGeom prst="rect">
             <a:avLst/>
           </a:prstGeom>
+          <a:noFill/>
+          <a:extLst>
+            <a:ext uri="{909E8E84-426E-40DD-AFC4-6F175D3DCCD1}">
+              <a14:hiddenFill xmlns:a14="http://schemas.microsoft.com/office/drawing/2010/main">
+                <a:solidFill>
+                  <a:srgbClr val="FFFFFF"/>
+                </a:solidFill>
+              </a14:hiddenFill>
+            </a:ext>
+          </a:extLst>
         </p:spPr>
       </p:pic>
       <p:pic>
         <p:nvPicPr>
-          <p:cNvPr id="13" name="Afbeelding 12"/>
+          <p:cNvPr id="1028" name="Picture 4" descr="Neutral Face on WhatsApp 2.20.198.15"/>
           <p:cNvPicPr>
-            <a:picLocks noChangeAspect="1"/>
+            <a:picLocks noChangeAspect="1" noChangeArrowheads="1"/>
           </p:cNvPicPr>
           <p:nvPr/>
         </p:nvPicPr>
         <p:blipFill>
-          <a:blip r:embed="rId3"/>
+          <a:blip r:embed="rId3">
+            <a:extLst>
+              <a:ext uri="{28A0092B-C50C-407E-A947-70E740481C1C}">
+                <a14:useLocalDpi xmlns:a14="http://schemas.microsoft.com/office/drawing/2010/main" val="0"/>
+              </a:ext>
+            </a:extLst>
+          </a:blip>
+          <a:srcRect/>
           <a:stretch>
             <a:fillRect/>
           </a:stretch>
         </p:blipFill>
-        <p:spPr>
+        <p:spPr bwMode="auto">
           <a:xfrm>
-            <a:off x="3491880" y="2616786"/>
-            <a:ext cx="2129219" cy="1988089"/>
+            <a:off x="4131469" y="2929506"/>
+            <a:ext cx="1143000" cy="1143001"/>
           </a:xfrm>
           <a:prstGeom prst="rect">
             <a:avLst/>
           </a:prstGeom>
+          <a:noFill/>
+          <a:extLst>
+            <a:ext uri="{909E8E84-426E-40DD-AFC4-6F175D3DCCD1}">
+              <a14:hiddenFill xmlns:a14="http://schemas.microsoft.com/office/drawing/2010/main">
+                <a:solidFill>
+                  <a:srgbClr val="FFFFFF"/>
+                </a:solidFill>
+              </a14:hiddenFill>
+            </a:ext>
+          </a:extLst>
         </p:spPr>
       </p:pic>
       <p:pic>
         <p:nvPicPr>
-          <p:cNvPr id="14" name="Afbeelding 13"/>
+          <p:cNvPr id="1030" name="Picture 6" descr="Downcast Face with Sweat on WhatsApp 2.20.198.15"/>
           <p:cNvPicPr>
-            <a:picLocks noChangeAspect="1"/>
+            <a:picLocks noChangeAspect="1" noChangeArrowheads="1"/>
           </p:cNvPicPr>
           <p:nvPr/>
         </p:nvPicPr>
         <p:blipFill>
-          <a:blip r:embed="rId4"/>
+          <a:blip r:embed="rId4">
+            <a:extLst>
+              <a:ext uri="{28A0092B-C50C-407E-A947-70E740481C1C}">
+                <a14:useLocalDpi xmlns:a14="http://schemas.microsoft.com/office/drawing/2010/main" val="0"/>
+              </a:ext>
+            </a:extLst>
+          </a:blip>
+          <a:srcRect/>
           <a:stretch>
             <a:fillRect/>
           </a:stretch>
         </p:blipFill>
-        <p:spPr>
+        <p:spPr bwMode="auto">
           <a:xfrm>
-            <a:off x="869217" y="2712543"/>
-            <a:ext cx="1873659" cy="1796577"/>
+            <a:off x="6732240" y="2929506"/>
+            <a:ext cx="1143000" cy="1143001"/>
           </a:xfrm>
           <a:prstGeom prst="rect">
             <a:avLst/>
           </a:prstGeom>
+          <a:noFill/>
+          <a:extLst>
+            <a:ext uri="{909E8E84-426E-40DD-AFC4-6F175D3DCCD1}">
+              <a14:hiddenFill xmlns:a14="http://schemas.microsoft.com/office/drawing/2010/main">
+                <a:solidFill>
+                  <a:srgbClr val="FFFFFF"/>
+                </a:solidFill>
+              </a14:hiddenFill>
+            </a:ext>
+          </a:extLst>
         </p:spPr>
       </p:pic>
     </p:spTree>
@@ -12256,7 +11433,7 @@
       </p:sp>
       <p:sp>
         <p:nvSpPr>
-          <p:cNvPr id="11" name="Tijdelijke aanduiding voor inhoud 2"/>
+          <p:cNvPr id="3" name="Tijdelijke aanduiding voor inhoud 2"/>
           <p:cNvSpPr>
             <a:spLocks noGrp="1"/>
           </p:cNvSpPr>
@@ -12266,8 +11443,8 @@
         </p:nvSpPr>
         <p:spPr>
           <a:xfrm>
-            <a:off x="1187624" y="4509120"/>
-            <a:ext cx="7303304" cy="3564053"/>
+            <a:off x="762000" y="1762125"/>
+            <a:ext cx="7881938" cy="5041380"/>
           </a:xfrm>
         </p:spPr>
         <p:txBody>
@@ -12275,207 +11452,166 @@
           <a:lstStyle/>
           <a:p>
             <a:r>
-              <a:rPr lang="nl-NL" sz="1800" dirty="0" err="1" smtClean="0"/>
-              <a:t>Two</a:t>
-            </a:r>
-            <a:r>
-              <a:rPr lang="nl-NL" sz="1800" dirty="0" smtClean="0"/>
+              <a:rPr lang="nl-NL" sz="2400" dirty="0" err="1" smtClean="0"/>
+              <a:t>Usually</a:t>
+            </a:r>
+            <a:r>
+              <a:rPr lang="nl-NL" sz="2400" dirty="0"/>
               <a:t> </a:t>
             </a:r>
             <a:r>
-              <a:rPr lang="nl-NL" sz="1800" dirty="0" err="1" smtClean="0"/>
-              <a:t>models</a:t>
-            </a:r>
-            <a:r>
-              <a:rPr lang="nl-NL" sz="1800" dirty="0" smtClean="0"/>
+              <a:rPr lang="nl-NL" sz="2400" dirty="0" smtClean="0"/>
+              <a:t>in machine </a:t>
+            </a:r>
+            <a:r>
+              <a:rPr lang="nl-NL" sz="2400" dirty="0" err="1" smtClean="0"/>
+              <a:t>learning</a:t>
+            </a:r>
+            <a:r>
+              <a:rPr lang="nl-NL" sz="2400" dirty="0" smtClean="0"/>
+              <a:t>, we split the data at the </a:t>
+            </a:r>
+            <a:r>
+              <a:rPr lang="nl-NL" sz="2400" dirty="0" err="1" smtClean="0"/>
+              <a:t>beginning</a:t>
+            </a:r>
+            <a:r>
+              <a:rPr lang="nl-NL" sz="2400" dirty="0" smtClean="0"/>
               <a:t> </a:t>
             </a:r>
             <a:r>
-              <a:rPr lang="nl-NL" sz="1800" dirty="0" err="1" smtClean="0"/>
-              <a:t>trained</a:t>
-            </a:r>
-            <a:r>
-              <a:rPr lang="nl-NL" sz="1800" dirty="0" smtClean="0"/>
-              <a:t> on the training data set</a:t>
-            </a:r>
-          </a:p>
-          <a:p>
-            <a:pPr lvl="1"/>
-            <a:r>
-              <a:rPr lang="nl-NL" sz="1600" dirty="0" smtClean="0"/>
-              <a:t>Simple model in green</a:t>
-            </a:r>
-          </a:p>
-          <a:p>
-            <a:pPr lvl="1"/>
-            <a:r>
-              <a:rPr lang="nl-NL" sz="1600" dirty="0" smtClean="0"/>
-              <a:t>Complex model in </a:t>
-            </a:r>
-            <a:r>
-              <a:rPr lang="nl-NL" sz="1600" dirty="0" err="1" smtClean="0"/>
-              <a:t>orange</a:t>
-            </a:r>
-            <a:endParaRPr lang="nl-NL" sz="1600" dirty="0" smtClean="0"/>
-          </a:p>
-          <a:p>
-            <a:pPr lvl="1"/>
-            <a:endParaRPr lang="nl-NL" sz="1600" dirty="0"/>
-          </a:p>
-          <a:p>
-            <a:r>
-              <a:rPr lang="nl-NL" sz="1800" dirty="0" smtClean="0"/>
-              <a:t>The test set is </a:t>
-            </a:r>
-            <a:r>
-              <a:rPr lang="nl-NL" sz="1800" dirty="0" err="1" smtClean="0"/>
-              <a:t>used</a:t>
-            </a:r>
-            <a:r>
-              <a:rPr lang="nl-NL" sz="1800" dirty="0" smtClean="0"/>
+              <a:rPr lang="nl-NL" sz="2400" dirty="0" err="1" smtClean="0"/>
+              <a:t>into</a:t>
+            </a:r>
+            <a:r>
+              <a:rPr lang="nl-NL" sz="2400" dirty="0" smtClean="0"/>
+              <a:t> a training (70-80%) </a:t>
+            </a:r>
+            <a:r>
+              <a:rPr lang="nl-NL" sz="2400" dirty="0" err="1" smtClean="0"/>
+              <a:t>and</a:t>
+            </a:r>
+            <a:r>
+              <a:rPr lang="nl-NL" sz="2400" dirty="0" smtClean="0"/>
+              <a:t> test set (20-30%)</a:t>
+            </a:r>
+          </a:p>
+          <a:p>
+            <a:endParaRPr lang="nl-NL" sz="2400" dirty="0"/>
+          </a:p>
+          <a:p>
+            <a:r>
+              <a:rPr lang="nl-NL" sz="2400" dirty="0" smtClean="0"/>
+              <a:t>We train the model on the training set</a:t>
+            </a:r>
+          </a:p>
+          <a:p>
+            <a:endParaRPr lang="nl-NL" sz="2400" dirty="0"/>
+          </a:p>
+          <a:p>
+            <a:r>
+              <a:rPr lang="nl-NL" sz="2400" dirty="0" err="1" smtClean="0"/>
+              <a:t>Then</a:t>
+            </a:r>
+            <a:r>
+              <a:rPr lang="nl-NL" sz="2400" dirty="0" smtClean="0"/>
+              <a:t>, </a:t>
+            </a:r>
+            <a:r>
+              <a:rPr lang="nl-NL" sz="2400" i="1" dirty="0" err="1" smtClean="0"/>
+              <a:t>using</a:t>
+            </a:r>
+            <a:r>
+              <a:rPr lang="nl-NL" sz="2400" i="1" dirty="0" smtClean="0"/>
+              <a:t> the model </a:t>
+            </a:r>
+            <a:r>
+              <a:rPr lang="nl-NL" sz="2400" i="1" dirty="0" err="1" smtClean="0"/>
+              <a:t>coefficients</a:t>
+            </a:r>
+            <a:r>
+              <a:rPr lang="nl-NL" sz="2400" i="1" dirty="0" smtClean="0"/>
+              <a:t> from the training set,</a:t>
+            </a:r>
+            <a:r>
+              <a:rPr lang="nl-NL" sz="2400" dirty="0" smtClean="0"/>
+              <a:t> we report performance </a:t>
+            </a:r>
+            <a:r>
+              <a:rPr lang="nl-NL" sz="2400" b="1" dirty="0" smtClean="0"/>
+              <a:t>on the test set</a:t>
+            </a:r>
+          </a:p>
+          <a:p>
+            <a:endParaRPr lang="nl-NL" sz="2400" b="1" dirty="0"/>
+          </a:p>
+          <a:p>
+            <a:r>
+              <a:rPr lang="nl-NL" sz="2400" dirty="0" err="1" smtClean="0"/>
+              <a:t>So</a:t>
+            </a:r>
+            <a:r>
+              <a:rPr lang="nl-NL" sz="2400" dirty="0" smtClean="0"/>
+              <a:t>, in </a:t>
+            </a:r>
+            <a:r>
+              <a:rPr lang="nl-NL" sz="2400" dirty="0" err="1" smtClean="0"/>
+              <a:t>linear</a:t>
+            </a:r>
+            <a:r>
+              <a:rPr lang="nl-NL" sz="2400" dirty="0" smtClean="0"/>
               <a:t> </a:t>
             </a:r>
             <a:r>
-              <a:rPr lang="nl-NL" sz="1800" dirty="0" err="1" smtClean="0"/>
-              <a:t>only</a:t>
-            </a:r>
-            <a:r>
-              <a:rPr lang="nl-NL" sz="1800" dirty="0" smtClean="0"/>
+              <a:rPr lang="nl-NL" sz="2400" dirty="0" err="1" smtClean="0"/>
+              <a:t>regression</a:t>
+            </a:r>
+            <a:r>
+              <a:rPr lang="nl-NL" sz="2400" dirty="0" smtClean="0"/>
+              <a:t>, we take the line we found </a:t>
+            </a:r>
+            <a:r>
+              <a:rPr lang="nl-NL" sz="2400" dirty="0" err="1" smtClean="0"/>
+              <a:t>with</a:t>
+            </a:r>
+            <a:r>
+              <a:rPr lang="nl-NL" sz="2400" dirty="0" smtClean="0"/>
+              <a:t> the train data </a:t>
+            </a:r>
+            <a:r>
+              <a:rPr lang="nl-NL" sz="2400" dirty="0" err="1" smtClean="0"/>
+              <a:t>and</a:t>
+            </a:r>
+            <a:r>
+              <a:rPr lang="nl-NL" sz="2400" dirty="0" smtClean="0"/>
+              <a:t> plot the test data </a:t>
+            </a:r>
+            <a:r>
+              <a:rPr lang="nl-NL" sz="2400" dirty="0" err="1" smtClean="0"/>
+              <a:t>around</a:t>
+            </a:r>
+            <a:r>
+              <a:rPr lang="nl-NL" sz="2400" dirty="0" smtClean="0"/>
               <a:t> </a:t>
             </a:r>
             <a:r>
-              <a:rPr lang="nl-NL" sz="1800" dirty="0" err="1" smtClean="0"/>
-              <a:t>to</a:t>
-            </a:r>
-            <a:r>
-              <a:rPr lang="nl-NL" sz="1800" dirty="0" smtClean="0"/>
-              <a:t> </a:t>
-            </a:r>
-            <a:r>
-              <a:rPr lang="nl-NL" sz="1800" i="1" dirty="0" smtClean="0"/>
-              <a:t>test</a:t>
-            </a:r>
-            <a:r>
-              <a:rPr lang="nl-NL" sz="1800" dirty="0" smtClean="0"/>
-              <a:t> the data (</a:t>
-            </a:r>
-            <a:r>
-              <a:rPr lang="nl-NL" sz="1800" dirty="0" err="1" smtClean="0"/>
-              <a:t>not</a:t>
-            </a:r>
-            <a:r>
-              <a:rPr lang="nl-NL" sz="1800" dirty="0" smtClean="0"/>
-              <a:t> </a:t>
-            </a:r>
-            <a:r>
-              <a:rPr lang="nl-NL" sz="1800" dirty="0" err="1" smtClean="0"/>
-              <a:t>to</a:t>
-            </a:r>
-            <a:r>
-              <a:rPr lang="nl-NL" sz="1800" dirty="0" smtClean="0"/>
-              <a:t> </a:t>
-            </a:r>
-            <a:r>
-              <a:rPr lang="nl-NL" sz="1800" dirty="0" err="1" smtClean="0"/>
-              <a:t>calculate</a:t>
-            </a:r>
-            <a:r>
-              <a:rPr lang="nl-NL" sz="1800" dirty="0" smtClean="0"/>
-              <a:t> the </a:t>
-            </a:r>
-            <a:r>
-              <a:rPr lang="nl-NL" sz="1800" dirty="0" err="1" smtClean="0"/>
-              <a:t>coefficients</a:t>
-            </a:r>
-            <a:r>
-              <a:rPr lang="nl-NL" sz="1800" dirty="0" smtClean="0"/>
-              <a:t> / train the model).</a:t>
-            </a:r>
-          </a:p>
-          <a:p>
-            <a:pPr lvl="1"/>
-            <a:r>
-              <a:rPr lang="nl-NL" sz="1600" dirty="0" smtClean="0"/>
-              <a:t>The </a:t>
-            </a:r>
-            <a:r>
-              <a:rPr lang="nl-NL" sz="1600" dirty="0" err="1" smtClean="0"/>
-              <a:t>orange</a:t>
-            </a:r>
-            <a:r>
-              <a:rPr lang="nl-NL" sz="1600" dirty="0" smtClean="0"/>
-              <a:t> model </a:t>
-            </a:r>
-            <a:r>
-              <a:rPr lang="nl-NL" sz="1600" dirty="0" err="1" smtClean="0"/>
-              <a:t>overfits</a:t>
-            </a:r>
-            <a:r>
-              <a:rPr lang="nl-NL" sz="1600" dirty="0" smtClean="0"/>
-              <a:t>: </a:t>
-            </a:r>
-            <a:r>
-              <a:rPr lang="nl-NL" sz="1600" dirty="0" err="1" smtClean="0"/>
+              <a:rPr lang="nl-NL" sz="2400" dirty="0" err="1" smtClean="0"/>
               <a:t>it</a:t>
             </a:r>
-            <a:r>
-              <a:rPr lang="nl-NL" sz="1600" dirty="0" smtClean="0"/>
-              <a:t> fits the training set ‘</a:t>
-            </a:r>
-            <a:r>
-              <a:rPr lang="nl-NL" sz="1600" dirty="0" err="1" smtClean="0"/>
-              <a:t>too</a:t>
-            </a:r>
-            <a:r>
-              <a:rPr lang="nl-NL" sz="1600" dirty="0" smtClean="0"/>
-              <a:t> well’ </a:t>
-            </a:r>
-          </a:p>
-          <a:p>
-            <a:endParaRPr lang="nl-NL" sz="1800" dirty="0"/>
-          </a:p>
-          <a:p>
-            <a:endParaRPr lang="nl-NL" dirty="0"/>
-          </a:p>
-          <a:p>
-            <a:endParaRPr lang="nl-NL" dirty="0"/>
+            <a:endParaRPr lang="nl-NL" sz="2400" dirty="0" smtClean="0"/>
+          </a:p>
+          <a:p>
+            <a:pPr marL="0" indent="0">
+              <a:buNone/>
+            </a:pPr>
+            <a:endParaRPr lang="nl-NL" sz="2400" b="1" dirty="0"/>
           </a:p>
         </p:txBody>
       </p:sp>
-      <p:pic>
-        <p:nvPicPr>
-          <p:cNvPr id="13" name="Afbeelding 12"/>
-          <p:cNvPicPr>
-            <a:picLocks noChangeAspect="1"/>
-          </p:cNvPicPr>
-          <p:nvPr/>
-        </p:nvPicPr>
-        <p:blipFill>
-          <a:blip r:embed="rId2">
-            <a:extLst>
-              <a:ext uri="{28A0092B-C50C-407E-A947-70E740481C1C}">
-                <a14:useLocalDpi xmlns:a14="http://schemas.microsoft.com/office/drawing/2010/main" val="0"/>
-              </a:ext>
-            </a:extLst>
-          </a:blip>
-          <a:stretch>
-            <a:fillRect/>
-          </a:stretch>
-        </p:blipFill>
-        <p:spPr>
-          <a:xfrm>
-            <a:off x="838200" y="1556792"/>
-            <a:ext cx="7448072" cy="2793027"/>
-          </a:xfrm>
-          <a:prstGeom prst="rect">
-            <a:avLst/>
-          </a:prstGeom>
-        </p:spPr>
-      </p:pic>
     </p:spTree>
     <p:extLst>
       <p:ext uri="{BB962C8B-B14F-4D97-AF65-F5344CB8AC3E}">
-        <p14:creationId xmlns:p14="http://schemas.microsoft.com/office/powerpoint/2010/main" val="1258337205"/>
+        <p14:creationId xmlns:p14="http://schemas.microsoft.com/office/powerpoint/2010/main" val="1499496237"/>
       </p:ext>
     </p:extLst>
   </p:cSld>
@@ -12519,244 +11655,6 @@
           <a:p>
             <a:r>
               <a:rPr lang="nl-NL" dirty="0" smtClean="0"/>
-              <a:t>Training </a:t>
-            </a:r>
-            <a:r>
-              <a:rPr lang="nl-NL" dirty="0" err="1" smtClean="0"/>
-              <a:t>and</a:t>
-            </a:r>
-            <a:r>
-              <a:rPr lang="nl-NL" dirty="0" smtClean="0"/>
-              <a:t> test set</a:t>
-            </a:r>
-            <a:endParaRPr lang="nl-NL" dirty="0"/>
-          </a:p>
-        </p:txBody>
-      </p:sp>
-      <p:sp>
-        <p:nvSpPr>
-          <p:cNvPr id="3" name="Tijdelijke aanduiding voor inhoud 2"/>
-          <p:cNvSpPr>
-            <a:spLocks noGrp="1"/>
-          </p:cNvSpPr>
-          <p:nvPr>
-            <p:ph idx="1"/>
-          </p:nvPr>
-        </p:nvSpPr>
-        <p:spPr>
-          <a:xfrm>
-            <a:off x="762000" y="1762125"/>
-            <a:ext cx="7881938" cy="5041380"/>
-          </a:xfrm>
-        </p:spPr>
-        <p:txBody>
-          <a:bodyPr/>
-          <a:lstStyle/>
-          <a:p>
-            <a:r>
-              <a:rPr lang="nl-NL" sz="2400" dirty="0" err="1" smtClean="0"/>
-              <a:t>Usually</a:t>
-            </a:r>
-            <a:r>
-              <a:rPr lang="nl-NL" sz="2400" dirty="0"/>
-              <a:t> </a:t>
-            </a:r>
-            <a:r>
-              <a:rPr lang="nl-NL" sz="2400" dirty="0" smtClean="0"/>
-              <a:t>in machine </a:t>
-            </a:r>
-            <a:r>
-              <a:rPr lang="nl-NL" sz="2400" dirty="0" err="1" smtClean="0"/>
-              <a:t>learning</a:t>
-            </a:r>
-            <a:r>
-              <a:rPr lang="nl-NL" sz="2400" dirty="0" smtClean="0"/>
-              <a:t>, we split the data at the </a:t>
-            </a:r>
-            <a:r>
-              <a:rPr lang="nl-NL" sz="2400" dirty="0" err="1" smtClean="0"/>
-              <a:t>beginning</a:t>
-            </a:r>
-            <a:r>
-              <a:rPr lang="nl-NL" sz="2400" dirty="0" smtClean="0"/>
-              <a:t> </a:t>
-            </a:r>
-            <a:r>
-              <a:rPr lang="nl-NL" sz="2400" dirty="0" err="1" smtClean="0"/>
-              <a:t>into</a:t>
-            </a:r>
-            <a:r>
-              <a:rPr lang="nl-NL" sz="2400" dirty="0" smtClean="0"/>
-              <a:t> a training (70-80%) </a:t>
-            </a:r>
-            <a:r>
-              <a:rPr lang="nl-NL" sz="2400" dirty="0" err="1" smtClean="0"/>
-              <a:t>and</a:t>
-            </a:r>
-            <a:r>
-              <a:rPr lang="nl-NL" sz="2400" dirty="0" smtClean="0"/>
-              <a:t> test set (20-30%)</a:t>
-            </a:r>
-          </a:p>
-          <a:p>
-            <a:endParaRPr lang="nl-NL" sz="2400" dirty="0"/>
-          </a:p>
-          <a:p>
-            <a:r>
-              <a:rPr lang="nl-NL" sz="2400" dirty="0" smtClean="0"/>
-              <a:t>We train the model on the training set</a:t>
-            </a:r>
-          </a:p>
-          <a:p>
-            <a:endParaRPr lang="nl-NL" sz="2400" dirty="0"/>
-          </a:p>
-          <a:p>
-            <a:r>
-              <a:rPr lang="nl-NL" sz="2400" dirty="0" err="1" smtClean="0"/>
-              <a:t>Then</a:t>
-            </a:r>
-            <a:r>
-              <a:rPr lang="nl-NL" sz="2400" dirty="0" smtClean="0"/>
-              <a:t>, </a:t>
-            </a:r>
-            <a:r>
-              <a:rPr lang="nl-NL" sz="2400" i="1" dirty="0" err="1" smtClean="0"/>
-              <a:t>using</a:t>
-            </a:r>
-            <a:r>
-              <a:rPr lang="nl-NL" sz="2400" i="1" dirty="0" smtClean="0"/>
-              <a:t> the model </a:t>
-            </a:r>
-            <a:r>
-              <a:rPr lang="nl-NL" sz="2400" i="1" dirty="0" err="1" smtClean="0"/>
-              <a:t>coefficients</a:t>
-            </a:r>
-            <a:r>
-              <a:rPr lang="nl-NL" sz="2400" i="1" dirty="0" smtClean="0"/>
-              <a:t> from the training set,</a:t>
-            </a:r>
-            <a:r>
-              <a:rPr lang="nl-NL" sz="2400" dirty="0" smtClean="0"/>
-              <a:t> we report performance </a:t>
-            </a:r>
-            <a:r>
-              <a:rPr lang="nl-NL" sz="2400" b="1" dirty="0" smtClean="0"/>
-              <a:t>on the test set</a:t>
-            </a:r>
-          </a:p>
-          <a:p>
-            <a:endParaRPr lang="nl-NL" sz="2400" b="1" dirty="0"/>
-          </a:p>
-          <a:p>
-            <a:r>
-              <a:rPr lang="nl-NL" sz="2400" dirty="0" err="1" smtClean="0"/>
-              <a:t>So</a:t>
-            </a:r>
-            <a:r>
-              <a:rPr lang="nl-NL" sz="2400" dirty="0" smtClean="0"/>
-              <a:t>, in </a:t>
-            </a:r>
-            <a:r>
-              <a:rPr lang="nl-NL" sz="2400" dirty="0" err="1" smtClean="0"/>
-              <a:t>linear</a:t>
-            </a:r>
-            <a:r>
-              <a:rPr lang="nl-NL" sz="2400" dirty="0" smtClean="0"/>
-              <a:t> </a:t>
-            </a:r>
-            <a:r>
-              <a:rPr lang="nl-NL" sz="2400" dirty="0" err="1" smtClean="0"/>
-              <a:t>regression</a:t>
-            </a:r>
-            <a:r>
-              <a:rPr lang="nl-NL" sz="2400" dirty="0" smtClean="0"/>
-              <a:t>, we take the line we found </a:t>
-            </a:r>
-            <a:r>
-              <a:rPr lang="nl-NL" sz="2400" dirty="0" err="1" smtClean="0"/>
-              <a:t>with</a:t>
-            </a:r>
-            <a:r>
-              <a:rPr lang="nl-NL" sz="2400" dirty="0" smtClean="0"/>
-              <a:t> the train data </a:t>
-            </a:r>
-            <a:r>
-              <a:rPr lang="nl-NL" sz="2400" dirty="0" err="1" smtClean="0"/>
-              <a:t>and</a:t>
-            </a:r>
-            <a:r>
-              <a:rPr lang="nl-NL" sz="2400" dirty="0" smtClean="0"/>
-              <a:t> plot the test data </a:t>
-            </a:r>
-            <a:r>
-              <a:rPr lang="nl-NL" sz="2400" dirty="0" err="1" smtClean="0"/>
-              <a:t>around</a:t>
-            </a:r>
-            <a:r>
-              <a:rPr lang="nl-NL" sz="2400" dirty="0" smtClean="0"/>
-              <a:t> </a:t>
-            </a:r>
-            <a:r>
-              <a:rPr lang="nl-NL" sz="2400" dirty="0" err="1" smtClean="0"/>
-              <a:t>it</a:t>
-            </a:r>
-            <a:endParaRPr lang="nl-NL" sz="2400" dirty="0" smtClean="0"/>
-          </a:p>
-          <a:p>
-            <a:pPr marL="0" indent="0">
-              <a:buNone/>
-            </a:pPr>
-            <a:endParaRPr lang="nl-NL" sz="2400" b="1" dirty="0"/>
-          </a:p>
-        </p:txBody>
-      </p:sp>
-    </p:spTree>
-    <p:extLst>
-      <p:ext uri="{BB962C8B-B14F-4D97-AF65-F5344CB8AC3E}">
-        <p14:creationId xmlns:p14="http://schemas.microsoft.com/office/powerpoint/2010/main" val="1499496237"/>
-      </p:ext>
-    </p:extLst>
-  </p:cSld>
-  <p:clrMapOvr>
-    <a:masterClrMapping/>
-  </p:clrMapOvr>
-</p:sld>
-</file>
-
-<file path=ppt/slides/slide22.xml><?xml version="1.0" encoding="utf-8"?>
-<p:sld xmlns:a="http://schemas.openxmlformats.org/drawingml/2006/main" xmlns:r="http://schemas.openxmlformats.org/officeDocument/2006/relationships" xmlns:p="http://schemas.openxmlformats.org/presentationml/2006/main">
-  <p:cSld>
-    <p:spTree>
-      <p:nvGrpSpPr>
-        <p:cNvPr id="1" name=""/>
-        <p:cNvGrpSpPr/>
-        <p:nvPr/>
-      </p:nvGrpSpPr>
-      <p:grpSpPr>
-        <a:xfrm>
-          <a:off x="0" y="0"/>
-          <a:ext cx="0" cy="0"/>
-          <a:chOff x="0" y="0"/>
-          <a:chExt cx="0" cy="0"/>
-        </a:xfrm>
-      </p:grpSpPr>
-      <p:sp>
-        <p:nvSpPr>
-          <p:cNvPr id="2" name="Titel 1"/>
-          <p:cNvSpPr>
-            <a:spLocks noGrp="1"/>
-          </p:cNvSpPr>
-          <p:nvPr>
-            <p:ph type="title"/>
-          </p:nvPr>
-        </p:nvSpPr>
-        <p:spPr/>
-        <p:txBody>
-          <a:bodyPr/>
-          <a:lstStyle/>
-          <a:p>
-            <a:r>
-              <a:rPr lang="nl-NL" dirty="0" smtClean="0"/>
               <a:t>Topics</a:t>
             </a:r>
             <a:endParaRPr lang="nl-NL" dirty="0"/>
@@ -12898,7 +11796,7 @@
 </p:sld>
 </file>
 
-<file path=ppt/slides/slide23.xml><?xml version="1.0" encoding="utf-8"?>
+<file path=ppt/slides/slide22.xml><?xml version="1.0" encoding="utf-8"?>
 <p:sld xmlns:a="http://schemas.openxmlformats.org/drawingml/2006/main" xmlns:r="http://schemas.openxmlformats.org/officeDocument/2006/relationships" xmlns:p="http://schemas.openxmlformats.org/presentationml/2006/main">
   <p:cSld>
     <p:spTree>
@@ -13413,7 +12311,7 @@
 </p:sld>
 </file>
 
-<file path=ppt/slides/slide24.xml><?xml version="1.0" encoding="utf-8"?>
+<file path=ppt/slides/slide23.xml><?xml version="1.0" encoding="utf-8"?>
 <p:sld xmlns:a="http://schemas.openxmlformats.org/drawingml/2006/main" xmlns:r="http://schemas.openxmlformats.org/officeDocument/2006/relationships" xmlns:p="http://schemas.openxmlformats.org/presentationml/2006/main">
   <p:cSld>
     <p:spTree>
@@ -13704,7 +12602,7 @@
 </p:sld>
 </file>
 
-<file path=ppt/slides/slide25.xml><?xml version="1.0" encoding="utf-8"?>
+<file path=ppt/slides/slide24.xml><?xml version="1.0" encoding="utf-8"?>
 <p:sld xmlns:a="http://schemas.openxmlformats.org/drawingml/2006/main" xmlns:r="http://schemas.openxmlformats.org/officeDocument/2006/relationships" xmlns:p="http://schemas.openxmlformats.org/presentationml/2006/main">
   <p:cSld>
     <p:spTree>
@@ -14114,10 +13012,6 @@
               </a:rPr>
               <a:t>data set</a:t>
             </a:r>
-            <a:endParaRPr lang="nl-NL" sz="1400" kern="0" dirty="0" smtClean="0">
-              <a:latin typeface="Courier New" panose="02070309020205020404" pitchFamily="49" charset="0"/>
-              <a:cs typeface="Courier New" panose="02070309020205020404" pitchFamily="49" charset="0"/>
-            </a:endParaRPr>
           </a:p>
           <a:p>
             <a:pPr>
@@ -14160,77 +13054,112 @@
                 <a:latin typeface="Courier New" panose="02070309020205020404" pitchFamily="49" charset="0"/>
                 <a:cs typeface="Courier New" panose="02070309020205020404" pitchFamily="49" charset="0"/>
               </a:rPr>
-              <a:t> 3 </a:t>
+              <a:t> 3 variables from the </a:t>
+            </a:r>
+            <a:r>
+              <a:rPr lang="nl-NL" sz="1400" kern="0" dirty="0" err="1" smtClean="0">
+                <a:latin typeface="Courier New" panose="02070309020205020404" pitchFamily="49" charset="0"/>
+                <a:cs typeface="Courier New" panose="02070309020205020404" pitchFamily="49" charset="0"/>
+              </a:rPr>
+              <a:t>Funda</a:t>
             </a:r>
             <a:r>
               <a:rPr lang="nl-NL" sz="1400" kern="0" dirty="0" smtClean="0">
                 <a:latin typeface="Courier New" panose="02070309020205020404" pitchFamily="49" charset="0"/>
                 <a:cs typeface="Courier New" panose="02070309020205020404" pitchFamily="49" charset="0"/>
               </a:rPr>
-              <a:t>variables </a:t>
+              <a:t> data set as </a:t>
+            </a:r>
+            <a:r>
+              <a:rPr lang="nl-NL" sz="1400" kern="0" dirty="0" err="1" smtClean="0">
+                <a:latin typeface="Courier New" panose="02070309020205020404" pitchFamily="49" charset="0"/>
+                <a:cs typeface="Courier New" panose="02070309020205020404" pitchFamily="49" charset="0"/>
+              </a:rPr>
+              <a:t>your</a:t>
             </a:r>
             <a:r>
               <a:rPr lang="nl-NL" sz="1400" kern="0" dirty="0" smtClean="0">
                 <a:latin typeface="Courier New" panose="02070309020205020404" pitchFamily="49" charset="0"/>
                 <a:cs typeface="Courier New" panose="02070309020205020404" pitchFamily="49" charset="0"/>
               </a:rPr>
-              <a:t>from </a:t>
+              <a:t> independent variables (X) for the </a:t>
+            </a:r>
+            <a:r>
+              <a:rPr lang="nl-NL" sz="1400" kern="0" dirty="0" err="1" smtClean="0">
+                <a:latin typeface="Courier New" panose="02070309020205020404" pitchFamily="49" charset="0"/>
+                <a:cs typeface="Courier New" panose="02070309020205020404" pitchFamily="49" charset="0"/>
+              </a:rPr>
+              <a:t>dependent</a:t>
             </a:r>
             <a:r>
               <a:rPr lang="nl-NL" sz="1400" kern="0" dirty="0" smtClean="0">
                 <a:latin typeface="Courier New" panose="02070309020205020404" pitchFamily="49" charset="0"/>
                 <a:cs typeface="Courier New" panose="02070309020205020404" pitchFamily="49" charset="0"/>
               </a:rPr>
-              <a:t>the </a:t>
+              <a:t> </a:t>
             </a:r>
             <a:r>
               <a:rPr lang="nl-NL" sz="1400" kern="0" dirty="0" err="1" smtClean="0">
                 <a:latin typeface="Courier New" panose="02070309020205020404" pitchFamily="49" charset="0"/>
                 <a:cs typeface="Courier New" panose="02070309020205020404" pitchFamily="49" charset="0"/>
               </a:rPr>
-              <a:t>Funda</a:t>
+              <a:t>variable</a:t>
             </a:r>
             <a:r>
               <a:rPr lang="nl-NL" sz="1400" kern="0" dirty="0" smtClean="0">
                 <a:latin typeface="Courier New" panose="02070309020205020404" pitchFamily="49" charset="0"/>
                 <a:cs typeface="Courier New" panose="02070309020205020404" pitchFamily="49" charset="0"/>
               </a:rPr>
-              <a:t> data set as </a:t>
+              <a:t> </a:t>
             </a:r>
             <a:r>
               <a:rPr lang="nl-NL" sz="1400" kern="0" dirty="0" err="1" smtClean="0">
                 <a:latin typeface="Courier New" panose="02070309020205020404" pitchFamily="49" charset="0"/>
                 <a:cs typeface="Courier New" panose="02070309020205020404" pitchFamily="49" charset="0"/>
               </a:rPr>
-              <a:t>your</a:t>
+              <a:t>price</a:t>
             </a:r>
             <a:r>
               <a:rPr lang="nl-NL" sz="1400" kern="0" dirty="0" smtClean="0">
                 <a:latin typeface="Courier New" panose="02070309020205020404" pitchFamily="49" charset="0"/>
                 <a:cs typeface="Courier New" panose="02070309020205020404" pitchFamily="49" charset="0"/>
               </a:rPr>
-              <a:t> independent variables (X</a:t>
+              <a:t> (Y). </a:t>
+            </a:r>
+            <a:r>
+              <a:rPr lang="nl-NL" sz="1400" kern="0" dirty="0" err="1" smtClean="0">
+                <a:latin typeface="Courier New" panose="02070309020205020404" pitchFamily="49" charset="0"/>
+                <a:cs typeface="Courier New" panose="02070309020205020404" pitchFamily="49" charset="0"/>
+              </a:rPr>
+              <a:t>You</a:t>
             </a:r>
             <a:r>
               <a:rPr lang="nl-NL" sz="1400" kern="0" dirty="0" smtClean="0">
                 <a:latin typeface="Courier New" panose="02070309020205020404" pitchFamily="49" charset="0"/>
                 <a:cs typeface="Courier New" panose="02070309020205020404" pitchFamily="49" charset="0"/>
               </a:rPr>
-              <a:t>) for the </a:t>
+              <a:t> want variables </a:t>
             </a:r>
             <a:r>
               <a:rPr lang="nl-NL" sz="1400" kern="0" dirty="0" err="1" smtClean="0">
                 <a:latin typeface="Courier New" panose="02070309020205020404" pitchFamily="49" charset="0"/>
                 <a:cs typeface="Courier New" panose="02070309020205020404" pitchFamily="49" charset="0"/>
               </a:rPr>
-              <a:t>depende</a:t>
+              <a:t>that</a:t>
+            </a:r>
+            <a:r>
+              <a:rPr lang="nl-NL" sz="1400" kern="0" dirty="0" smtClean="0">
+                <a:latin typeface="Courier New" panose="02070309020205020404" pitchFamily="49" charset="0"/>
+                <a:cs typeface="Courier New" panose="02070309020205020404" pitchFamily="49" charset="0"/>
+              </a:rPr>
+              <a:t> have a </a:t>
             </a:r>
             <a:r>
               <a:rPr lang="nl-NL" sz="1400" kern="0" dirty="0" err="1" smtClean="0">
                 <a:latin typeface="Courier New" panose="02070309020205020404" pitchFamily="49" charset="0"/>
                 <a:cs typeface="Courier New" panose="02070309020205020404" pitchFamily="49" charset="0"/>
               </a:rPr>
-              <a:t>nt</a:t>
+              <a:t>linear</a:t>
             </a:r>
             <a:r>
               <a:rPr lang="nl-NL" sz="1400" kern="0" dirty="0" smtClean="0">
@@ -14244,7 +13173,7 @@
                 <a:latin typeface="Courier New" panose="02070309020205020404" pitchFamily="49" charset="0"/>
                 <a:cs typeface="Courier New" panose="02070309020205020404" pitchFamily="49" charset="0"/>
               </a:rPr>
-              <a:t>variable</a:t>
+              <a:t>relation</a:t>
             </a:r>
             <a:r>
               <a:rPr lang="nl-NL" sz="1400" kern="0" dirty="0" smtClean="0">
@@ -14258,41 +13187,146 @@
                 <a:latin typeface="Courier New" panose="02070309020205020404" pitchFamily="49" charset="0"/>
                 <a:cs typeface="Courier New" panose="02070309020205020404" pitchFamily="49" charset="0"/>
               </a:rPr>
+              <a:t>and</a:t>
+            </a:r>
+            <a:r>
+              <a:rPr lang="nl-NL" sz="1400" kern="0" dirty="0" smtClean="0">
+                <a:latin typeface="Courier New" panose="02070309020205020404" pitchFamily="49" charset="0"/>
+                <a:cs typeface="Courier New" panose="02070309020205020404" pitchFamily="49" charset="0"/>
+              </a:rPr>
+              <a:t> </a:t>
+            </a:r>
+            <a:r>
+              <a:rPr lang="nl-NL" sz="1400" kern="0" dirty="0" err="1" smtClean="0">
+                <a:latin typeface="Courier New" panose="02070309020205020404" pitchFamily="49" charset="0"/>
+                <a:cs typeface="Courier New" panose="02070309020205020404" pitchFamily="49" charset="0"/>
+              </a:rPr>
+              <a:t>correlate</a:t>
+            </a:r>
+            <a:r>
+              <a:rPr lang="nl-NL" sz="1400" kern="0" dirty="0" smtClean="0">
+                <a:latin typeface="Courier New" panose="02070309020205020404" pitchFamily="49" charset="0"/>
+                <a:cs typeface="Courier New" panose="02070309020205020404" pitchFamily="49" charset="0"/>
+              </a:rPr>
+              <a:t> well </a:t>
+            </a:r>
+            <a:r>
+              <a:rPr lang="nl-NL" sz="1400" kern="0" dirty="0" err="1" smtClean="0">
+                <a:latin typeface="Courier New" panose="02070309020205020404" pitchFamily="49" charset="0"/>
+                <a:cs typeface="Courier New" panose="02070309020205020404" pitchFamily="49" charset="0"/>
+              </a:rPr>
+              <a:t>with</a:t>
+            </a:r>
+            <a:r>
+              <a:rPr lang="nl-NL" sz="1400" kern="0" dirty="0" smtClean="0">
+                <a:latin typeface="Courier New" panose="02070309020205020404" pitchFamily="49" charset="0"/>
+                <a:cs typeface="Courier New" panose="02070309020205020404" pitchFamily="49" charset="0"/>
+              </a:rPr>
+              <a:t> </a:t>
+            </a:r>
+            <a:r>
+              <a:rPr lang="nl-NL" sz="1400" i="1" kern="0" dirty="0" err="1" smtClean="0">
+                <a:latin typeface="Courier New" panose="02070309020205020404" pitchFamily="49" charset="0"/>
+                <a:cs typeface="Courier New" panose="02070309020205020404" pitchFamily="49" charset="0"/>
+              </a:rPr>
               <a:t>price</a:t>
             </a:r>
             <a:r>
+              <a:rPr lang="nl-NL" sz="1400" i="1" kern="0" dirty="0" smtClean="0">
+                <a:latin typeface="Courier New" panose="02070309020205020404" pitchFamily="49" charset="0"/>
+                <a:cs typeface="Courier New" panose="02070309020205020404" pitchFamily="49" charset="0"/>
+              </a:rPr>
+              <a:t>. </a:t>
+            </a:r>
+            <a:r>
+              <a:rPr lang="nl-NL" sz="1400" kern="0" dirty="0" err="1" smtClean="0">
+                <a:latin typeface="Courier New" panose="02070309020205020404" pitchFamily="49" charset="0"/>
+                <a:cs typeface="Courier New" panose="02070309020205020404" pitchFamily="49" charset="0"/>
+              </a:rPr>
+              <a:t>Note</a:t>
+            </a:r>
+            <a:r>
               <a:rPr lang="nl-NL" sz="1400" kern="0" dirty="0" smtClean="0">
                 <a:latin typeface="Courier New" panose="02070309020205020404" pitchFamily="49" charset="0"/>
                 <a:cs typeface="Courier New" panose="02070309020205020404" pitchFamily="49" charset="0"/>
               </a:rPr>
-              <a:t> (Y). </a:t>
+              <a:t>: </a:t>
             </a:r>
             <a:r>
               <a:rPr lang="nl-NL" sz="1400" kern="0" dirty="0" err="1" smtClean="0">
                 <a:latin typeface="Courier New" panose="02070309020205020404" pitchFamily="49" charset="0"/>
                 <a:cs typeface="Courier New" panose="02070309020205020404" pitchFamily="49" charset="0"/>
               </a:rPr>
-              <a:t>You</a:t>
+              <a:t>it</a:t>
             </a:r>
             <a:r>
               <a:rPr lang="nl-NL" sz="1400" kern="0" dirty="0" smtClean="0">
                 <a:latin typeface="Courier New" panose="02070309020205020404" pitchFamily="49" charset="0"/>
                 <a:cs typeface="Courier New" panose="02070309020205020404" pitchFamily="49" charset="0"/>
               </a:rPr>
-              <a:t> want </a:t>
+              <a:t> does </a:t>
+            </a:r>
+            <a:r>
+              <a:rPr lang="nl-NL" sz="1400" kern="0" dirty="0" err="1" smtClean="0">
+                <a:latin typeface="Courier New" panose="02070309020205020404" pitchFamily="49" charset="0"/>
+                <a:cs typeface="Courier New" panose="02070309020205020404" pitchFamily="49" charset="0"/>
+              </a:rPr>
+              <a:t>not</a:t>
             </a:r>
             <a:r>
               <a:rPr lang="nl-NL" sz="1400" kern="0" dirty="0" smtClean="0">
                 <a:latin typeface="Courier New" panose="02070309020205020404" pitchFamily="49" charset="0"/>
                 <a:cs typeface="Courier New" panose="02070309020205020404" pitchFamily="49" charset="0"/>
               </a:rPr>
-              <a:t>variables </a:t>
+              <a:t> </a:t>
             </a:r>
             <a:r>
               <a:rPr lang="nl-NL" sz="1400" kern="0" dirty="0" err="1" smtClean="0">
                 <a:latin typeface="Courier New" panose="02070309020205020404" pitchFamily="49" charset="0"/>
                 <a:cs typeface="Courier New" panose="02070309020205020404" pitchFamily="49" charset="0"/>
               </a:rPr>
+              <a:t>work</a:t>
+            </a:r>
+            <a:r>
+              <a:rPr lang="nl-NL" sz="1400" kern="0" dirty="0" smtClean="0">
+                <a:latin typeface="Courier New" panose="02070309020205020404" pitchFamily="49" charset="0"/>
+                <a:cs typeface="Courier New" panose="02070309020205020404" pitchFamily="49" charset="0"/>
+              </a:rPr>
+              <a:t> </a:t>
+            </a:r>
+            <a:r>
+              <a:rPr lang="nl-NL" sz="1400" kern="0" dirty="0" err="1" smtClean="0">
+                <a:latin typeface="Courier New" panose="02070309020205020404" pitchFamily="49" charset="0"/>
+                <a:cs typeface="Courier New" panose="02070309020205020404" pitchFamily="49" charset="0"/>
+              </a:rPr>
+              <a:t>very</a:t>
+            </a:r>
+            <a:r>
+              <a:rPr lang="nl-NL" sz="1400" kern="0" dirty="0" smtClean="0">
+                <a:latin typeface="Courier New" panose="02070309020205020404" pitchFamily="49" charset="0"/>
+                <a:cs typeface="Courier New" panose="02070309020205020404" pitchFamily="49" charset="0"/>
+              </a:rPr>
+              <a:t> well </a:t>
+            </a:r>
+            <a:r>
+              <a:rPr lang="nl-NL" sz="1400" kern="0" dirty="0" err="1" smtClean="0">
+                <a:latin typeface="Courier New" panose="02070309020205020404" pitchFamily="49" charset="0"/>
+                <a:cs typeface="Courier New" panose="02070309020205020404" pitchFamily="49" charset="0"/>
+              </a:rPr>
+              <a:t>to</a:t>
+            </a:r>
+            <a:r>
+              <a:rPr lang="nl-NL" sz="1400" kern="0" dirty="0" smtClean="0">
+                <a:latin typeface="Courier New" panose="02070309020205020404" pitchFamily="49" charset="0"/>
+                <a:cs typeface="Courier New" panose="02070309020205020404" pitchFamily="49" charset="0"/>
+              </a:rPr>
+              <a:t> select variables </a:t>
+            </a:r>
+            <a:r>
+              <a:rPr lang="nl-NL" sz="1400" kern="0" dirty="0" err="1" smtClean="0">
+                <a:latin typeface="Courier New" panose="02070309020205020404" pitchFamily="49" charset="0"/>
+                <a:cs typeface="Courier New" panose="02070309020205020404" pitchFamily="49" charset="0"/>
+              </a:rPr>
               <a:t>that</a:t>
             </a:r>
             <a:r>
@@ -14300,203 +13334,7 @@
                 <a:latin typeface="Courier New" panose="02070309020205020404" pitchFamily="49" charset="0"/>
                 <a:cs typeface="Courier New" panose="02070309020205020404" pitchFamily="49" charset="0"/>
               </a:rPr>
-              <a:t> have a </a:t>
-            </a:r>
-            <a:r>
-              <a:rPr lang="nl-NL" sz="1400" kern="0" dirty="0" err="1" smtClean="0">
-                <a:latin typeface="Courier New" panose="02070309020205020404" pitchFamily="49" charset="0"/>
-                <a:cs typeface="Courier New" panose="02070309020205020404" pitchFamily="49" charset="0"/>
-              </a:rPr>
-              <a:t>linear</a:t>
-            </a:r>
-            <a:r>
-              <a:rPr lang="nl-NL" sz="1400" kern="0" dirty="0" smtClean="0">
-                <a:latin typeface="Courier New" panose="02070309020205020404" pitchFamily="49" charset="0"/>
-                <a:cs typeface="Courier New" panose="02070309020205020404" pitchFamily="49" charset="0"/>
-              </a:rPr>
-              <a:t> </a:t>
-            </a:r>
-            <a:r>
-              <a:rPr lang="nl-NL" sz="1400" kern="0" dirty="0" err="1" smtClean="0">
-                <a:latin typeface="Courier New" panose="02070309020205020404" pitchFamily="49" charset="0"/>
-                <a:cs typeface="Courier New" panose="02070309020205020404" pitchFamily="49" charset="0"/>
-              </a:rPr>
-              <a:t>relation</a:t>
-            </a:r>
-            <a:r>
-              <a:rPr lang="nl-NL" sz="1400" kern="0" dirty="0" smtClean="0">
-                <a:latin typeface="Courier New" panose="02070309020205020404" pitchFamily="49" charset="0"/>
-                <a:cs typeface="Courier New" panose="02070309020205020404" pitchFamily="49" charset="0"/>
-              </a:rPr>
-              <a:t> </a:t>
-            </a:r>
-            <a:r>
-              <a:rPr lang="nl-NL" sz="1400" kern="0" dirty="0" err="1" smtClean="0">
-                <a:latin typeface="Courier New" panose="02070309020205020404" pitchFamily="49" charset="0"/>
-                <a:cs typeface="Courier New" panose="02070309020205020404" pitchFamily="49" charset="0"/>
-              </a:rPr>
-              <a:t>and</a:t>
-            </a:r>
-            <a:r>
-              <a:rPr lang="nl-NL" sz="1400" kern="0" dirty="0" smtClean="0">
-                <a:latin typeface="Courier New" panose="02070309020205020404" pitchFamily="49" charset="0"/>
-                <a:cs typeface="Courier New" panose="02070309020205020404" pitchFamily="49" charset="0"/>
-              </a:rPr>
-              <a:t> </a:t>
-            </a:r>
-            <a:r>
-              <a:rPr lang="nl-NL" sz="1400" kern="0" dirty="0" err="1" smtClean="0">
-                <a:latin typeface="Courier New" panose="02070309020205020404" pitchFamily="49" charset="0"/>
-                <a:cs typeface="Courier New" panose="02070309020205020404" pitchFamily="49" charset="0"/>
-              </a:rPr>
-              <a:t>correlate</a:t>
-            </a:r>
-            <a:r>
-              <a:rPr lang="nl-NL" sz="1400" kern="0" dirty="0" smtClean="0">
-                <a:latin typeface="Courier New" panose="02070309020205020404" pitchFamily="49" charset="0"/>
-                <a:cs typeface="Courier New" panose="02070309020205020404" pitchFamily="49" charset="0"/>
-              </a:rPr>
-              <a:t> well </a:t>
-            </a:r>
-            <a:r>
-              <a:rPr lang="nl-NL" sz="1400" kern="0" dirty="0" err="1" smtClean="0">
-                <a:latin typeface="Courier New" panose="02070309020205020404" pitchFamily="49" charset="0"/>
-                <a:cs typeface="Courier New" panose="02070309020205020404" pitchFamily="49" charset="0"/>
-              </a:rPr>
-              <a:t>with</a:t>
-            </a:r>
-            <a:r>
-              <a:rPr lang="nl-NL" sz="1400" kern="0" dirty="0" smtClean="0">
-                <a:latin typeface="Courier New" panose="02070309020205020404" pitchFamily="49" charset="0"/>
-                <a:cs typeface="Courier New" panose="02070309020205020404" pitchFamily="49" charset="0"/>
-              </a:rPr>
-              <a:t> </a:t>
-            </a:r>
-            <a:r>
-              <a:rPr lang="nl-NL" sz="1400" i="1" kern="0" dirty="0" err="1" smtClean="0">
-                <a:latin typeface="Courier New" panose="02070309020205020404" pitchFamily="49" charset="0"/>
-                <a:cs typeface="Courier New" panose="02070309020205020404" pitchFamily="49" charset="0"/>
-              </a:rPr>
-              <a:t>price</a:t>
-            </a:r>
-            <a:r>
-              <a:rPr lang="nl-NL" sz="1400" i="1" kern="0" dirty="0" smtClean="0">
-                <a:latin typeface="Courier New" panose="02070309020205020404" pitchFamily="49" charset="0"/>
-                <a:cs typeface="Courier New" panose="02070309020205020404" pitchFamily="49" charset="0"/>
-              </a:rPr>
-              <a:t>. </a:t>
-            </a:r>
-            <a:r>
-              <a:rPr lang="nl-NL" sz="1400" kern="0" dirty="0" err="1" smtClean="0">
-                <a:latin typeface="Courier New" panose="02070309020205020404" pitchFamily="49" charset="0"/>
-                <a:cs typeface="Courier New" panose="02070309020205020404" pitchFamily="49" charset="0"/>
-              </a:rPr>
-              <a:t>Note</a:t>
-            </a:r>
-            <a:r>
-              <a:rPr lang="nl-NL" sz="1400" kern="0" dirty="0" smtClean="0">
-                <a:latin typeface="Courier New" panose="02070309020205020404" pitchFamily="49" charset="0"/>
-                <a:cs typeface="Courier New" panose="02070309020205020404" pitchFamily="49" charset="0"/>
-              </a:rPr>
-              <a:t>: </a:t>
-            </a:r>
-            <a:r>
-              <a:rPr lang="nl-NL" sz="1400" kern="0" dirty="0" err="1" smtClean="0">
-                <a:latin typeface="Courier New" panose="02070309020205020404" pitchFamily="49" charset="0"/>
-                <a:cs typeface="Courier New" panose="02070309020205020404" pitchFamily="49" charset="0"/>
-              </a:rPr>
-              <a:t>it</a:t>
-            </a:r>
-            <a:r>
-              <a:rPr lang="nl-NL" sz="1400" kern="0" dirty="0" smtClean="0">
-                <a:latin typeface="Courier New" panose="02070309020205020404" pitchFamily="49" charset="0"/>
-                <a:cs typeface="Courier New" panose="02070309020205020404" pitchFamily="49" charset="0"/>
-              </a:rPr>
-              <a:t> does </a:t>
-            </a:r>
-            <a:r>
-              <a:rPr lang="nl-NL" sz="1400" kern="0" dirty="0" err="1" smtClean="0">
-                <a:latin typeface="Courier New" panose="02070309020205020404" pitchFamily="49" charset="0"/>
-                <a:cs typeface="Courier New" panose="02070309020205020404" pitchFamily="49" charset="0"/>
-              </a:rPr>
-              <a:t>not</a:t>
-            </a:r>
-            <a:r>
-              <a:rPr lang="nl-NL" sz="1400" kern="0" dirty="0" smtClean="0">
-                <a:latin typeface="Courier New" panose="02070309020205020404" pitchFamily="49" charset="0"/>
-                <a:cs typeface="Courier New" panose="02070309020205020404" pitchFamily="49" charset="0"/>
-              </a:rPr>
-              <a:t> </a:t>
-            </a:r>
-            <a:r>
-              <a:rPr lang="nl-NL" sz="1400" kern="0" dirty="0" err="1" smtClean="0">
-                <a:latin typeface="Courier New" panose="02070309020205020404" pitchFamily="49" charset="0"/>
-                <a:cs typeface="Courier New" panose="02070309020205020404" pitchFamily="49" charset="0"/>
-              </a:rPr>
-              <a:t>work</a:t>
-            </a:r>
-            <a:r>
-              <a:rPr lang="nl-NL" sz="1400" kern="0" dirty="0" smtClean="0">
-                <a:latin typeface="Courier New" panose="02070309020205020404" pitchFamily="49" charset="0"/>
-                <a:cs typeface="Courier New" panose="02070309020205020404" pitchFamily="49" charset="0"/>
-              </a:rPr>
-              <a:t> </a:t>
-            </a:r>
-            <a:r>
-              <a:rPr lang="nl-NL" sz="1400" kern="0" dirty="0" err="1" smtClean="0">
-                <a:latin typeface="Courier New" panose="02070309020205020404" pitchFamily="49" charset="0"/>
-                <a:cs typeface="Courier New" panose="02070309020205020404" pitchFamily="49" charset="0"/>
-              </a:rPr>
-              <a:t>very</a:t>
-            </a:r>
-            <a:r>
-              <a:rPr lang="nl-NL" sz="1400" kern="0" dirty="0" smtClean="0">
-                <a:latin typeface="Courier New" panose="02070309020205020404" pitchFamily="49" charset="0"/>
-                <a:cs typeface="Courier New" panose="02070309020205020404" pitchFamily="49" charset="0"/>
-              </a:rPr>
-              <a:t> well </a:t>
-            </a:r>
-            <a:r>
-              <a:rPr lang="nl-NL" sz="1400" kern="0" dirty="0" err="1" smtClean="0">
-                <a:latin typeface="Courier New" panose="02070309020205020404" pitchFamily="49" charset="0"/>
-                <a:cs typeface="Courier New" panose="02070309020205020404" pitchFamily="49" charset="0"/>
-              </a:rPr>
-              <a:t>to</a:t>
-            </a:r>
-            <a:r>
-              <a:rPr lang="nl-NL" sz="1400" kern="0" dirty="0" smtClean="0">
-                <a:latin typeface="Courier New" panose="02070309020205020404" pitchFamily="49" charset="0"/>
-                <a:cs typeface="Courier New" panose="02070309020205020404" pitchFamily="49" charset="0"/>
-              </a:rPr>
-              <a:t> </a:t>
-            </a:r>
-            <a:r>
-              <a:rPr lang="nl-NL" sz="1400" kern="0" dirty="0" smtClean="0">
-                <a:latin typeface="Courier New" panose="02070309020205020404" pitchFamily="49" charset="0"/>
-                <a:cs typeface="Courier New" panose="02070309020205020404" pitchFamily="49" charset="0"/>
-              </a:rPr>
-              <a:t>select variables </a:t>
-            </a:r>
-            <a:r>
-              <a:rPr lang="nl-NL" sz="1400" kern="0" dirty="0" err="1" smtClean="0">
-                <a:latin typeface="Courier New" panose="02070309020205020404" pitchFamily="49" charset="0"/>
-                <a:cs typeface="Courier New" panose="02070309020205020404" pitchFamily="49" charset="0"/>
-              </a:rPr>
-              <a:t>that</a:t>
-            </a:r>
-            <a:r>
-              <a:rPr lang="nl-NL" sz="1400" kern="0" dirty="0" smtClean="0">
-                <a:latin typeface="Courier New" panose="02070309020205020404" pitchFamily="49" charset="0"/>
-                <a:cs typeface="Courier New" panose="02070309020205020404" pitchFamily="49" charset="0"/>
-              </a:rPr>
-              <a:t> </a:t>
-            </a:r>
-            <a:r>
-              <a:rPr lang="nl-NL" sz="1400" kern="0" dirty="0" smtClean="0">
-                <a:latin typeface="Courier New" panose="02070309020205020404" pitchFamily="49" charset="0"/>
-                <a:cs typeface="Courier New" panose="02070309020205020404" pitchFamily="49" charset="0"/>
-              </a:rPr>
-              <a:t>are </a:t>
+              <a:t> are </a:t>
             </a:r>
             <a:r>
               <a:rPr lang="nl-NL" sz="1400" kern="0" dirty="0" err="1" smtClean="0">
@@ -15119,7 +13957,7 @@
         <p:spPr>
           <a:xfrm>
             <a:off x="762000" y="1762125"/>
-            <a:ext cx="7881938" cy="7774436"/>
+            <a:ext cx="7881938" cy="6075509"/>
           </a:xfrm>
         </p:spPr>
         <p:txBody>
@@ -15127,36 +13965,6 @@
           <a:lstStyle/>
           <a:p>
             <a:r>
-              <a:rPr lang="nl-NL" sz="2400" dirty="0"/>
-              <a:t>Tip: </a:t>
-            </a:r>
-            <a:r>
-              <a:rPr lang="nl-NL" sz="2400" dirty="0" err="1"/>
-              <a:t>use</a:t>
-            </a:r>
-            <a:r>
-              <a:rPr lang="nl-NL" sz="2400" dirty="0"/>
-              <a:t> Seaborn </a:t>
-            </a:r>
-            <a:r>
-              <a:rPr lang="nl-NL" sz="2400" dirty="0" err="1"/>
-              <a:t>instead</a:t>
-            </a:r>
-            <a:r>
-              <a:rPr lang="nl-NL" sz="2400" dirty="0"/>
-              <a:t> of Pandas for </a:t>
-            </a:r>
-            <a:r>
-              <a:rPr lang="nl-NL" sz="2400" dirty="0" err="1"/>
-              <a:t>graphs</a:t>
-            </a:r>
-            <a:endParaRPr lang="nl-NL" sz="2400" dirty="0"/>
-          </a:p>
-          <a:p>
-            <a:endParaRPr lang="nl-NL" sz="2400" dirty="0"/>
-          </a:p>
-          <a:p>
-            <a:r>
               <a:rPr lang="nl-NL" sz="2400" dirty="0" err="1" smtClean="0"/>
               <a:t>Use</a:t>
             </a:r>
@@ -15186,24 +13994,53 @@
             </a:r>
             <a:r>
               <a:rPr lang="nl-NL" sz="2400" dirty="0" smtClean="0"/>
-              <a:t> headers</a:t>
-            </a:r>
+              <a:t> </a:t>
+            </a:r>
+            <a:r>
+              <a:rPr lang="nl-NL" sz="2400" dirty="0" smtClean="0"/>
+              <a:t>headers: </a:t>
+            </a:r>
+            <a:r>
+              <a:rPr lang="nl-NL" sz="2400" dirty="0" err="1" smtClean="0"/>
+              <a:t>introduction</a:t>
+            </a:r>
+            <a:r>
+              <a:rPr lang="nl-NL" sz="2400" dirty="0" smtClean="0"/>
+              <a:t>, </a:t>
+            </a:r>
+            <a:r>
+              <a:rPr lang="nl-NL" sz="2400" dirty="0" err="1" smtClean="0"/>
+              <a:t>process</a:t>
+            </a:r>
+            <a:r>
+              <a:rPr lang="nl-NL" sz="2400" dirty="0" smtClean="0"/>
+              <a:t>, </a:t>
+            </a:r>
+            <a:r>
+              <a:rPr lang="nl-NL" sz="2400" dirty="0" err="1" smtClean="0"/>
+              <a:t>commenting</a:t>
+            </a:r>
+            <a:r>
+              <a:rPr lang="nl-NL" sz="2400" dirty="0" smtClean="0"/>
+              <a:t> on </a:t>
+            </a:r>
+            <a:r>
+              <a:rPr lang="nl-NL" sz="2400" dirty="0" err="1" smtClean="0"/>
+              <a:t>results</a:t>
+            </a:r>
+            <a:endParaRPr lang="nl-NL" sz="2400" dirty="0" smtClean="0"/>
           </a:p>
           <a:p>
             <a:endParaRPr lang="nl-NL" sz="2400" dirty="0"/>
           </a:p>
           <a:p>
             <a:r>
+              <a:rPr lang="nl-NL" sz="2400" dirty="0" smtClean="0"/>
+              <a:t>Make </a:t>
+            </a:r>
+            <a:r>
               <a:rPr lang="nl-NL" sz="2400" dirty="0" err="1" smtClean="0"/>
-              <a:t>Strive</a:t>
-            </a:r>
-            <a:r>
-              <a:rPr lang="nl-NL" sz="2400" dirty="0" smtClean="0"/>
-              <a:t> for </a:t>
-            </a:r>
-            <a:r>
-              <a:rPr lang="nl-NL" sz="2400" dirty="0" err="1" smtClean="0"/>
-              <a:t>academic</a:t>
+              <a:t>sure</a:t>
             </a:r>
             <a:r>
               <a:rPr lang="nl-NL" sz="2400" dirty="0" smtClean="0"/>
@@ -15211,7 +14048,7 @@
             </a:r>
             <a:r>
               <a:rPr lang="nl-NL" sz="2400" dirty="0" err="1" smtClean="0"/>
-              <a:t>language</a:t>
+              <a:t>to</a:t>
             </a:r>
             <a:r>
               <a:rPr lang="nl-NL" sz="2400" dirty="0" smtClean="0"/>
@@ -15219,44 +14056,7 @@
             </a:r>
             <a:r>
               <a:rPr lang="nl-NL" sz="2400" dirty="0" err="1" smtClean="0"/>
-              <a:t>and</a:t>
-            </a:r>
-            <a:r>
-              <a:rPr lang="nl-NL" sz="2400" dirty="0" smtClean="0"/>
-              <a:t> correct English. Ask feedback!</a:t>
-            </a:r>
-          </a:p>
-          <a:p>
-            <a:endParaRPr lang="nl-NL" sz="2400" dirty="0"/>
-          </a:p>
-          <a:p>
-            <a:r>
-              <a:rPr lang="nl-NL" sz="2400" dirty="0" err="1" smtClean="0"/>
-              <a:t>Working</a:t>
-            </a:r>
-            <a:r>
-              <a:rPr lang="nl-NL" sz="2400" dirty="0"/>
-              <a:t> </a:t>
-            </a:r>
-            <a:r>
-              <a:rPr lang="nl-NL" sz="2400" dirty="0" err="1" smtClean="0"/>
-              <a:t>together</a:t>
-            </a:r>
-            <a:r>
-              <a:rPr lang="nl-NL" sz="2400" dirty="0" smtClean="0"/>
-              <a:t> is </a:t>
-            </a:r>
-            <a:r>
-              <a:rPr lang="nl-NL" sz="2400" dirty="0" err="1" smtClean="0"/>
-              <a:t>encouraged</a:t>
-            </a:r>
-            <a:r>
-              <a:rPr lang="nl-NL" sz="2400" dirty="0"/>
-              <a:t> </a:t>
-            </a:r>
-            <a:r>
-              <a:rPr lang="nl-NL" sz="2400" dirty="0" err="1" smtClean="0"/>
-              <a:t>to</a:t>
+              <a:t>add</a:t>
             </a:r>
             <a:r>
               <a:rPr lang="nl-NL" sz="2400" dirty="0" smtClean="0"/>
@@ -15264,7 +14064,11 @@
             </a:r>
             <a:r>
               <a:rPr lang="nl-NL" sz="2400" dirty="0" err="1" smtClean="0"/>
-              <a:t>an</a:t>
+              <a:t>title</a:t>
+            </a:r>
+            <a:r>
+              <a:rPr lang="nl-NL" sz="2400" dirty="0" err="1" smtClean="0"/>
+              <a:t>s</a:t>
             </a:r>
             <a:r>
               <a:rPr lang="nl-NL" sz="2400" dirty="0" smtClean="0"/>
@@ -15272,15 +14076,7 @@
             </a:r>
             <a:r>
               <a:rPr lang="nl-NL" sz="2400" dirty="0" err="1" smtClean="0"/>
-              <a:t>extent</a:t>
-            </a:r>
-            <a:r>
-              <a:rPr lang="nl-NL" sz="2400" dirty="0" smtClean="0"/>
-              <a:t>, but </a:t>
-            </a:r>
-            <a:r>
-              <a:rPr lang="nl-NL" sz="2400" dirty="0" err="1" smtClean="0"/>
-              <a:t>avoid</a:t>
+              <a:t>and</a:t>
             </a:r>
             <a:r>
               <a:rPr lang="nl-NL" sz="2400" dirty="0" smtClean="0"/>
@@ -15288,7 +14084,7 @@
             </a:r>
             <a:r>
               <a:rPr lang="nl-NL" sz="2400" dirty="0" err="1" smtClean="0"/>
-              <a:t>copying</a:t>
+              <a:t>clear</a:t>
             </a:r>
             <a:r>
               <a:rPr lang="nl-NL" sz="2400" dirty="0" smtClean="0"/>
@@ -15296,9 +14092,39 @@
             </a:r>
             <a:r>
               <a:rPr lang="nl-NL" sz="2400" dirty="0" err="1" smtClean="0"/>
-              <a:t>wholesale</a:t>
-            </a:r>
-            <a:endParaRPr lang="nl-NL" sz="2400" dirty="0" smtClean="0"/>
+              <a:t>axes</a:t>
+            </a:r>
+            <a:r>
+              <a:rPr lang="nl-NL" sz="2400" dirty="0" smtClean="0"/>
+              <a:t> labels (</a:t>
+            </a:r>
+            <a:r>
+              <a:rPr lang="nl-NL" sz="2400" dirty="0" err="1" smtClean="0"/>
+              <a:t>not</a:t>
+            </a:r>
+            <a:r>
+              <a:rPr lang="nl-NL" sz="2400" dirty="0" smtClean="0"/>
+              <a:t> </a:t>
+            </a:r>
+            <a:r>
+              <a:rPr lang="nl-NL" sz="2400" dirty="0" err="1" smtClean="0"/>
+              <a:t>just</a:t>
+            </a:r>
+            <a:r>
+              <a:rPr lang="nl-NL" sz="2400" dirty="0" smtClean="0"/>
+              <a:t> the name of the </a:t>
+            </a:r>
+            <a:r>
+              <a:rPr lang="nl-NL" sz="2400" dirty="0" err="1" smtClean="0"/>
+              <a:t>variable</a:t>
+            </a:r>
+            <a:r>
+              <a:rPr lang="nl-NL" sz="2400" dirty="0" smtClean="0"/>
+              <a:t> in Pandas)</a:t>
+            </a:r>
+          </a:p>
+          <a:p>
+            <a:endParaRPr lang="nl-NL" sz="2400" dirty="0"/>
           </a:p>
           <a:p>
             <a:endParaRPr lang="nl-NL" sz="2400" dirty="0"/>
@@ -15717,7 +14543,7 @@
       </p:sp>
       <p:pic>
         <p:nvPicPr>
-          <p:cNvPr id="5" name="Afbeelding 4"/>
+          <p:cNvPr id="7" name="Afbeelding 6"/>
           <p:cNvPicPr>
             <a:picLocks noChangeAspect="1"/>
           </p:cNvPicPr>
@@ -15731,8 +14557,8 @@
         </p:blipFill>
         <p:spPr>
           <a:xfrm>
-            <a:off x="2699792" y="1480927"/>
-            <a:ext cx="3272804" cy="3384376"/>
+            <a:off x="2267744" y="1527300"/>
+            <a:ext cx="3672408" cy="3557884"/>
           </a:xfrm>
           <a:prstGeom prst="rect">
             <a:avLst/>
@@ -15925,8 +14751,8 @@
         </p:nvSpPr>
         <p:spPr bwMode="auto">
           <a:xfrm>
-            <a:off x="683568" y="3756357"/>
-            <a:ext cx="7416824" cy="3416320"/>
+            <a:off x="683568" y="3501008"/>
+            <a:ext cx="7416824" cy="3693319"/>
           </a:xfrm>
           <a:prstGeom prst="rect">
             <a:avLst/>
@@ -16055,8 +14881,17 @@
             </a:r>
             <a:r>
               <a:rPr lang="nl-NL" sz="1800" dirty="0" smtClean="0"/>
-              <a:t> = 46</a:t>
-            </a:r>
+              <a:t> = </a:t>
+            </a:r>
+            <a:r>
+              <a:rPr lang="nl-NL" sz="1800" dirty="0" smtClean="0"/>
+              <a:t>0.046 </a:t>
+            </a:r>
+            <a:r>
+              <a:rPr lang="nl-NL" sz="1800" dirty="0" err="1" smtClean="0"/>
+              <a:t>billion</a:t>
+            </a:r>
+            <a:endParaRPr lang="nl-NL" sz="1800" dirty="0" smtClean="0"/>
           </a:p>
           <a:p>
             <a:r>
@@ -16077,7 +14912,50 @@
             </a:r>
             <a:r>
               <a:rPr lang="nl-NL" sz="1800" dirty="0" smtClean="0"/>
-              <a:t>: views per </a:t>
+              <a:t>: </a:t>
+            </a:r>
+            <a:r>
+              <a:rPr lang="nl-NL" sz="1800" dirty="0" smtClean="0"/>
+              <a:t>views </a:t>
+            </a:r>
+            <a:r>
+              <a:rPr lang="nl-NL" sz="1800" dirty="0" smtClean="0"/>
+              <a:t>per </a:t>
+            </a:r>
+            <a:r>
+              <a:rPr lang="nl-NL" sz="1800" dirty="0" err="1" smtClean="0"/>
+              <a:t>million</a:t>
+            </a:r>
+            <a:r>
+              <a:rPr lang="nl-NL" sz="1800" dirty="0" smtClean="0"/>
+              <a:t> </a:t>
+            </a:r>
+            <a:r>
+              <a:rPr lang="nl-NL" sz="1800" dirty="0" err="1" smtClean="0"/>
+              <a:t>subscribers</a:t>
+            </a:r>
+            <a:r>
+              <a:rPr lang="nl-NL" sz="1800" dirty="0" smtClean="0"/>
+              <a:t> </a:t>
+            </a:r>
+            <a:r>
+              <a:rPr lang="nl-NL" sz="1800" dirty="0" smtClean="0"/>
+              <a:t>= </a:t>
+            </a:r>
+            <a:r>
+              <a:rPr lang="nl-NL" sz="1800" dirty="0" smtClean="0"/>
+              <a:t>0.417 </a:t>
+            </a:r>
+            <a:r>
+              <a:rPr lang="nl-NL" sz="1800" dirty="0" err="1" smtClean="0"/>
+              <a:t>billion</a:t>
+            </a:r>
+            <a:endParaRPr lang="nl-NL" sz="1800" dirty="0" smtClean="0"/>
+          </a:p>
+          <a:p>
+            <a:r>
+              <a:rPr lang="nl-NL" sz="1800" dirty="0" smtClean="0"/>
+              <a:t>(=417 views per </a:t>
             </a:r>
             <a:r>
               <a:rPr lang="nl-NL" sz="1800" dirty="0" err="1" smtClean="0"/>
@@ -16085,8 +14963,9 @@
             </a:r>
             <a:r>
               <a:rPr lang="nl-NL" sz="1800" dirty="0" smtClean="0"/>
-              <a:t> = 416.7</a:t>
-            </a:r>
+              <a:t>)</a:t>
+            </a:r>
+            <a:endParaRPr lang="nl-NL" sz="1800" dirty="0" smtClean="0"/>
           </a:p>
           <a:p>
             <a:endParaRPr lang="nl-NL" sz="1800" dirty="0" smtClean="0"/>
@@ -16383,7 +15262,7 @@
       </mc:AlternateContent>
       <p:pic>
         <p:nvPicPr>
-          <p:cNvPr id="13" name="Afbeelding 12"/>
+          <p:cNvPr id="9" name="Afbeelding 8"/>
           <p:cNvPicPr>
             <a:picLocks noChangeAspect="1"/>
           </p:cNvPicPr>
@@ -16397,146 +15276,14 @@
         </p:blipFill>
         <p:spPr>
           <a:xfrm>
-            <a:off x="5355277" y="1330287"/>
-            <a:ext cx="3350209" cy="3464421"/>
+            <a:off x="5283448" y="1238520"/>
+            <a:ext cx="3453904" cy="3246254"/>
           </a:xfrm>
           <a:prstGeom prst="rect">
             <a:avLst/>
           </a:prstGeom>
         </p:spPr>
       </p:pic>
-      <p:cxnSp>
-        <p:nvCxnSpPr>
-          <p:cNvPr id="8" name="Rechte verbindingslijn 7"/>
-          <p:cNvCxnSpPr/>
-          <p:nvPr/>
-        </p:nvCxnSpPr>
-        <p:spPr bwMode="auto">
-          <a:xfrm>
-            <a:off x="8460432" y="2708920"/>
-            <a:ext cx="0" cy="537550"/>
-          </a:xfrm>
-          <a:prstGeom prst="line">
-            <a:avLst/>
-          </a:prstGeom>
-          <a:ln>
-            <a:headEnd type="none" w="med" len="med"/>
-            <a:tailEnd type="none" w="med" len="med"/>
-          </a:ln>
-        </p:spPr>
-        <p:style>
-          <a:lnRef idx="1">
-            <a:schemeClr val="accent6"/>
-          </a:lnRef>
-          <a:fillRef idx="0">
-            <a:schemeClr val="accent6"/>
-          </a:fillRef>
-          <a:effectRef idx="0">
-            <a:schemeClr val="accent6"/>
-          </a:effectRef>
-          <a:fontRef idx="minor">
-            <a:schemeClr val="tx1"/>
-          </a:fontRef>
-        </p:style>
-      </p:cxnSp>
-      <p:cxnSp>
-        <p:nvCxnSpPr>
-          <p:cNvPr id="7" name="Rechte verbindingslijn 6"/>
-          <p:cNvCxnSpPr/>
-          <p:nvPr/>
-        </p:nvCxnSpPr>
-        <p:spPr bwMode="auto">
-          <a:xfrm>
-            <a:off x="8299240" y="1736812"/>
-            <a:ext cx="0" cy="1080120"/>
-          </a:xfrm>
-          <a:prstGeom prst="line">
-            <a:avLst/>
-          </a:prstGeom>
-          <a:ln>
-            <a:headEnd type="none" w="med" len="med"/>
-            <a:tailEnd type="none" w="med" len="med"/>
-          </a:ln>
-        </p:spPr>
-        <p:style>
-          <a:lnRef idx="1">
-            <a:schemeClr val="accent6"/>
-          </a:lnRef>
-          <a:fillRef idx="0">
-            <a:schemeClr val="accent6"/>
-          </a:fillRef>
-          <a:effectRef idx="0">
-            <a:schemeClr val="accent6"/>
-          </a:effectRef>
-          <a:fontRef idx="minor">
-            <a:schemeClr val="tx1"/>
-          </a:fontRef>
-        </p:style>
-      </p:cxnSp>
-      <p:sp>
-        <p:nvSpPr>
-          <p:cNvPr id="12" name="Tekstvak 11"/>
-          <p:cNvSpPr txBox="1"/>
-          <p:nvPr/>
-        </p:nvSpPr>
-        <p:spPr>
-          <a:xfrm>
-            <a:off x="7705167" y="3384867"/>
-            <a:ext cx="1236236" cy="307777"/>
-          </a:xfrm>
-          <a:prstGeom prst="rect">
-            <a:avLst/>
-          </a:prstGeom>
-          <a:noFill/>
-        </p:spPr>
-        <p:txBody>
-          <a:bodyPr wrap="none" rtlCol="0">
-            <a:spAutoFit/>
-          </a:bodyPr>
-          <a:lstStyle/>
-          <a:p>
-            <a:r>
-              <a:rPr lang="nl-NL" dirty="0" smtClean="0"/>
-              <a:t>e </a:t>
-            </a:r>
-            <a:r>
-              <a:rPr lang="nl-NL" smtClean="0"/>
-              <a:t>≈ -10,000M</a:t>
-            </a:r>
-            <a:endParaRPr lang="nl-NL" dirty="0"/>
-          </a:p>
-        </p:txBody>
-      </p:sp>
-      <p:sp>
-        <p:nvSpPr>
-          <p:cNvPr id="11" name="Tekstvak 10"/>
-          <p:cNvSpPr txBox="1"/>
-          <p:nvPr/>
-        </p:nvSpPr>
-        <p:spPr>
-          <a:xfrm>
-            <a:off x="7054255" y="2049800"/>
-            <a:ext cx="1176925" cy="307777"/>
-          </a:xfrm>
-          <a:prstGeom prst="rect">
-            <a:avLst/>
-          </a:prstGeom>
-          <a:noFill/>
-        </p:spPr>
-        <p:txBody>
-          <a:bodyPr wrap="none" rtlCol="0">
-            <a:spAutoFit/>
-          </a:bodyPr>
-          <a:lstStyle/>
-          <a:p>
-            <a:r>
-              <a:rPr lang="nl-NL" dirty="0" smtClean="0"/>
-              <a:t>e ≈ 27,000M</a:t>
-            </a:r>
-            <a:endParaRPr lang="nl-NL" dirty="0"/>
-          </a:p>
-        </p:txBody>
-      </p:sp>
     </p:spTree>
     <p:extLst>
       <p:ext uri="{BB962C8B-B14F-4D97-AF65-F5344CB8AC3E}">
@@ -16551,180 +15298,9 @@
   <p:timing>
     <p:tnLst>
       <p:par>
-        <p:cTn id="1" dur="indefinite" restart="never" nodeType="tmRoot">
-          <p:childTnLst>
-            <p:seq concurrent="1" nextAc="seek">
-              <p:cTn id="2" dur="indefinite" nodeType="mainSeq">
-                <p:childTnLst>
-                  <p:par>
-                    <p:cTn id="3" fill="hold">
-                      <p:stCondLst>
-                        <p:cond delay="indefinite"/>
-                      </p:stCondLst>
-                      <p:childTnLst>
-                        <p:par>
-                          <p:cTn id="4" fill="hold">
-                            <p:stCondLst>
-                              <p:cond delay="0"/>
-                            </p:stCondLst>
-                            <p:childTnLst>
-                              <p:par>
-                                <p:cTn id="5" presetID="1" presetClass="entr" presetSubtype="0" fill="hold" grpId="0" nodeType="clickEffect">
-                                  <p:stCondLst>
-                                    <p:cond delay="0"/>
-                                  </p:stCondLst>
-                                  <p:childTnLst>
-                                    <p:set>
-                                      <p:cBhvr>
-                                        <p:cTn id="6" dur="1" fill="hold">
-                                          <p:stCondLst>
-                                            <p:cond delay="0"/>
-                                          </p:stCondLst>
-                                        </p:cTn>
-                                        <p:tgtEl>
-                                          <p:spTgt spid="12"/>
-                                        </p:tgtEl>
-                                        <p:attrNameLst>
-                                          <p:attrName>style.visibility</p:attrName>
-                                        </p:attrNameLst>
-                                      </p:cBhvr>
-                                      <p:to>
-                                        <p:strVal val="visible"/>
-                                      </p:to>
-                                    </p:set>
-                                  </p:childTnLst>
-                                </p:cTn>
-                              </p:par>
-                              <p:par>
-                                <p:cTn id="7" presetID="1" presetClass="entr" presetSubtype="0" fill="hold" nodeType="withEffect">
-                                  <p:stCondLst>
-                                    <p:cond delay="0"/>
-                                  </p:stCondLst>
-                                  <p:childTnLst>
-                                    <p:set>
-                                      <p:cBhvr>
-                                        <p:cTn id="8" dur="1" fill="hold">
-                                          <p:stCondLst>
-                                            <p:cond delay="0"/>
-                                          </p:stCondLst>
-                                        </p:cTn>
-                                        <p:tgtEl>
-                                          <p:spTgt spid="8"/>
-                                        </p:tgtEl>
-                                        <p:attrNameLst>
-                                          <p:attrName>style.visibility</p:attrName>
-                                        </p:attrNameLst>
-                                      </p:cBhvr>
-                                      <p:to>
-                                        <p:strVal val="visible"/>
-                                      </p:to>
-                                    </p:set>
-                                  </p:childTnLst>
-                                </p:cTn>
-                              </p:par>
-                            </p:childTnLst>
-                          </p:cTn>
-                        </p:par>
-                      </p:childTnLst>
-                    </p:cTn>
-                  </p:par>
-                  <p:par>
-                    <p:cTn id="9" fill="hold">
-                      <p:stCondLst>
-                        <p:cond delay="indefinite"/>
-                      </p:stCondLst>
-                      <p:childTnLst>
-                        <p:par>
-                          <p:cTn id="10" fill="hold">
-                            <p:stCondLst>
-                              <p:cond delay="0"/>
-                            </p:stCondLst>
-                            <p:childTnLst>
-                              <p:par>
-                                <p:cTn id="11" presetID="1" presetClass="entr" presetSubtype="0" fill="hold" nodeType="clickEffect">
-                                  <p:stCondLst>
-                                    <p:cond delay="0"/>
-                                  </p:stCondLst>
-                                  <p:childTnLst>
-                                    <p:set>
-                                      <p:cBhvr>
-                                        <p:cTn id="12" dur="1" fill="hold">
-                                          <p:stCondLst>
-                                            <p:cond delay="0"/>
-                                          </p:stCondLst>
-                                        </p:cTn>
-                                        <p:tgtEl>
-                                          <p:spTgt spid="7"/>
-                                        </p:tgtEl>
-                                        <p:attrNameLst>
-                                          <p:attrName>style.visibility</p:attrName>
-                                        </p:attrNameLst>
-                                      </p:cBhvr>
-                                      <p:to>
-                                        <p:strVal val="visible"/>
-                                      </p:to>
-                                    </p:set>
-                                  </p:childTnLst>
-                                </p:cTn>
-                              </p:par>
-                              <p:par>
-                                <p:cTn id="13" presetID="1" presetClass="entr" presetSubtype="0" fill="hold" grpId="0" nodeType="withEffect">
-                                  <p:stCondLst>
-                                    <p:cond delay="0"/>
-                                  </p:stCondLst>
-                                  <p:childTnLst>
-                                    <p:set>
-                                      <p:cBhvr>
-                                        <p:cTn id="14" dur="1" fill="hold">
-                                          <p:stCondLst>
-                                            <p:cond delay="0"/>
-                                          </p:stCondLst>
-                                        </p:cTn>
-                                        <p:tgtEl>
-                                          <p:spTgt spid="11"/>
-                                        </p:tgtEl>
-                                        <p:attrNameLst>
-                                          <p:attrName>style.visibility</p:attrName>
-                                        </p:attrNameLst>
-                                      </p:cBhvr>
-                                      <p:to>
-                                        <p:strVal val="visible"/>
-                                      </p:to>
-                                    </p:set>
-                                  </p:childTnLst>
-                                </p:cTn>
-                              </p:par>
-                            </p:childTnLst>
-                          </p:cTn>
-                        </p:par>
-                      </p:childTnLst>
-                    </p:cTn>
-                  </p:par>
-                </p:childTnLst>
-              </p:cTn>
-              <p:prevCondLst>
-                <p:cond evt="onPrev" delay="0">
-                  <p:tgtEl>
-                    <p:sldTgt/>
-                  </p:tgtEl>
-                </p:cond>
-              </p:prevCondLst>
-              <p:nextCondLst>
-                <p:cond evt="onNext" delay="0">
-                  <p:tgtEl>
-                    <p:sldTgt/>
-                  </p:tgtEl>
-                </p:cond>
-              </p:nextCondLst>
-            </p:seq>
-          </p:childTnLst>
-        </p:cTn>
+        <p:cTn id="1" dur="indefinite" restart="never" nodeType="tmRoot"/>
       </p:par>
     </p:tnLst>
-    <p:bldLst>
-      <p:bldP spid="12" grpId="0"/>
-      <p:bldP spid="11" grpId="0"/>
-    </p:bldLst>
   </p:timing>
 </p:sld>
 </file>
@@ -16783,14 +15359,14 @@
             <p:ph idx="1"/>
             <p:extLst>
               <p:ext uri="{D42A27DB-BD31-4B8C-83A1-F6EECF244321}">
-                <p14:modId xmlns:p14="http://schemas.microsoft.com/office/powerpoint/2010/main" val="2330632633"/>
+                <p14:modId xmlns:p14="http://schemas.microsoft.com/office/powerpoint/2010/main" val="346748674"/>
               </p:ext>
             </p:extLst>
           </p:nvPr>
         </p:nvGraphicFramePr>
         <p:xfrm>
           <a:off x="467544" y="2484903"/>
-          <a:ext cx="8496941" cy="3168352"/>
+          <a:ext cx="8496941" cy="2381441"/>
         </p:xfrm>
         <a:graphic>
           <a:graphicData uri="http://schemas.openxmlformats.org/drawingml/2006/table">
@@ -16871,7 +15447,19 @@
                     <a:p>
                       <a:r>
                         <a:rPr lang="nl-NL" sz="1400" dirty="0" smtClean="0"/>
-                        <a:t>X (</a:t>
+                        <a:t>X </a:t>
+                      </a:r>
+                      <a:r>
+                        <a:rPr lang="nl-NL" sz="1400" dirty="0" smtClean="0"/>
+                        <a:t>(</a:t>
+                      </a:r>
+                      <a:r>
+                        <a:rPr lang="nl-NL" sz="1400" dirty="0" err="1" smtClean="0"/>
+                        <a:t>million</a:t>
+                      </a:r>
+                      <a:r>
+                        <a:rPr lang="nl-NL" sz="1400" baseline="0" dirty="0" smtClean="0"/>
+                        <a:t> </a:t>
                       </a:r>
                       <a:r>
                         <a:rPr lang="nl-NL" sz="1400" dirty="0" err="1" smtClean="0"/>
@@ -16893,7 +15481,23 @@
                     <a:p>
                       <a:r>
                         <a:rPr lang="nl-NL" sz="1400" dirty="0" smtClean="0"/>
-                        <a:t>Y (views)</a:t>
+                        <a:t>Y </a:t>
+                      </a:r>
+                      <a:r>
+                        <a:rPr lang="nl-NL" sz="1400" dirty="0" smtClean="0"/>
+                        <a:t>(</a:t>
+                      </a:r>
+                      <a:r>
+                        <a:rPr lang="nl-NL" sz="1400" dirty="0" err="1" smtClean="0"/>
+                        <a:t>billion</a:t>
+                      </a:r>
+                      <a:r>
+                        <a:rPr lang="nl-NL" sz="1400" dirty="0" smtClean="0"/>
+                        <a:t> views</a:t>
+                      </a:r>
+                      <a:r>
+                        <a:rPr lang="nl-NL" sz="1400" dirty="0" smtClean="0"/>
+                        <a:t>)</a:t>
                       </a:r>
                       <a:endParaRPr lang="nl-NL" sz="1400" dirty="0"/>
                     </a:p>
@@ -17022,7 +15626,7 @@
                       <a:pPr algn="r"/>
                       <a:r>
                         <a:rPr lang="nl-NL" sz="1600" dirty="0" smtClean="0"/>
-                        <a:t>66M</a:t>
+                        <a:t>66</a:t>
                       </a:r>
                       <a:endParaRPr lang="nl-NL" sz="1600" dirty="0"/>
                     </a:p>
@@ -17037,7 +15641,7 @@
                       <a:pPr algn="r"/>
                       <a:r>
                         <a:rPr lang="nl-NL" sz="1600" dirty="0" smtClean="0"/>
-                        <a:t>19000M</a:t>
+                        <a:t>19</a:t>
                       </a:r>
                       <a:endParaRPr lang="nl-NL" sz="1600" dirty="0"/>
                     </a:p>
@@ -17052,7 +15656,7 @@
                       <a:pPr algn="r"/>
                       <a:r>
                         <a:rPr lang="nl-NL" sz="1600" dirty="0" smtClean="0"/>
-                        <a:t>46</a:t>
+                        <a:t>0.046</a:t>
                       </a:r>
                       <a:endParaRPr lang="nl-NL" sz="1600" dirty="0"/>
                     </a:p>
@@ -17067,7 +15671,7 @@
                       <a:pPr algn="r"/>
                       <a:r>
                         <a:rPr lang="nl-NL" sz="1600" dirty="0" smtClean="0"/>
-                        <a:t>416.7</a:t>
+                        <a:t>0.417</a:t>
                       </a:r>
                       <a:endParaRPr lang="nl-NL" sz="1600" dirty="0"/>
                     </a:p>
@@ -17082,7 +15686,7 @@
                       <a:pPr algn="r"/>
                       <a:r>
                         <a:rPr lang="nl-NL" sz="1600" dirty="0" smtClean="0"/>
-                        <a:t>28000M</a:t>
+                        <a:t>28</a:t>
                       </a:r>
                       <a:endParaRPr lang="nl-NL" sz="1600" dirty="0"/>
                     </a:p>
@@ -17097,7 +15701,11 @@
                       <a:pPr algn="r"/>
                       <a:r>
                         <a:rPr lang="nl-NL" sz="1600" dirty="0" smtClean="0"/>
-                        <a:t>-9000M</a:t>
+                        <a:t>-</a:t>
+                      </a:r>
+                      <a:r>
+                        <a:rPr lang="nl-NL" sz="1600" dirty="0" smtClean="0"/>
+                        <a:t>9</a:t>
                       </a:r>
                       <a:endParaRPr lang="nl-NL" sz="1600" dirty="0"/>
                     </a:p>
@@ -17191,90 +15799,6 @@
                 <a:extLst>
                   <a:ext uri="{0D108BD9-81ED-4DB2-BD59-A6C34878D82A}">
                     <a16:rowId xmlns:a16="http://schemas.microsoft.com/office/drawing/2014/main" val="1881267638"/>
-                  </a:ext>
-                </a:extLst>
-              </a:tr>
-              <a:tr h="786911">
-                <a:tc>
-                  <a:txBody>
-                    <a:bodyPr/>
-                    <a:lstStyle/>
-                    <a:p>
-                      <a:pPr algn="l"/>
-                      <a:endParaRPr lang="nl-NL" sz="1600" dirty="0"/>
-                    </a:p>
-                  </a:txBody>
-                  <a:tcPr/>
-                </a:tc>
-                <a:tc>
-                  <a:txBody>
-                    <a:bodyPr/>
-                    <a:lstStyle/>
-                    <a:p>
-                      <a:pPr algn="r"/>
-                      <a:endParaRPr lang="nl-NL" sz="1600" dirty="0"/>
-                    </a:p>
-                  </a:txBody>
-                  <a:tcPr/>
-                </a:tc>
-                <a:tc>
-                  <a:txBody>
-                    <a:bodyPr/>
-                    <a:lstStyle/>
-                    <a:p>
-                      <a:pPr algn="r"/>
-                      <a:endParaRPr lang="nl-NL" sz="1600" dirty="0"/>
-                    </a:p>
-                  </a:txBody>
-                  <a:tcPr/>
-                </a:tc>
-                <a:tc>
-                  <a:txBody>
-                    <a:bodyPr/>
-                    <a:lstStyle/>
-                    <a:p>
-                      <a:pPr algn="r"/>
-                      <a:endParaRPr lang="nl-NL" sz="1600" dirty="0"/>
-                    </a:p>
-                  </a:txBody>
-                  <a:tcPr/>
-                </a:tc>
-                <a:tc>
-                  <a:txBody>
-                    <a:bodyPr/>
-                    <a:lstStyle/>
-                    <a:p>
-                      <a:pPr algn="r"/>
-                      <a:endParaRPr lang="nl-NL" sz="1600" dirty="0"/>
-                    </a:p>
-                  </a:txBody>
-                  <a:tcPr/>
-                </a:tc>
-                <a:tc>
-                  <a:txBody>
-                    <a:bodyPr/>
-                    <a:lstStyle/>
-                    <a:p>
-                      <a:pPr algn="r"/>
-                      <a:endParaRPr lang="nl-NL" sz="1600" dirty="0"/>
-                    </a:p>
-                  </a:txBody>
-                  <a:tcPr/>
-                </a:tc>
-                <a:tc>
-                  <a:txBody>
-                    <a:bodyPr/>
-                    <a:lstStyle/>
-                    <a:p>
-                      <a:pPr algn="r"/>
-                      <a:endParaRPr lang="nl-NL" sz="1600" dirty="0"/>
-                    </a:p>
-                  </a:txBody>
-                  <a:tcPr/>
-                </a:tc>
-                <a:extLst>
-                  <a:ext uri="{0D108BD9-81ED-4DB2-BD59-A6C34878D82A}">
-                    <a16:rowId xmlns:a16="http://schemas.microsoft.com/office/drawing/2014/main" val="2287050710"/>
                   </a:ext>
                 </a:extLst>
               </a:tr>
@@ -17619,14 +16143,14 @@
             <p:ph idx="1"/>
             <p:extLst>
               <p:ext uri="{D42A27DB-BD31-4B8C-83A1-F6EECF244321}">
-                <p14:modId xmlns:p14="http://schemas.microsoft.com/office/powerpoint/2010/main" val="179341772"/>
+                <p14:modId xmlns:p14="http://schemas.microsoft.com/office/powerpoint/2010/main" val="2472956060"/>
               </p:ext>
             </p:extLst>
           </p:nvPr>
         </p:nvGraphicFramePr>
         <p:xfrm>
           <a:off x="376067" y="2503191"/>
-          <a:ext cx="8496941" cy="3168352"/>
+          <a:ext cx="8496941" cy="2381441"/>
         </p:xfrm>
         <a:graphic>
           <a:graphicData uri="http://schemas.openxmlformats.org/drawingml/2006/table">
@@ -17707,7 +16231,19 @@
                     <a:p>
                       <a:r>
                         <a:rPr lang="nl-NL" sz="1400" dirty="0" smtClean="0"/>
-                        <a:t>X (</a:t>
+                        <a:t>X </a:t>
+                      </a:r>
+                      <a:r>
+                        <a:rPr lang="nl-NL" sz="1400" dirty="0" smtClean="0"/>
+                        <a:t>(</a:t>
+                      </a:r>
+                      <a:r>
+                        <a:rPr lang="nl-NL" sz="1400" dirty="0" err="1" smtClean="0"/>
+                        <a:t>million</a:t>
+                      </a:r>
+                      <a:r>
+                        <a:rPr lang="nl-NL" sz="1400" dirty="0" smtClean="0"/>
+                        <a:t> </a:t>
                       </a:r>
                       <a:r>
                         <a:rPr lang="nl-NL" sz="1400" dirty="0" err="1" smtClean="0"/>
@@ -17729,7 +16265,27 @@
                     <a:p>
                       <a:r>
                         <a:rPr lang="nl-NL" sz="1400" dirty="0" smtClean="0"/>
-                        <a:t>Y (views)</a:t>
+                        <a:t>Y </a:t>
+                      </a:r>
+                      <a:r>
+                        <a:rPr lang="nl-NL" sz="1400" dirty="0" smtClean="0"/>
+                        <a:t>(</a:t>
+                      </a:r>
+                      <a:r>
+                        <a:rPr lang="nl-NL" sz="1400" dirty="0" err="1" smtClean="0"/>
+                        <a:t>billion</a:t>
+                      </a:r>
+                      <a:r>
+                        <a:rPr lang="nl-NL" sz="1400" baseline="0" dirty="0" smtClean="0"/>
+                        <a:t> </a:t>
+                      </a:r>
+                      <a:r>
+                        <a:rPr lang="nl-NL" sz="1400" dirty="0" smtClean="0"/>
+                        <a:t>views</a:t>
+                      </a:r>
+                      <a:r>
+                        <a:rPr lang="nl-NL" sz="1400" dirty="0" smtClean="0"/>
+                        <a:t>)</a:t>
                       </a:r>
                       <a:endParaRPr lang="nl-NL" sz="1400" dirty="0"/>
                     </a:p>
@@ -17858,7 +16414,7 @@
                       <a:pPr algn="r"/>
                       <a:r>
                         <a:rPr lang="nl-NL" sz="1600" dirty="0" smtClean="0"/>
-                        <a:t>66M</a:t>
+                        <a:t>66</a:t>
                       </a:r>
                       <a:endParaRPr lang="nl-NL" sz="1600" dirty="0"/>
                     </a:p>
@@ -17873,7 +16429,7 @@
                       <a:pPr algn="r"/>
                       <a:r>
                         <a:rPr lang="nl-NL" sz="1600" dirty="0" smtClean="0"/>
-                        <a:t>19000M</a:t>
+                        <a:t>19</a:t>
                       </a:r>
                       <a:endParaRPr lang="nl-NL" sz="1600" dirty="0"/>
                     </a:p>
@@ -17888,7 +16444,7 @@
                       <a:pPr algn="r"/>
                       <a:r>
                         <a:rPr lang="nl-NL" sz="1600" dirty="0" smtClean="0"/>
-                        <a:t>46</a:t>
+                        <a:t>0.046</a:t>
                       </a:r>
                       <a:endParaRPr lang="nl-NL" sz="1600" dirty="0"/>
                     </a:p>
@@ -17903,7 +16459,7 @@
                       <a:pPr algn="r"/>
                       <a:r>
                         <a:rPr lang="nl-NL" sz="1600" dirty="0" smtClean="0"/>
-                        <a:t>416.7</a:t>
+                        <a:t>0.416</a:t>
                       </a:r>
                       <a:endParaRPr lang="nl-NL" sz="1600" dirty="0"/>
                     </a:p>
@@ -17918,7 +16474,7 @@
                       <a:pPr algn="r"/>
                       <a:r>
                         <a:rPr lang="nl-NL" sz="1600" dirty="0" smtClean="0"/>
-                        <a:t>28000M</a:t>
+                        <a:t>28</a:t>
                       </a:r>
                       <a:endParaRPr lang="nl-NL" sz="1600" dirty="0"/>
                     </a:p>
@@ -17933,7 +16489,11 @@
                       <a:pPr algn="r"/>
                       <a:r>
                         <a:rPr lang="nl-NL" sz="1600" dirty="0" smtClean="0"/>
-                        <a:t>-9000M</a:t>
+                        <a:t>-</a:t>
+                      </a:r>
+                      <a:r>
+                        <a:rPr lang="nl-NL" sz="1600" dirty="0" smtClean="0"/>
+                        <a:t>9</a:t>
                       </a:r>
                       <a:endParaRPr lang="nl-NL" sz="1600" dirty="0"/>
                     </a:p>
@@ -17970,7 +16530,7 @@
                       <a:pPr algn="r"/>
                       <a:r>
                         <a:rPr lang="nl-NL" sz="1600" dirty="0" smtClean="0"/>
-                        <a:t>28M</a:t>
+                        <a:t>28</a:t>
                       </a:r>
                       <a:endParaRPr lang="nl-NL" sz="1600" dirty="0"/>
                     </a:p>
@@ -18001,8 +16561,9 @@
                       </a:pPr>
                       <a:r>
                         <a:rPr lang="nl-NL" sz="1600" dirty="0" smtClean="0"/>
-                        <a:t>16000M</a:t>
+                        <a:t>16</a:t>
                       </a:r>
+                      <a:endParaRPr lang="nl-NL" sz="1600" dirty="0" smtClean="0"/>
                     </a:p>
                     <a:p>
                       <a:pPr algn="r"/>
@@ -18019,7 +16580,7 @@
                       <a:pPr algn="r"/>
                       <a:r>
                         <a:rPr lang="nl-NL" sz="1600" dirty="0" smtClean="0"/>
-                        <a:t>46</a:t>
+                        <a:t>0.046</a:t>
                       </a:r>
                       <a:endParaRPr lang="nl-NL" sz="1600" dirty="0"/>
                     </a:p>
@@ -18034,7 +16595,7 @@
                       <a:pPr algn="r"/>
                       <a:r>
                         <a:rPr lang="nl-NL" sz="1600" dirty="0" smtClean="0"/>
-                        <a:t>416.7</a:t>
+                        <a:t>0.416</a:t>
                       </a:r>
                       <a:endParaRPr lang="nl-NL" sz="1600" dirty="0"/>
                     </a:p>
@@ -18049,7 +16610,7 @@
                       <a:pPr algn="r"/>
                       <a:r>
                         <a:rPr lang="nl-NL" sz="1600" dirty="0" smtClean="0"/>
-                        <a:t>12000M</a:t>
+                        <a:t>12</a:t>
                       </a:r>
                       <a:endParaRPr lang="nl-NL" sz="1600" dirty="0"/>
                     </a:p>
@@ -18064,7 +16625,7 @@
                       <a:pPr algn="r"/>
                       <a:r>
                         <a:rPr lang="nl-NL" sz="1600" dirty="0" smtClean="0"/>
-                        <a:t>4000M</a:t>
+                        <a:t>4</a:t>
                       </a:r>
                       <a:endParaRPr lang="nl-NL" sz="1600" dirty="0"/>
                     </a:p>
@@ -18074,90 +16635,6 @@
                 <a:extLst>
                   <a:ext uri="{0D108BD9-81ED-4DB2-BD59-A6C34878D82A}">
                     <a16:rowId xmlns:a16="http://schemas.microsoft.com/office/drawing/2014/main" val="1881267638"/>
-                  </a:ext>
-                </a:extLst>
-              </a:tr>
-              <a:tr h="786911">
-                <a:tc>
-                  <a:txBody>
-                    <a:bodyPr/>
-                    <a:lstStyle/>
-                    <a:p>
-                      <a:pPr algn="l"/>
-                      <a:endParaRPr lang="nl-NL" sz="1600" dirty="0"/>
-                    </a:p>
-                  </a:txBody>
-                  <a:tcPr/>
-                </a:tc>
-                <a:tc>
-                  <a:txBody>
-                    <a:bodyPr/>
-                    <a:lstStyle/>
-                    <a:p>
-                      <a:pPr algn="r"/>
-                      <a:endParaRPr lang="nl-NL" sz="1600" dirty="0"/>
-                    </a:p>
-                  </a:txBody>
-                  <a:tcPr/>
-                </a:tc>
-                <a:tc>
-                  <a:txBody>
-                    <a:bodyPr/>
-                    <a:lstStyle/>
-                    <a:p>
-                      <a:pPr algn="r"/>
-                      <a:endParaRPr lang="nl-NL" sz="1600" dirty="0"/>
-                    </a:p>
-                  </a:txBody>
-                  <a:tcPr/>
-                </a:tc>
-                <a:tc>
-                  <a:txBody>
-                    <a:bodyPr/>
-                    <a:lstStyle/>
-                    <a:p>
-                      <a:pPr algn="r"/>
-                      <a:endParaRPr lang="nl-NL" sz="1600" dirty="0"/>
-                    </a:p>
-                  </a:txBody>
-                  <a:tcPr/>
-                </a:tc>
-                <a:tc>
-                  <a:txBody>
-                    <a:bodyPr/>
-                    <a:lstStyle/>
-                    <a:p>
-                      <a:pPr algn="r"/>
-                      <a:endParaRPr lang="nl-NL" sz="1600" dirty="0"/>
-                    </a:p>
-                  </a:txBody>
-                  <a:tcPr/>
-                </a:tc>
-                <a:tc>
-                  <a:txBody>
-                    <a:bodyPr/>
-                    <a:lstStyle/>
-                    <a:p>
-                      <a:pPr algn="r"/>
-                      <a:endParaRPr lang="nl-NL" sz="1600" dirty="0"/>
-                    </a:p>
-                  </a:txBody>
-                  <a:tcPr/>
-                </a:tc>
-                <a:tc>
-                  <a:txBody>
-                    <a:bodyPr/>
-                    <a:lstStyle/>
-                    <a:p>
-                      <a:pPr algn="r"/>
-                      <a:endParaRPr lang="nl-NL" sz="1600" dirty="0"/>
-                    </a:p>
-                  </a:txBody>
-                  <a:tcPr/>
-                </a:tc>
-                <a:extLst>
-                  <a:ext uri="{0D108BD9-81ED-4DB2-BD59-A6C34878D82A}">
-                    <a16:rowId xmlns:a16="http://schemas.microsoft.com/office/drawing/2014/main" val="2287050710"/>
                   </a:ext>
                 </a:extLst>
               </a:tr>
